--- a/11.Spring Security JWT.pptx
+++ b/11.Spring Security JWT.pptx
@@ -18,6 +18,10 @@
     <p:sldId id="468" r:id="rId12"/>
     <p:sldId id="436" r:id="rId13"/>
     <p:sldId id="469" r:id="rId14"/>
+    <p:sldId id="470" r:id="rId15"/>
+    <p:sldId id="471" r:id="rId16"/>
+    <p:sldId id="472" r:id="rId17"/>
+    <p:sldId id="473" r:id="rId18"/>
   </p:sldIdLst>
   <p:sldSz cx="12192000" cy="6858000"/>
   <p:notesSz cx="6858000" cy="9144000"/>
@@ -848,7 +852,7 @@
           <a:p>
             <a:fld id="{E7E49A89-72C0-40C6-A55C-C6C12D525ACC}" type="datetimeFigureOut">
               <a:rPr lang="en-US" smtClean="0"/>
-              <a:t>10/15/2024</a:t>
+              <a:t>10/22/2024</a:t>
             </a:fld>
             <a:endParaRPr lang="en-US"/>
           </a:p>
@@ -1099,7 +1103,7 @@
           <a:p>
             <a:fld id="{E7E49A89-72C0-40C6-A55C-C6C12D525ACC}" type="datetimeFigureOut">
               <a:rPr lang="en-US" smtClean="0"/>
-              <a:t>10/15/2024</a:t>
+              <a:t>10/22/2024</a:t>
             </a:fld>
             <a:endParaRPr lang="en-US"/>
           </a:p>
@@ -1413,7 +1417,7 @@
           <a:p>
             <a:fld id="{E7E49A89-72C0-40C6-A55C-C6C12D525ACC}" type="datetimeFigureOut">
               <a:rPr lang="en-US" smtClean="0"/>
-              <a:t>10/15/2024</a:t>
+              <a:t>10/22/2024</a:t>
             </a:fld>
             <a:endParaRPr lang="en-US"/>
           </a:p>
@@ -1740,7 +1744,7 @@
           <a:p>
             <a:fld id="{E7E49A89-72C0-40C6-A55C-C6C12D525ACC}" type="datetimeFigureOut">
               <a:rPr lang="en-US" smtClean="0"/>
-              <a:t>10/15/2024</a:t>
+              <a:t>10/22/2024</a:t>
             </a:fld>
             <a:endParaRPr lang="en-US"/>
           </a:p>
@@ -2054,7 +2058,7 @@
           <a:p>
             <a:fld id="{E7E49A89-72C0-40C6-A55C-C6C12D525ACC}" type="datetimeFigureOut">
               <a:rPr lang="en-US" smtClean="0"/>
-              <a:t>10/15/2024</a:t>
+              <a:t>10/22/2024</a:t>
             </a:fld>
             <a:endParaRPr lang="en-US"/>
           </a:p>
@@ -2441,7 +2445,7 @@
           <a:p>
             <a:fld id="{E7E49A89-72C0-40C6-A55C-C6C12D525ACC}" type="datetimeFigureOut">
               <a:rPr lang="en-US" smtClean="0"/>
-              <a:t>10/15/2024</a:t>
+              <a:t>10/22/2024</a:t>
             </a:fld>
             <a:endParaRPr lang="en-US"/>
           </a:p>
@@ -2611,7 +2615,7 @@
           <a:p>
             <a:fld id="{E7E49A89-72C0-40C6-A55C-C6C12D525ACC}" type="datetimeFigureOut">
               <a:rPr lang="en-US" smtClean="0"/>
-              <a:t>10/15/2024</a:t>
+              <a:t>10/22/2024</a:t>
             </a:fld>
             <a:endParaRPr lang="en-US"/>
           </a:p>
@@ -2791,7 +2795,7 @@
           <a:p>
             <a:fld id="{E7E49A89-72C0-40C6-A55C-C6C12D525ACC}" type="datetimeFigureOut">
               <a:rPr lang="en-US" smtClean="0"/>
-              <a:t>10/15/2024</a:t>
+              <a:t>10/22/2024</a:t>
             </a:fld>
             <a:endParaRPr lang="en-US"/>
           </a:p>
@@ -2967,7 +2971,7 @@
           <a:p>
             <a:fld id="{E7E49A89-72C0-40C6-A55C-C6C12D525ACC}" type="datetimeFigureOut">
               <a:rPr lang="en-US" smtClean="0"/>
-              <a:t>10/15/2024</a:t>
+              <a:t>10/22/2024</a:t>
             </a:fld>
             <a:endParaRPr lang="en-US"/>
           </a:p>
@@ -3214,7 +3218,7 @@
           <a:p>
             <a:fld id="{E7E49A89-72C0-40C6-A55C-C6C12D525ACC}" type="datetimeFigureOut">
               <a:rPr lang="en-US" smtClean="0"/>
-              <a:t>10/15/2024</a:t>
+              <a:t>10/22/2024</a:t>
             </a:fld>
             <a:endParaRPr lang="en-US"/>
           </a:p>
@@ -3446,7 +3450,7 @@
           <a:p>
             <a:fld id="{E7E49A89-72C0-40C6-A55C-C6C12D525ACC}" type="datetimeFigureOut">
               <a:rPr lang="en-US" smtClean="0"/>
-              <a:t>10/15/2024</a:t>
+              <a:t>10/22/2024</a:t>
             </a:fld>
             <a:endParaRPr lang="en-US"/>
           </a:p>
@@ -3820,7 +3824,7 @@
           <a:p>
             <a:fld id="{E7E49A89-72C0-40C6-A55C-C6C12D525ACC}" type="datetimeFigureOut">
               <a:rPr lang="en-US" smtClean="0"/>
-              <a:t>10/15/2024</a:t>
+              <a:t>10/22/2024</a:t>
             </a:fld>
             <a:endParaRPr lang="en-US"/>
           </a:p>
@@ -3943,7 +3947,7 @@
           <a:p>
             <a:fld id="{E7E49A89-72C0-40C6-A55C-C6C12D525ACC}" type="datetimeFigureOut">
               <a:rPr lang="en-US" smtClean="0"/>
-              <a:t>10/15/2024</a:t>
+              <a:t>10/22/2024</a:t>
             </a:fld>
             <a:endParaRPr lang="en-US"/>
           </a:p>
@@ -4038,7 +4042,7 @@
           <a:p>
             <a:fld id="{E7E49A89-72C0-40C6-A55C-C6C12D525ACC}" type="datetimeFigureOut">
               <a:rPr lang="en-US" smtClean="0"/>
-              <a:t>10/15/2024</a:t>
+              <a:t>10/22/2024</a:t>
             </a:fld>
             <a:endParaRPr lang="en-US"/>
           </a:p>
@@ -4293,7 +4297,7 @@
           <a:p>
             <a:fld id="{E7E49A89-72C0-40C6-A55C-C6C12D525ACC}" type="datetimeFigureOut">
               <a:rPr lang="en-US" smtClean="0"/>
-              <a:t>10/15/2024</a:t>
+              <a:t>10/22/2024</a:t>
             </a:fld>
             <a:endParaRPr lang="en-US"/>
           </a:p>
@@ -4555,7 +4559,7 @@
           <a:p>
             <a:fld id="{E7E49A89-72C0-40C6-A55C-C6C12D525ACC}" type="datetimeFigureOut">
               <a:rPr lang="en-US" smtClean="0"/>
-              <a:t>10/15/2024</a:t>
+              <a:t>10/22/2024</a:t>
             </a:fld>
             <a:endParaRPr lang="en-US"/>
           </a:p>
@@ -5300,7 +5304,7 @@
           <a:p>
             <a:fld id="{E7E49A89-72C0-40C6-A55C-C6C12D525ACC}" type="datetimeFigureOut">
               <a:rPr lang="en-US" smtClean="0"/>
-              <a:t>10/15/2024</a:t>
+              <a:t>10/22/2024</a:t>
             </a:fld>
             <a:endParaRPr lang="en-US"/>
           </a:p>
@@ -6195,7 +6199,7 @@
                 <a:latin typeface="Arial" panose="020B0604020202020204" pitchFamily="34" charset="0"/>
                 <a:cs typeface="Arial" panose="020B0604020202020204" pitchFamily="34" charset="0"/>
               </a:rPr>
-              <a:t>Theo như hoạt động của JWT, để áp dụng vào Spring ta có thể nhận thấy rằng cần phải có 2 chức năng:</a:t>
+              <a:t>Theo như hoạt động của JWT, để áp dụng vào Spring ta có thể nhận thấy rằng cần phải có 3 chức năng:</a:t>
             </a:r>
           </a:p>
           <a:p>
@@ -6205,7 +6209,7 @@
                 <a:latin typeface="Arial" panose="020B0604020202020204" pitchFamily="34" charset="0"/>
                 <a:cs typeface="Arial" panose="020B0604020202020204" pitchFamily="34" charset="0"/>
               </a:rPr>
-              <a:t>Chức năng tạo token JWT</a:t>
+              <a:t>Chức năng generate token JWT</a:t>
             </a:r>
           </a:p>
           <a:p>
@@ -6215,7 +6219,17 @@
                 <a:latin typeface="Arial" panose="020B0604020202020204" pitchFamily="34" charset="0"/>
                 <a:cs typeface="Arial" panose="020B0604020202020204" pitchFamily="34" charset="0"/>
               </a:rPr>
-              <a:t>Chức năng verify token JWT</a:t>
+              <a:t>Chức năng validate token JWT</a:t>
+            </a:r>
+          </a:p>
+          <a:p>
+            <a:pPr lvl="1"/>
+            <a:r>
+              <a:rPr lang="en-US">
+                <a:latin typeface="Arial" panose="020B0604020202020204" pitchFamily="34" charset="0"/>
+                <a:cs typeface="Arial" panose="020B0604020202020204" pitchFamily="34" charset="0"/>
+              </a:rPr>
+              <a:t>Chức năng extract thông tin từ token JWT</a:t>
             </a:r>
           </a:p>
           <a:p>
@@ -6532,6 +6546,609 @@
     <p:extLst>
       <p:ext uri="{BB962C8B-B14F-4D97-AF65-F5344CB8AC3E}">
         <p14:creationId xmlns:p14="http://schemas.microsoft.com/office/powerpoint/2010/main" val="44970790"/>
+      </p:ext>
+    </p:extLst>
+  </p:cSld>
+  <p:clrMapOvr>
+    <a:masterClrMapping/>
+  </p:clrMapOvr>
+</p:sld>
+</file>
+
+<file path=ppt/slides/slide14.xml><?xml version="1.0" encoding="utf-8"?>
+<p:sld xmlns:a="http://schemas.openxmlformats.org/drawingml/2006/main" xmlns:r="http://schemas.openxmlformats.org/officeDocument/2006/relationships" xmlns:p="http://schemas.openxmlformats.org/presentationml/2006/main">
+  <p:cSld>
+    <p:spTree>
+      <p:nvGrpSpPr>
+        <p:cNvPr id="1" name="">
+          <a:extLst>
+            <a:ext uri="{FF2B5EF4-FFF2-40B4-BE49-F238E27FC236}">
+              <a16:creationId xmlns:a16="http://schemas.microsoft.com/office/drawing/2014/main" id="{DB731DB0-D289-AA8A-1919-E6C3FFBC763A}"/>
+            </a:ext>
+          </a:extLst>
+        </p:cNvPr>
+        <p:cNvGrpSpPr/>
+        <p:nvPr/>
+      </p:nvGrpSpPr>
+      <p:grpSpPr>
+        <a:xfrm>
+          <a:off x="0" y="0"/>
+          <a:ext cx="0" cy="0"/>
+          <a:chOff x="0" y="0"/>
+          <a:chExt cx="0" cy="0"/>
+        </a:xfrm>
+      </p:grpSpPr>
+      <p:sp>
+        <p:nvSpPr>
+          <p:cNvPr id="2" name="Title 1">
+            <a:extLst>
+              <a:ext uri="{FF2B5EF4-FFF2-40B4-BE49-F238E27FC236}">
+                <a16:creationId xmlns:a16="http://schemas.microsoft.com/office/drawing/2014/main" id="{42EE7239-7338-B249-47BA-B03B54EFB9B5}"/>
+              </a:ext>
+            </a:extLst>
+          </p:cNvPr>
+          <p:cNvSpPr>
+            <a:spLocks noGrp="1"/>
+          </p:cNvSpPr>
+          <p:nvPr>
+            <p:ph type="title"/>
+          </p:nvPr>
+        </p:nvSpPr>
+        <p:spPr/>
+        <p:txBody>
+          <a:bodyPr/>
+          <a:lstStyle/>
+          <a:p>
+            <a:r>
+              <a:rPr lang="en-US">
+                <a:latin typeface="Arial" panose="020B0604020202020204" pitchFamily="34" charset="0"/>
+                <a:cs typeface="Arial" panose="020B0604020202020204" pitchFamily="34" charset="0"/>
+              </a:rPr>
+              <a:t>Implement</a:t>
+            </a:r>
+          </a:p>
+        </p:txBody>
+      </p:sp>
+      <p:sp>
+        <p:nvSpPr>
+          <p:cNvPr id="3" name="Content Placeholder 2">
+            <a:extLst>
+              <a:ext uri="{FF2B5EF4-FFF2-40B4-BE49-F238E27FC236}">
+                <a16:creationId xmlns:a16="http://schemas.microsoft.com/office/drawing/2014/main" id="{9362AD2B-DA42-FF2E-02DB-7BC3F3477916}"/>
+              </a:ext>
+            </a:extLst>
+          </p:cNvPr>
+          <p:cNvSpPr>
+            <a:spLocks noGrp="1"/>
+          </p:cNvSpPr>
+          <p:nvPr>
+            <p:ph idx="1"/>
+          </p:nvPr>
+        </p:nvSpPr>
+        <p:spPr/>
+        <p:txBody>
+          <a:bodyPr>
+            <a:normAutofit/>
+          </a:bodyPr>
+          <a:lstStyle/>
+          <a:p>
+            <a:r>
+              <a:rPr lang="en-US">
+                <a:latin typeface="Arial" panose="020B0604020202020204" pitchFamily="34" charset="0"/>
+                <a:cs typeface="Arial" panose="020B0604020202020204" pitchFamily="34" charset="0"/>
+              </a:rPr>
+              <a:t>Đầu tiên tạo các chức năng đã liệt kê ở trên:</a:t>
+            </a:r>
+          </a:p>
+          <a:p>
+            <a:pPr lvl="1"/>
+            <a:r>
+              <a:rPr lang="en-US">
+                <a:latin typeface="Arial" panose="020B0604020202020204" pitchFamily="34" charset="0"/>
+                <a:cs typeface="Arial" panose="020B0604020202020204" pitchFamily="34" charset="0"/>
+              </a:rPr>
+              <a:t>Generate token</a:t>
+            </a:r>
+          </a:p>
+          <a:p>
+            <a:pPr lvl="1"/>
+            <a:r>
+              <a:rPr lang="en-US">
+                <a:latin typeface="Arial" panose="020B0604020202020204" pitchFamily="34" charset="0"/>
+                <a:cs typeface="Arial" panose="020B0604020202020204" pitchFamily="34" charset="0"/>
+              </a:rPr>
+              <a:t>Validate token</a:t>
+            </a:r>
+          </a:p>
+          <a:p>
+            <a:pPr lvl="1"/>
+            <a:r>
+              <a:rPr lang="en-US">
+                <a:latin typeface="Arial" panose="020B0604020202020204" pitchFamily="34" charset="0"/>
+                <a:cs typeface="Arial" panose="020B0604020202020204" pitchFamily="34" charset="0"/>
+              </a:rPr>
+              <a:t>Extract token</a:t>
+            </a:r>
+          </a:p>
+          <a:p>
+            <a:pPr lvl="1"/>
+            <a:endParaRPr lang="en-US">
+              <a:latin typeface="Arial" panose="020B0604020202020204" pitchFamily="34" charset="0"/>
+              <a:cs typeface="Arial" panose="020B0604020202020204" pitchFamily="34" charset="0"/>
+            </a:endParaRPr>
+          </a:p>
+          <a:p>
+            <a:endParaRPr lang="en-US">
+              <a:latin typeface="Arial" panose="020B0604020202020204" pitchFamily="34" charset="0"/>
+              <a:cs typeface="Arial" panose="020B0604020202020204" pitchFamily="34" charset="0"/>
+            </a:endParaRPr>
+          </a:p>
+          <a:p>
+            <a:endParaRPr lang="en-US">
+              <a:latin typeface="Arial" panose="020B0604020202020204" pitchFamily="34" charset="0"/>
+              <a:cs typeface="Arial" panose="020B0604020202020204" pitchFamily="34" charset="0"/>
+            </a:endParaRPr>
+          </a:p>
+          <a:p>
+            <a:endParaRPr lang="en-US">
+              <a:latin typeface="Arial" panose="020B0604020202020204" pitchFamily="34" charset="0"/>
+              <a:cs typeface="Arial" panose="020B0604020202020204" pitchFamily="34" charset="0"/>
+            </a:endParaRPr>
+          </a:p>
+          <a:p>
+            <a:endParaRPr lang="en-US">
+              <a:latin typeface="Arial" panose="020B0604020202020204" pitchFamily="34" charset="0"/>
+              <a:cs typeface="Arial" panose="020B0604020202020204" pitchFamily="34" charset="0"/>
+            </a:endParaRPr>
+          </a:p>
+          <a:p>
+            <a:endParaRPr lang="en-US">
+              <a:latin typeface="Arial" panose="020B0604020202020204" pitchFamily="34" charset="0"/>
+              <a:cs typeface="Arial" panose="020B0604020202020204" pitchFamily="34" charset="0"/>
+            </a:endParaRPr>
+          </a:p>
+          <a:p>
+            <a:endParaRPr lang="en-US">
+              <a:latin typeface="Arial" panose="020B0604020202020204" pitchFamily="34" charset="0"/>
+              <a:cs typeface="Arial" panose="020B0604020202020204" pitchFamily="34" charset="0"/>
+            </a:endParaRPr>
+          </a:p>
+        </p:txBody>
+      </p:sp>
+    </p:spTree>
+    <p:extLst>
+      <p:ext uri="{BB962C8B-B14F-4D97-AF65-F5344CB8AC3E}">
+        <p14:creationId xmlns:p14="http://schemas.microsoft.com/office/powerpoint/2010/main" val="26956544"/>
+      </p:ext>
+    </p:extLst>
+  </p:cSld>
+  <p:clrMapOvr>
+    <a:masterClrMapping/>
+  </p:clrMapOvr>
+</p:sld>
+</file>
+
+<file path=ppt/slides/slide15.xml><?xml version="1.0" encoding="utf-8"?>
+<p:sld xmlns:a="http://schemas.openxmlformats.org/drawingml/2006/main" xmlns:r="http://schemas.openxmlformats.org/officeDocument/2006/relationships" xmlns:p="http://schemas.openxmlformats.org/presentationml/2006/main">
+  <p:cSld>
+    <p:spTree>
+      <p:nvGrpSpPr>
+        <p:cNvPr id="1" name="">
+          <a:extLst>
+            <a:ext uri="{FF2B5EF4-FFF2-40B4-BE49-F238E27FC236}">
+              <a16:creationId xmlns:a16="http://schemas.microsoft.com/office/drawing/2014/main" id="{48D3C987-C254-1383-6AD9-2D91C0F657A7}"/>
+            </a:ext>
+          </a:extLst>
+        </p:cNvPr>
+        <p:cNvGrpSpPr/>
+        <p:nvPr/>
+      </p:nvGrpSpPr>
+      <p:grpSpPr>
+        <a:xfrm>
+          <a:off x="0" y="0"/>
+          <a:ext cx="0" cy="0"/>
+          <a:chOff x="0" y="0"/>
+          <a:chExt cx="0" cy="0"/>
+        </a:xfrm>
+      </p:grpSpPr>
+      <p:sp>
+        <p:nvSpPr>
+          <p:cNvPr id="2" name="Title 1">
+            <a:extLst>
+              <a:ext uri="{FF2B5EF4-FFF2-40B4-BE49-F238E27FC236}">
+                <a16:creationId xmlns:a16="http://schemas.microsoft.com/office/drawing/2014/main" id="{89D2EE01-4F18-63F1-D379-3EDBF3F4E862}"/>
+              </a:ext>
+            </a:extLst>
+          </p:cNvPr>
+          <p:cNvSpPr>
+            <a:spLocks noGrp="1"/>
+          </p:cNvSpPr>
+          <p:nvPr>
+            <p:ph type="title"/>
+          </p:nvPr>
+        </p:nvSpPr>
+        <p:spPr/>
+        <p:txBody>
+          <a:bodyPr/>
+          <a:lstStyle/>
+          <a:p>
+            <a:r>
+              <a:rPr lang="en-US">
+                <a:latin typeface="Arial" panose="020B0604020202020204" pitchFamily="34" charset="0"/>
+                <a:cs typeface="Arial" panose="020B0604020202020204" pitchFamily="34" charset="0"/>
+              </a:rPr>
+              <a:t>Implement</a:t>
+            </a:r>
+          </a:p>
+        </p:txBody>
+      </p:sp>
+      <p:sp>
+        <p:nvSpPr>
+          <p:cNvPr id="3" name="Content Placeholder 2">
+            <a:extLst>
+              <a:ext uri="{FF2B5EF4-FFF2-40B4-BE49-F238E27FC236}">
+                <a16:creationId xmlns:a16="http://schemas.microsoft.com/office/drawing/2014/main" id="{7A800256-D5EC-F6AD-90FD-5C957D161105}"/>
+              </a:ext>
+            </a:extLst>
+          </p:cNvPr>
+          <p:cNvSpPr>
+            <a:spLocks noGrp="1"/>
+          </p:cNvSpPr>
+          <p:nvPr>
+            <p:ph idx="1"/>
+          </p:nvPr>
+        </p:nvSpPr>
+        <p:spPr/>
+        <p:txBody>
+          <a:bodyPr>
+            <a:normAutofit/>
+          </a:bodyPr>
+          <a:lstStyle/>
+          <a:p>
+            <a:r>
+              <a:rPr lang="en-US">
+                <a:latin typeface="Arial" panose="020B0604020202020204" pitchFamily="34" charset="0"/>
+                <a:cs typeface="Arial" panose="020B0604020202020204" pitchFamily="34" charset="0"/>
+              </a:rPr>
+              <a:t>Bây giờ chúng ta cần add thêm chức năng filter, tức là chặn request lại kiểm tra token.</a:t>
+            </a:r>
+          </a:p>
+          <a:p>
+            <a:pPr lvl="1"/>
+            <a:r>
+              <a:rPr lang="en-US">
+                <a:latin typeface="Arial" panose="020B0604020202020204" pitchFamily="34" charset="0"/>
+                <a:cs typeface="Arial" panose="020B0604020202020204" pitchFamily="34" charset="0"/>
+              </a:rPr>
+              <a:t>Nếu OK thì bypass</a:t>
+            </a:r>
+          </a:p>
+          <a:p>
+            <a:pPr lvl="1"/>
+            <a:r>
+              <a:rPr lang="en-US">
+                <a:latin typeface="Arial" panose="020B0604020202020204" pitchFamily="34" charset="0"/>
+                <a:cs typeface="Arial" panose="020B0604020202020204" pitchFamily="34" charset="0"/>
+              </a:rPr>
+              <a:t>Nếu NG thì trả về thông báo lỗi cho user</a:t>
+            </a:r>
+          </a:p>
+          <a:p>
+            <a:endParaRPr lang="en-US">
+              <a:latin typeface="Arial" panose="020B0604020202020204" pitchFamily="34" charset="0"/>
+              <a:cs typeface="Arial" panose="020B0604020202020204" pitchFamily="34" charset="0"/>
+            </a:endParaRPr>
+          </a:p>
+          <a:p>
+            <a:endParaRPr lang="en-US">
+              <a:latin typeface="Arial" panose="020B0604020202020204" pitchFamily="34" charset="0"/>
+              <a:cs typeface="Arial" panose="020B0604020202020204" pitchFamily="34" charset="0"/>
+            </a:endParaRPr>
+          </a:p>
+          <a:p>
+            <a:endParaRPr lang="en-US">
+              <a:latin typeface="Arial" panose="020B0604020202020204" pitchFamily="34" charset="0"/>
+              <a:cs typeface="Arial" panose="020B0604020202020204" pitchFamily="34" charset="0"/>
+            </a:endParaRPr>
+          </a:p>
+          <a:p>
+            <a:endParaRPr lang="en-US">
+              <a:latin typeface="Arial" panose="020B0604020202020204" pitchFamily="34" charset="0"/>
+              <a:cs typeface="Arial" panose="020B0604020202020204" pitchFamily="34" charset="0"/>
+            </a:endParaRPr>
+          </a:p>
+          <a:p>
+            <a:endParaRPr lang="en-US">
+              <a:latin typeface="Arial" panose="020B0604020202020204" pitchFamily="34" charset="0"/>
+              <a:cs typeface="Arial" panose="020B0604020202020204" pitchFamily="34" charset="0"/>
+            </a:endParaRPr>
+          </a:p>
+        </p:txBody>
+      </p:sp>
+    </p:spTree>
+    <p:extLst>
+      <p:ext uri="{BB962C8B-B14F-4D97-AF65-F5344CB8AC3E}">
+        <p14:creationId xmlns:p14="http://schemas.microsoft.com/office/powerpoint/2010/main" val="3474883078"/>
+      </p:ext>
+    </p:extLst>
+  </p:cSld>
+  <p:clrMapOvr>
+    <a:masterClrMapping/>
+  </p:clrMapOvr>
+</p:sld>
+</file>
+
+<file path=ppt/slides/slide16.xml><?xml version="1.0" encoding="utf-8"?>
+<p:sld xmlns:a="http://schemas.openxmlformats.org/drawingml/2006/main" xmlns:r="http://schemas.openxmlformats.org/officeDocument/2006/relationships" xmlns:p="http://schemas.openxmlformats.org/presentationml/2006/main">
+  <p:cSld>
+    <p:spTree>
+      <p:nvGrpSpPr>
+        <p:cNvPr id="1" name="">
+          <a:extLst>
+            <a:ext uri="{FF2B5EF4-FFF2-40B4-BE49-F238E27FC236}">
+              <a16:creationId xmlns:a16="http://schemas.microsoft.com/office/drawing/2014/main" id="{611B3A74-7BF6-28FF-9DBD-B8152049503D}"/>
+            </a:ext>
+          </a:extLst>
+        </p:cNvPr>
+        <p:cNvGrpSpPr/>
+        <p:nvPr/>
+      </p:nvGrpSpPr>
+      <p:grpSpPr>
+        <a:xfrm>
+          <a:off x="0" y="0"/>
+          <a:ext cx="0" cy="0"/>
+          <a:chOff x="0" y="0"/>
+          <a:chExt cx="0" cy="0"/>
+        </a:xfrm>
+      </p:grpSpPr>
+      <p:sp>
+        <p:nvSpPr>
+          <p:cNvPr id="2" name="Title 1">
+            <a:extLst>
+              <a:ext uri="{FF2B5EF4-FFF2-40B4-BE49-F238E27FC236}">
+                <a16:creationId xmlns:a16="http://schemas.microsoft.com/office/drawing/2014/main" id="{EAD7C588-9C96-60CB-1FFC-D50495D3399E}"/>
+              </a:ext>
+            </a:extLst>
+          </p:cNvPr>
+          <p:cNvSpPr>
+            <a:spLocks noGrp="1"/>
+          </p:cNvSpPr>
+          <p:nvPr>
+            <p:ph type="title"/>
+          </p:nvPr>
+        </p:nvSpPr>
+        <p:spPr/>
+        <p:txBody>
+          <a:bodyPr/>
+          <a:lstStyle/>
+          <a:p>
+            <a:r>
+              <a:rPr lang="en-US">
+                <a:latin typeface="Arial" panose="020B0604020202020204" pitchFamily="34" charset="0"/>
+                <a:cs typeface="Arial" panose="020B0604020202020204" pitchFamily="34" charset="0"/>
+              </a:rPr>
+              <a:t>Implement</a:t>
+            </a:r>
+          </a:p>
+        </p:txBody>
+      </p:sp>
+      <p:sp>
+        <p:nvSpPr>
+          <p:cNvPr id="3" name="Content Placeholder 2">
+            <a:extLst>
+              <a:ext uri="{FF2B5EF4-FFF2-40B4-BE49-F238E27FC236}">
+                <a16:creationId xmlns:a16="http://schemas.microsoft.com/office/drawing/2014/main" id="{E465DA25-71CF-B14C-FA63-7DC1787FA44A}"/>
+              </a:ext>
+            </a:extLst>
+          </p:cNvPr>
+          <p:cNvSpPr>
+            <a:spLocks noGrp="1"/>
+          </p:cNvSpPr>
+          <p:nvPr>
+            <p:ph idx="1"/>
+          </p:nvPr>
+        </p:nvSpPr>
+        <p:spPr/>
+        <p:txBody>
+          <a:bodyPr>
+            <a:normAutofit/>
+          </a:bodyPr>
+          <a:lstStyle/>
+          <a:p>
+            <a:r>
+              <a:rPr lang="en-US">
+                <a:latin typeface="Arial" panose="020B0604020202020204" pitchFamily="34" charset="0"/>
+                <a:cs typeface="Arial" panose="020B0604020202020204" pitchFamily="34" charset="0"/>
+              </a:rPr>
+              <a:t>Bây giờ chúng ta cần add thêm chức năng filter, tức là chặn request lại kiểm tra token.</a:t>
+            </a:r>
+          </a:p>
+          <a:p>
+            <a:pPr lvl="1"/>
+            <a:r>
+              <a:rPr lang="en-US">
+                <a:latin typeface="Arial" panose="020B0604020202020204" pitchFamily="34" charset="0"/>
+                <a:cs typeface="Arial" panose="020B0604020202020204" pitchFamily="34" charset="0"/>
+              </a:rPr>
+              <a:t>Nếu OK thì bypass</a:t>
+            </a:r>
+          </a:p>
+          <a:p>
+            <a:pPr lvl="1"/>
+            <a:r>
+              <a:rPr lang="en-US">
+                <a:latin typeface="Arial" panose="020B0604020202020204" pitchFamily="34" charset="0"/>
+                <a:cs typeface="Arial" panose="020B0604020202020204" pitchFamily="34" charset="0"/>
+              </a:rPr>
+              <a:t>Nếu NG thì trả về thông báo lỗi cho user</a:t>
+            </a:r>
+          </a:p>
+          <a:p>
+            <a:endParaRPr lang="en-US">
+              <a:latin typeface="Arial" panose="020B0604020202020204" pitchFamily="34" charset="0"/>
+              <a:cs typeface="Arial" panose="020B0604020202020204" pitchFamily="34" charset="0"/>
+            </a:endParaRPr>
+          </a:p>
+          <a:p>
+            <a:endParaRPr lang="en-US">
+              <a:latin typeface="Arial" panose="020B0604020202020204" pitchFamily="34" charset="0"/>
+              <a:cs typeface="Arial" panose="020B0604020202020204" pitchFamily="34" charset="0"/>
+            </a:endParaRPr>
+          </a:p>
+          <a:p>
+            <a:endParaRPr lang="en-US">
+              <a:latin typeface="Arial" panose="020B0604020202020204" pitchFamily="34" charset="0"/>
+              <a:cs typeface="Arial" panose="020B0604020202020204" pitchFamily="34" charset="0"/>
+            </a:endParaRPr>
+          </a:p>
+          <a:p>
+            <a:endParaRPr lang="en-US">
+              <a:latin typeface="Arial" panose="020B0604020202020204" pitchFamily="34" charset="0"/>
+              <a:cs typeface="Arial" panose="020B0604020202020204" pitchFamily="34" charset="0"/>
+            </a:endParaRPr>
+          </a:p>
+          <a:p>
+            <a:endParaRPr lang="en-US">
+              <a:latin typeface="Arial" panose="020B0604020202020204" pitchFamily="34" charset="0"/>
+              <a:cs typeface="Arial" panose="020B0604020202020204" pitchFamily="34" charset="0"/>
+            </a:endParaRPr>
+          </a:p>
+        </p:txBody>
+      </p:sp>
+    </p:spTree>
+    <p:extLst>
+      <p:ext uri="{BB962C8B-B14F-4D97-AF65-F5344CB8AC3E}">
+        <p14:creationId xmlns:p14="http://schemas.microsoft.com/office/powerpoint/2010/main" val="3614269902"/>
+      </p:ext>
+    </p:extLst>
+  </p:cSld>
+  <p:clrMapOvr>
+    <a:masterClrMapping/>
+  </p:clrMapOvr>
+</p:sld>
+</file>
+
+<file path=ppt/slides/slide17.xml><?xml version="1.0" encoding="utf-8"?>
+<p:sld xmlns:a="http://schemas.openxmlformats.org/drawingml/2006/main" xmlns:r="http://schemas.openxmlformats.org/officeDocument/2006/relationships" xmlns:p="http://schemas.openxmlformats.org/presentationml/2006/main">
+  <p:cSld>
+    <p:spTree>
+      <p:nvGrpSpPr>
+        <p:cNvPr id="1" name="">
+          <a:extLst>
+            <a:ext uri="{FF2B5EF4-FFF2-40B4-BE49-F238E27FC236}">
+              <a16:creationId xmlns:a16="http://schemas.microsoft.com/office/drawing/2014/main" id="{4651CD78-FE11-317B-072F-421C47DEE640}"/>
+            </a:ext>
+          </a:extLst>
+        </p:cNvPr>
+        <p:cNvGrpSpPr/>
+        <p:nvPr/>
+      </p:nvGrpSpPr>
+      <p:grpSpPr>
+        <a:xfrm>
+          <a:off x="0" y="0"/>
+          <a:ext cx="0" cy="0"/>
+          <a:chOff x="0" y="0"/>
+          <a:chExt cx="0" cy="0"/>
+        </a:xfrm>
+      </p:grpSpPr>
+      <p:sp>
+        <p:nvSpPr>
+          <p:cNvPr id="2" name="Title 1">
+            <a:extLst>
+              <a:ext uri="{FF2B5EF4-FFF2-40B4-BE49-F238E27FC236}">
+                <a16:creationId xmlns:a16="http://schemas.microsoft.com/office/drawing/2014/main" id="{EDA538BF-AEBA-1188-4BF3-14366A52F07B}"/>
+              </a:ext>
+            </a:extLst>
+          </p:cNvPr>
+          <p:cNvSpPr>
+            <a:spLocks noGrp="1"/>
+          </p:cNvSpPr>
+          <p:nvPr>
+            <p:ph type="title"/>
+          </p:nvPr>
+        </p:nvSpPr>
+        <p:spPr/>
+        <p:txBody>
+          <a:bodyPr/>
+          <a:lstStyle/>
+          <a:p>
+            <a:r>
+              <a:rPr lang="en-US">
+                <a:latin typeface="Arial" panose="020B0604020202020204" pitchFamily="34" charset="0"/>
+                <a:cs typeface="Arial" panose="020B0604020202020204" pitchFamily="34" charset="0"/>
+              </a:rPr>
+              <a:t>Implement</a:t>
+            </a:r>
+          </a:p>
+        </p:txBody>
+      </p:sp>
+      <p:sp>
+        <p:nvSpPr>
+          <p:cNvPr id="3" name="Content Placeholder 2">
+            <a:extLst>
+              <a:ext uri="{FF2B5EF4-FFF2-40B4-BE49-F238E27FC236}">
+                <a16:creationId xmlns:a16="http://schemas.microsoft.com/office/drawing/2014/main" id="{B77E47D5-F130-BFCA-89FB-4CF27164456E}"/>
+              </a:ext>
+            </a:extLst>
+          </p:cNvPr>
+          <p:cNvSpPr>
+            <a:spLocks noGrp="1"/>
+          </p:cNvSpPr>
+          <p:nvPr>
+            <p:ph idx="1"/>
+          </p:nvPr>
+        </p:nvSpPr>
+        <p:spPr/>
+        <p:txBody>
+          <a:bodyPr>
+            <a:normAutofit/>
+          </a:bodyPr>
+          <a:lstStyle/>
+          <a:p>
+            <a:r>
+              <a:rPr lang="en-US">
+                <a:latin typeface="Arial" panose="020B0604020202020204" pitchFamily="34" charset="0"/>
+                <a:cs typeface="Arial" panose="020B0604020202020204" pitchFamily="34" charset="0"/>
+              </a:rPr>
+              <a:t>Tiếp theo làm sao để config nhận chức năng filter nữa là done</a:t>
+            </a:r>
+          </a:p>
+          <a:p>
+            <a:endParaRPr lang="en-US">
+              <a:latin typeface="Arial" panose="020B0604020202020204" pitchFamily="34" charset="0"/>
+              <a:cs typeface="Arial" panose="020B0604020202020204" pitchFamily="34" charset="0"/>
+            </a:endParaRPr>
+          </a:p>
+          <a:p>
+            <a:endParaRPr lang="en-US">
+              <a:latin typeface="Arial" panose="020B0604020202020204" pitchFamily="34" charset="0"/>
+              <a:cs typeface="Arial" panose="020B0604020202020204" pitchFamily="34" charset="0"/>
+            </a:endParaRPr>
+          </a:p>
+          <a:p>
+            <a:endParaRPr lang="en-US">
+              <a:latin typeface="Arial" panose="020B0604020202020204" pitchFamily="34" charset="0"/>
+              <a:cs typeface="Arial" panose="020B0604020202020204" pitchFamily="34" charset="0"/>
+            </a:endParaRPr>
+          </a:p>
+          <a:p>
+            <a:endParaRPr lang="en-US">
+              <a:latin typeface="Arial" panose="020B0604020202020204" pitchFamily="34" charset="0"/>
+              <a:cs typeface="Arial" panose="020B0604020202020204" pitchFamily="34" charset="0"/>
+            </a:endParaRPr>
+          </a:p>
+          <a:p>
+            <a:endParaRPr lang="en-US">
+              <a:latin typeface="Arial" panose="020B0604020202020204" pitchFamily="34" charset="0"/>
+              <a:cs typeface="Arial" panose="020B0604020202020204" pitchFamily="34" charset="0"/>
+            </a:endParaRPr>
+          </a:p>
+        </p:txBody>
+      </p:sp>
+    </p:spTree>
+    <p:extLst>
+      <p:ext uri="{BB962C8B-B14F-4D97-AF65-F5344CB8AC3E}">
+        <p14:creationId xmlns:p14="http://schemas.microsoft.com/office/powerpoint/2010/main" val="1477238895"/>
       </p:ext>
     </p:extLst>
   </p:cSld>

--- a/11.Spring Security JWT.pptx
+++ b/11.Spring Security JWT.pptx
@@ -19,9 +19,33 @@
     <p:sldId id="436" r:id="rId13"/>
     <p:sldId id="469" r:id="rId14"/>
     <p:sldId id="470" r:id="rId15"/>
-    <p:sldId id="471" r:id="rId16"/>
-    <p:sldId id="472" r:id="rId17"/>
-    <p:sldId id="473" r:id="rId18"/>
+    <p:sldId id="474" r:id="rId16"/>
+    <p:sldId id="475" r:id="rId17"/>
+    <p:sldId id="476" r:id="rId18"/>
+    <p:sldId id="471" r:id="rId19"/>
+    <p:sldId id="472" r:id="rId20"/>
+    <p:sldId id="473" r:id="rId21"/>
+    <p:sldId id="477" r:id="rId22"/>
+    <p:sldId id="478" r:id="rId23"/>
+    <p:sldId id="479" r:id="rId24"/>
+    <p:sldId id="480" r:id="rId25"/>
+    <p:sldId id="481" r:id="rId26"/>
+    <p:sldId id="482" r:id="rId27"/>
+    <p:sldId id="483" r:id="rId28"/>
+    <p:sldId id="484" r:id="rId29"/>
+    <p:sldId id="485" r:id="rId30"/>
+    <p:sldId id="486" r:id="rId31"/>
+    <p:sldId id="487" r:id="rId32"/>
+    <p:sldId id="488" r:id="rId33"/>
+    <p:sldId id="489" r:id="rId34"/>
+    <p:sldId id="490" r:id="rId35"/>
+    <p:sldId id="491" r:id="rId36"/>
+    <p:sldId id="492" r:id="rId37"/>
+    <p:sldId id="493" r:id="rId38"/>
+    <p:sldId id="494" r:id="rId39"/>
+    <p:sldId id="495" r:id="rId40"/>
+    <p:sldId id="496" r:id="rId41"/>
+    <p:sldId id="497" r:id="rId42"/>
   </p:sldIdLst>
   <p:sldSz cx="12192000" cy="6858000"/>
   <p:notesSz cx="6858000" cy="9144000"/>
@@ -852,7 +876,7 @@
           <a:p>
             <a:fld id="{E7E49A89-72C0-40C6-A55C-C6C12D525ACC}" type="datetimeFigureOut">
               <a:rPr lang="en-US" smtClean="0"/>
-              <a:t>10/22/2024</a:t>
+              <a:t>10/28/2024</a:t>
             </a:fld>
             <a:endParaRPr lang="en-US"/>
           </a:p>
@@ -1103,7 +1127,7 @@
           <a:p>
             <a:fld id="{E7E49A89-72C0-40C6-A55C-C6C12D525ACC}" type="datetimeFigureOut">
               <a:rPr lang="en-US" smtClean="0"/>
-              <a:t>10/22/2024</a:t>
+              <a:t>10/28/2024</a:t>
             </a:fld>
             <a:endParaRPr lang="en-US"/>
           </a:p>
@@ -1417,7 +1441,7 @@
           <a:p>
             <a:fld id="{E7E49A89-72C0-40C6-A55C-C6C12D525ACC}" type="datetimeFigureOut">
               <a:rPr lang="en-US" smtClean="0"/>
-              <a:t>10/22/2024</a:t>
+              <a:t>10/28/2024</a:t>
             </a:fld>
             <a:endParaRPr lang="en-US"/>
           </a:p>
@@ -1744,7 +1768,7 @@
           <a:p>
             <a:fld id="{E7E49A89-72C0-40C6-A55C-C6C12D525ACC}" type="datetimeFigureOut">
               <a:rPr lang="en-US" smtClean="0"/>
-              <a:t>10/22/2024</a:t>
+              <a:t>10/28/2024</a:t>
             </a:fld>
             <a:endParaRPr lang="en-US"/>
           </a:p>
@@ -2058,7 +2082,7 @@
           <a:p>
             <a:fld id="{E7E49A89-72C0-40C6-A55C-C6C12D525ACC}" type="datetimeFigureOut">
               <a:rPr lang="en-US" smtClean="0"/>
-              <a:t>10/22/2024</a:t>
+              <a:t>10/28/2024</a:t>
             </a:fld>
             <a:endParaRPr lang="en-US"/>
           </a:p>
@@ -2445,7 +2469,7 @@
           <a:p>
             <a:fld id="{E7E49A89-72C0-40C6-A55C-C6C12D525ACC}" type="datetimeFigureOut">
               <a:rPr lang="en-US" smtClean="0"/>
-              <a:t>10/22/2024</a:t>
+              <a:t>10/28/2024</a:t>
             </a:fld>
             <a:endParaRPr lang="en-US"/>
           </a:p>
@@ -2615,7 +2639,7 @@
           <a:p>
             <a:fld id="{E7E49A89-72C0-40C6-A55C-C6C12D525ACC}" type="datetimeFigureOut">
               <a:rPr lang="en-US" smtClean="0"/>
-              <a:t>10/22/2024</a:t>
+              <a:t>10/28/2024</a:t>
             </a:fld>
             <a:endParaRPr lang="en-US"/>
           </a:p>
@@ -2795,7 +2819,7 @@
           <a:p>
             <a:fld id="{E7E49A89-72C0-40C6-A55C-C6C12D525ACC}" type="datetimeFigureOut">
               <a:rPr lang="en-US" smtClean="0"/>
-              <a:t>10/22/2024</a:t>
+              <a:t>10/28/2024</a:t>
             </a:fld>
             <a:endParaRPr lang="en-US"/>
           </a:p>
@@ -2971,7 +2995,7 @@
           <a:p>
             <a:fld id="{E7E49A89-72C0-40C6-A55C-C6C12D525ACC}" type="datetimeFigureOut">
               <a:rPr lang="en-US" smtClean="0"/>
-              <a:t>10/22/2024</a:t>
+              <a:t>10/28/2024</a:t>
             </a:fld>
             <a:endParaRPr lang="en-US"/>
           </a:p>
@@ -3218,7 +3242,7 @@
           <a:p>
             <a:fld id="{E7E49A89-72C0-40C6-A55C-C6C12D525ACC}" type="datetimeFigureOut">
               <a:rPr lang="en-US" smtClean="0"/>
-              <a:t>10/22/2024</a:t>
+              <a:t>10/28/2024</a:t>
             </a:fld>
             <a:endParaRPr lang="en-US"/>
           </a:p>
@@ -3450,7 +3474,7 @@
           <a:p>
             <a:fld id="{E7E49A89-72C0-40C6-A55C-C6C12D525ACC}" type="datetimeFigureOut">
               <a:rPr lang="en-US" smtClean="0"/>
-              <a:t>10/22/2024</a:t>
+              <a:t>10/28/2024</a:t>
             </a:fld>
             <a:endParaRPr lang="en-US"/>
           </a:p>
@@ -3824,7 +3848,7 @@
           <a:p>
             <a:fld id="{E7E49A89-72C0-40C6-A55C-C6C12D525ACC}" type="datetimeFigureOut">
               <a:rPr lang="en-US" smtClean="0"/>
-              <a:t>10/22/2024</a:t>
+              <a:t>10/28/2024</a:t>
             </a:fld>
             <a:endParaRPr lang="en-US"/>
           </a:p>
@@ -3947,7 +3971,7 @@
           <a:p>
             <a:fld id="{E7E49A89-72C0-40C6-A55C-C6C12D525ACC}" type="datetimeFigureOut">
               <a:rPr lang="en-US" smtClean="0"/>
-              <a:t>10/22/2024</a:t>
+              <a:t>10/28/2024</a:t>
             </a:fld>
             <a:endParaRPr lang="en-US"/>
           </a:p>
@@ -4042,7 +4066,7 @@
           <a:p>
             <a:fld id="{E7E49A89-72C0-40C6-A55C-C6C12D525ACC}" type="datetimeFigureOut">
               <a:rPr lang="en-US" smtClean="0"/>
-              <a:t>10/22/2024</a:t>
+              <a:t>10/28/2024</a:t>
             </a:fld>
             <a:endParaRPr lang="en-US"/>
           </a:p>
@@ -4297,7 +4321,7 @@
           <a:p>
             <a:fld id="{E7E49A89-72C0-40C6-A55C-C6C12D525ACC}" type="datetimeFigureOut">
               <a:rPr lang="en-US" smtClean="0"/>
-              <a:t>10/22/2024</a:t>
+              <a:t>10/28/2024</a:t>
             </a:fld>
             <a:endParaRPr lang="en-US"/>
           </a:p>
@@ -4559,7 +4583,7 @@
           <a:p>
             <a:fld id="{E7E49A89-72C0-40C6-A55C-C6C12D525ACC}" type="datetimeFigureOut">
               <a:rPr lang="en-US" smtClean="0"/>
-              <a:t>10/22/2024</a:t>
+              <a:t>10/28/2024</a:t>
             </a:fld>
             <a:endParaRPr lang="en-US"/>
           </a:p>
@@ -5304,7 +5328,7 @@
           <a:p>
             <a:fld id="{E7E49A89-72C0-40C6-A55C-C6C12D525ACC}" type="datetimeFigureOut">
               <a:rPr lang="en-US" smtClean="0"/>
-              <a:t>10/22/2024</a:t>
+              <a:t>10/28/2024</a:t>
             </a:fld>
             <a:endParaRPr lang="en-US"/>
           </a:p>
@@ -6736,6 +6760,698 @@
         <p:cNvPr id="1" name="">
           <a:extLst>
             <a:ext uri="{FF2B5EF4-FFF2-40B4-BE49-F238E27FC236}">
+              <a16:creationId xmlns:a16="http://schemas.microsoft.com/office/drawing/2014/main" id="{DB731DB0-D289-AA8A-1919-E6C3FFBC763A}"/>
+            </a:ext>
+          </a:extLst>
+        </p:cNvPr>
+        <p:cNvGrpSpPr/>
+        <p:nvPr/>
+      </p:nvGrpSpPr>
+      <p:grpSpPr>
+        <a:xfrm>
+          <a:off x="0" y="0"/>
+          <a:ext cx="0" cy="0"/>
+          <a:chOff x="0" y="0"/>
+          <a:chExt cx="0" cy="0"/>
+        </a:xfrm>
+      </p:grpSpPr>
+      <p:sp>
+        <p:nvSpPr>
+          <p:cNvPr id="2" name="Title 1">
+            <a:extLst>
+              <a:ext uri="{FF2B5EF4-FFF2-40B4-BE49-F238E27FC236}">
+                <a16:creationId xmlns:a16="http://schemas.microsoft.com/office/drawing/2014/main" id="{42EE7239-7338-B249-47BA-B03B54EFB9B5}"/>
+              </a:ext>
+            </a:extLst>
+          </p:cNvPr>
+          <p:cNvSpPr>
+            <a:spLocks noGrp="1"/>
+          </p:cNvSpPr>
+          <p:nvPr>
+            <p:ph type="title"/>
+          </p:nvPr>
+        </p:nvSpPr>
+        <p:spPr/>
+        <p:txBody>
+          <a:bodyPr/>
+          <a:lstStyle/>
+          <a:p>
+            <a:r>
+              <a:rPr lang="en-US">
+                <a:latin typeface="Arial" panose="020B0604020202020204" pitchFamily="34" charset="0"/>
+                <a:cs typeface="Arial" panose="020B0604020202020204" pitchFamily="34" charset="0"/>
+              </a:rPr>
+              <a:t>Implement</a:t>
+            </a:r>
+          </a:p>
+        </p:txBody>
+      </p:sp>
+      <p:sp>
+        <p:nvSpPr>
+          <p:cNvPr id="3" name="Content Placeholder 2">
+            <a:extLst>
+              <a:ext uri="{FF2B5EF4-FFF2-40B4-BE49-F238E27FC236}">
+                <a16:creationId xmlns:a16="http://schemas.microsoft.com/office/drawing/2014/main" id="{9362AD2B-DA42-FF2E-02DB-7BC3F3477916}"/>
+              </a:ext>
+            </a:extLst>
+          </p:cNvPr>
+          <p:cNvSpPr>
+            <a:spLocks noGrp="1"/>
+          </p:cNvSpPr>
+          <p:nvPr>
+            <p:ph idx="1"/>
+          </p:nvPr>
+        </p:nvSpPr>
+        <p:spPr/>
+        <p:txBody>
+          <a:bodyPr>
+            <a:normAutofit/>
+          </a:bodyPr>
+          <a:lstStyle/>
+          <a:p>
+            <a:r>
+              <a:rPr lang="en-US">
+                <a:latin typeface="Arial" panose="020B0604020202020204" pitchFamily="34" charset="0"/>
+                <a:cs typeface="Arial" panose="020B0604020202020204" pitchFamily="34" charset="0"/>
+              </a:rPr>
+              <a:t>Đầu tiên tạo các chức năng đã liệt kê ở trên:</a:t>
+            </a:r>
+          </a:p>
+          <a:p>
+            <a:pPr lvl="1"/>
+            <a:r>
+              <a:rPr lang="en-US">
+                <a:latin typeface="Arial" panose="020B0604020202020204" pitchFamily="34" charset="0"/>
+                <a:cs typeface="Arial" panose="020B0604020202020204" pitchFamily="34" charset="0"/>
+              </a:rPr>
+              <a:t>Generate token</a:t>
+            </a:r>
+          </a:p>
+          <a:p>
+            <a:pPr lvl="1"/>
+            <a:endParaRPr lang="en-US">
+              <a:latin typeface="Arial" panose="020B0604020202020204" pitchFamily="34" charset="0"/>
+              <a:cs typeface="Arial" panose="020B0604020202020204" pitchFamily="34" charset="0"/>
+            </a:endParaRPr>
+          </a:p>
+          <a:p>
+            <a:pPr lvl="1"/>
+            <a:endParaRPr lang="en-US">
+              <a:latin typeface="Arial" panose="020B0604020202020204" pitchFamily="34" charset="0"/>
+              <a:cs typeface="Arial" panose="020B0604020202020204" pitchFamily="34" charset="0"/>
+            </a:endParaRPr>
+          </a:p>
+          <a:p>
+            <a:pPr lvl="1"/>
+            <a:endParaRPr lang="en-US">
+              <a:latin typeface="Arial" panose="020B0604020202020204" pitchFamily="34" charset="0"/>
+              <a:cs typeface="Arial" panose="020B0604020202020204" pitchFamily="34" charset="0"/>
+            </a:endParaRPr>
+          </a:p>
+          <a:p>
+            <a:pPr lvl="1"/>
+            <a:endParaRPr lang="en-US">
+              <a:latin typeface="Arial" panose="020B0604020202020204" pitchFamily="34" charset="0"/>
+              <a:cs typeface="Arial" panose="020B0604020202020204" pitchFamily="34" charset="0"/>
+            </a:endParaRPr>
+          </a:p>
+          <a:p>
+            <a:pPr lvl="1"/>
+            <a:endParaRPr lang="en-US">
+              <a:latin typeface="Arial" panose="020B0604020202020204" pitchFamily="34" charset="0"/>
+              <a:cs typeface="Arial" panose="020B0604020202020204" pitchFamily="34" charset="0"/>
+            </a:endParaRPr>
+          </a:p>
+          <a:p>
+            <a:pPr lvl="1"/>
+            <a:endParaRPr lang="en-US">
+              <a:latin typeface="Arial" panose="020B0604020202020204" pitchFamily="34" charset="0"/>
+              <a:cs typeface="Arial" panose="020B0604020202020204" pitchFamily="34" charset="0"/>
+            </a:endParaRPr>
+          </a:p>
+          <a:p>
+            <a:pPr lvl="1"/>
+            <a:r>
+              <a:rPr lang="en-US">
+                <a:latin typeface="Arial" panose="020B0604020202020204" pitchFamily="34" charset="0"/>
+                <a:cs typeface="Arial" panose="020B0604020202020204" pitchFamily="34" charset="0"/>
+              </a:rPr>
+              <a:t>Xem xử lý tạo token ở trong function compact() nhé</a:t>
+            </a:r>
+          </a:p>
+          <a:p>
+            <a:pPr lvl="1"/>
+            <a:endParaRPr lang="en-US">
+              <a:latin typeface="Arial" panose="020B0604020202020204" pitchFamily="34" charset="0"/>
+              <a:cs typeface="Arial" panose="020B0604020202020204" pitchFamily="34" charset="0"/>
+            </a:endParaRPr>
+          </a:p>
+          <a:p>
+            <a:endParaRPr lang="en-US">
+              <a:latin typeface="Arial" panose="020B0604020202020204" pitchFamily="34" charset="0"/>
+              <a:cs typeface="Arial" panose="020B0604020202020204" pitchFamily="34" charset="0"/>
+            </a:endParaRPr>
+          </a:p>
+          <a:p>
+            <a:endParaRPr lang="en-US">
+              <a:latin typeface="Arial" panose="020B0604020202020204" pitchFamily="34" charset="0"/>
+              <a:cs typeface="Arial" panose="020B0604020202020204" pitchFamily="34" charset="0"/>
+            </a:endParaRPr>
+          </a:p>
+          <a:p>
+            <a:endParaRPr lang="en-US">
+              <a:latin typeface="Arial" panose="020B0604020202020204" pitchFamily="34" charset="0"/>
+              <a:cs typeface="Arial" panose="020B0604020202020204" pitchFamily="34" charset="0"/>
+            </a:endParaRPr>
+          </a:p>
+          <a:p>
+            <a:endParaRPr lang="en-US">
+              <a:latin typeface="Arial" panose="020B0604020202020204" pitchFamily="34" charset="0"/>
+              <a:cs typeface="Arial" panose="020B0604020202020204" pitchFamily="34" charset="0"/>
+            </a:endParaRPr>
+          </a:p>
+          <a:p>
+            <a:endParaRPr lang="en-US">
+              <a:latin typeface="Arial" panose="020B0604020202020204" pitchFamily="34" charset="0"/>
+              <a:cs typeface="Arial" panose="020B0604020202020204" pitchFamily="34" charset="0"/>
+            </a:endParaRPr>
+          </a:p>
+          <a:p>
+            <a:endParaRPr lang="en-US">
+              <a:latin typeface="Arial" panose="020B0604020202020204" pitchFamily="34" charset="0"/>
+              <a:cs typeface="Arial" panose="020B0604020202020204" pitchFamily="34" charset="0"/>
+            </a:endParaRPr>
+          </a:p>
+        </p:txBody>
+      </p:sp>
+      <p:pic>
+        <p:nvPicPr>
+          <p:cNvPr id="4" name="Picture 3"/>
+          <p:cNvPicPr>
+            <a:picLocks noChangeAspect="1"/>
+          </p:cNvPicPr>
+          <p:nvPr/>
+        </p:nvPicPr>
+        <p:blipFill>
+          <a:blip r:embed="rId2"/>
+          <a:stretch>
+            <a:fillRect/>
+          </a:stretch>
+        </p:blipFill>
+        <p:spPr>
+          <a:xfrm>
+            <a:off x="1219200" y="3026752"/>
+            <a:ext cx="6553200" cy="1771650"/>
+          </a:xfrm>
+          <a:prstGeom prst="rect">
+            <a:avLst/>
+          </a:prstGeom>
+        </p:spPr>
+      </p:pic>
+    </p:spTree>
+    <p:extLst>
+      <p:ext uri="{BB962C8B-B14F-4D97-AF65-F5344CB8AC3E}">
+        <p14:creationId xmlns:p14="http://schemas.microsoft.com/office/powerpoint/2010/main" val="3808299568"/>
+      </p:ext>
+    </p:extLst>
+  </p:cSld>
+  <p:clrMapOvr>
+    <a:masterClrMapping/>
+  </p:clrMapOvr>
+</p:sld>
+</file>
+
+<file path=ppt/slides/slide16.xml><?xml version="1.0" encoding="utf-8"?>
+<p:sld xmlns:a="http://schemas.openxmlformats.org/drawingml/2006/main" xmlns:r="http://schemas.openxmlformats.org/officeDocument/2006/relationships" xmlns:p="http://schemas.openxmlformats.org/presentationml/2006/main">
+  <p:cSld>
+    <p:spTree>
+      <p:nvGrpSpPr>
+        <p:cNvPr id="1" name="">
+          <a:extLst>
+            <a:ext uri="{FF2B5EF4-FFF2-40B4-BE49-F238E27FC236}">
+              <a16:creationId xmlns:a16="http://schemas.microsoft.com/office/drawing/2014/main" id="{DB731DB0-D289-AA8A-1919-E6C3FFBC763A}"/>
+            </a:ext>
+          </a:extLst>
+        </p:cNvPr>
+        <p:cNvGrpSpPr/>
+        <p:nvPr/>
+      </p:nvGrpSpPr>
+      <p:grpSpPr>
+        <a:xfrm>
+          <a:off x="0" y="0"/>
+          <a:ext cx="0" cy="0"/>
+          <a:chOff x="0" y="0"/>
+          <a:chExt cx="0" cy="0"/>
+        </a:xfrm>
+      </p:grpSpPr>
+      <p:sp>
+        <p:nvSpPr>
+          <p:cNvPr id="2" name="Title 1">
+            <a:extLst>
+              <a:ext uri="{FF2B5EF4-FFF2-40B4-BE49-F238E27FC236}">
+                <a16:creationId xmlns:a16="http://schemas.microsoft.com/office/drawing/2014/main" id="{42EE7239-7338-B249-47BA-B03B54EFB9B5}"/>
+              </a:ext>
+            </a:extLst>
+          </p:cNvPr>
+          <p:cNvSpPr>
+            <a:spLocks noGrp="1"/>
+          </p:cNvSpPr>
+          <p:nvPr>
+            <p:ph type="title"/>
+          </p:nvPr>
+        </p:nvSpPr>
+        <p:spPr/>
+        <p:txBody>
+          <a:bodyPr/>
+          <a:lstStyle/>
+          <a:p>
+            <a:r>
+              <a:rPr lang="en-US">
+                <a:latin typeface="Arial" panose="020B0604020202020204" pitchFamily="34" charset="0"/>
+                <a:cs typeface="Arial" panose="020B0604020202020204" pitchFamily="34" charset="0"/>
+              </a:rPr>
+              <a:t>Implement</a:t>
+            </a:r>
+          </a:p>
+        </p:txBody>
+      </p:sp>
+      <p:sp>
+        <p:nvSpPr>
+          <p:cNvPr id="3" name="Content Placeholder 2">
+            <a:extLst>
+              <a:ext uri="{FF2B5EF4-FFF2-40B4-BE49-F238E27FC236}">
+                <a16:creationId xmlns:a16="http://schemas.microsoft.com/office/drawing/2014/main" id="{9362AD2B-DA42-FF2E-02DB-7BC3F3477916}"/>
+              </a:ext>
+            </a:extLst>
+          </p:cNvPr>
+          <p:cNvSpPr>
+            <a:spLocks noGrp="1"/>
+          </p:cNvSpPr>
+          <p:nvPr>
+            <p:ph idx="1"/>
+          </p:nvPr>
+        </p:nvSpPr>
+        <p:spPr>
+          <a:xfrm>
+            <a:off x="677334" y="2160589"/>
+            <a:ext cx="8596668" cy="4184227"/>
+          </a:xfrm>
+        </p:spPr>
+        <p:txBody>
+          <a:bodyPr>
+            <a:normAutofit lnSpcReduction="10000"/>
+          </a:bodyPr>
+          <a:lstStyle/>
+          <a:p>
+            <a:r>
+              <a:rPr lang="en-US">
+                <a:latin typeface="Arial" panose="020B0604020202020204" pitchFamily="34" charset="0"/>
+                <a:cs typeface="Arial" panose="020B0604020202020204" pitchFamily="34" charset="0"/>
+              </a:rPr>
+              <a:t>Đầu tiên tạo các chức năng đã liệt kê ở trên:</a:t>
+            </a:r>
+          </a:p>
+          <a:p>
+            <a:pPr lvl="1"/>
+            <a:r>
+              <a:rPr lang="en-US">
+                <a:latin typeface="Arial" panose="020B0604020202020204" pitchFamily="34" charset="0"/>
+                <a:cs typeface="Arial" panose="020B0604020202020204" pitchFamily="34" charset="0"/>
+              </a:rPr>
+              <a:t>Validate token</a:t>
+            </a:r>
+          </a:p>
+          <a:p>
+            <a:pPr lvl="1"/>
+            <a:endParaRPr lang="en-US">
+              <a:latin typeface="Arial" panose="020B0604020202020204" pitchFamily="34" charset="0"/>
+              <a:cs typeface="Arial" panose="020B0604020202020204" pitchFamily="34" charset="0"/>
+            </a:endParaRPr>
+          </a:p>
+          <a:p>
+            <a:pPr lvl="1"/>
+            <a:endParaRPr lang="en-US">
+              <a:latin typeface="Arial" panose="020B0604020202020204" pitchFamily="34" charset="0"/>
+              <a:cs typeface="Arial" panose="020B0604020202020204" pitchFamily="34" charset="0"/>
+            </a:endParaRPr>
+          </a:p>
+          <a:p>
+            <a:pPr lvl="1"/>
+            <a:endParaRPr lang="en-US">
+              <a:latin typeface="Arial" panose="020B0604020202020204" pitchFamily="34" charset="0"/>
+              <a:cs typeface="Arial" panose="020B0604020202020204" pitchFamily="34" charset="0"/>
+            </a:endParaRPr>
+          </a:p>
+          <a:p>
+            <a:pPr lvl="1"/>
+            <a:endParaRPr lang="en-US">
+              <a:latin typeface="Arial" panose="020B0604020202020204" pitchFamily="34" charset="0"/>
+              <a:cs typeface="Arial" panose="020B0604020202020204" pitchFamily="34" charset="0"/>
+            </a:endParaRPr>
+          </a:p>
+          <a:p>
+            <a:pPr lvl="1"/>
+            <a:endParaRPr lang="en-US">
+              <a:latin typeface="Arial" panose="020B0604020202020204" pitchFamily="34" charset="0"/>
+              <a:cs typeface="Arial" panose="020B0604020202020204" pitchFamily="34" charset="0"/>
+            </a:endParaRPr>
+          </a:p>
+          <a:p>
+            <a:pPr lvl="1"/>
+            <a:endParaRPr lang="en-US">
+              <a:latin typeface="Arial" panose="020B0604020202020204" pitchFamily="34" charset="0"/>
+              <a:cs typeface="Arial" panose="020B0604020202020204" pitchFamily="34" charset="0"/>
+            </a:endParaRPr>
+          </a:p>
+          <a:p>
+            <a:pPr lvl="1"/>
+            <a:endParaRPr lang="en-US">
+              <a:latin typeface="Arial" panose="020B0604020202020204" pitchFamily="34" charset="0"/>
+              <a:cs typeface="Arial" panose="020B0604020202020204" pitchFamily="34" charset="0"/>
+            </a:endParaRPr>
+          </a:p>
+          <a:p>
+            <a:pPr lvl="1"/>
+            <a:endParaRPr lang="en-US">
+              <a:latin typeface="Arial" panose="020B0604020202020204" pitchFamily="34" charset="0"/>
+              <a:cs typeface="Arial" panose="020B0604020202020204" pitchFamily="34" charset="0"/>
+            </a:endParaRPr>
+          </a:p>
+          <a:p>
+            <a:pPr lvl="1"/>
+            <a:r>
+              <a:rPr lang="en-US">
+                <a:latin typeface="Arial" panose="020B0604020202020204" pitchFamily="34" charset="0"/>
+                <a:cs typeface="Arial" panose="020B0604020202020204" pitchFamily="34" charset="0"/>
+              </a:rPr>
+              <a:t>Xem xử lý verify ở đây nhé io.jsonwebtoken.impl.DefaultJwtParser.parse(Reader, Payload)</a:t>
+            </a:r>
+          </a:p>
+          <a:p>
+            <a:endParaRPr lang="en-US">
+              <a:latin typeface="Arial" panose="020B0604020202020204" pitchFamily="34" charset="0"/>
+              <a:cs typeface="Arial" panose="020B0604020202020204" pitchFamily="34" charset="0"/>
+            </a:endParaRPr>
+          </a:p>
+          <a:p>
+            <a:endParaRPr lang="en-US">
+              <a:latin typeface="Arial" panose="020B0604020202020204" pitchFamily="34" charset="0"/>
+              <a:cs typeface="Arial" panose="020B0604020202020204" pitchFamily="34" charset="0"/>
+            </a:endParaRPr>
+          </a:p>
+          <a:p>
+            <a:endParaRPr lang="en-US">
+              <a:latin typeface="Arial" panose="020B0604020202020204" pitchFamily="34" charset="0"/>
+              <a:cs typeface="Arial" panose="020B0604020202020204" pitchFamily="34" charset="0"/>
+            </a:endParaRPr>
+          </a:p>
+          <a:p>
+            <a:endParaRPr lang="en-US">
+              <a:latin typeface="Arial" panose="020B0604020202020204" pitchFamily="34" charset="0"/>
+              <a:cs typeface="Arial" panose="020B0604020202020204" pitchFamily="34" charset="0"/>
+            </a:endParaRPr>
+          </a:p>
+          <a:p>
+            <a:endParaRPr lang="en-US">
+              <a:latin typeface="Arial" panose="020B0604020202020204" pitchFamily="34" charset="0"/>
+              <a:cs typeface="Arial" panose="020B0604020202020204" pitchFamily="34" charset="0"/>
+            </a:endParaRPr>
+          </a:p>
+          <a:p>
+            <a:endParaRPr lang="en-US">
+              <a:latin typeface="Arial" panose="020B0604020202020204" pitchFamily="34" charset="0"/>
+              <a:cs typeface="Arial" panose="020B0604020202020204" pitchFamily="34" charset="0"/>
+            </a:endParaRPr>
+          </a:p>
+        </p:txBody>
+      </p:sp>
+      <p:pic>
+        <p:nvPicPr>
+          <p:cNvPr id="4" name="Picture 3"/>
+          <p:cNvPicPr>
+            <a:picLocks noChangeAspect="1"/>
+          </p:cNvPicPr>
+          <p:nvPr/>
+        </p:nvPicPr>
+        <p:blipFill>
+          <a:blip r:embed="rId2"/>
+          <a:stretch>
+            <a:fillRect/>
+          </a:stretch>
+        </p:blipFill>
+        <p:spPr>
+          <a:xfrm>
+            <a:off x="1230524" y="2861986"/>
+            <a:ext cx="6806045" cy="2554432"/>
+          </a:xfrm>
+          <a:prstGeom prst="rect">
+            <a:avLst/>
+          </a:prstGeom>
+        </p:spPr>
+      </p:pic>
+    </p:spTree>
+    <p:extLst>
+      <p:ext uri="{BB962C8B-B14F-4D97-AF65-F5344CB8AC3E}">
+        <p14:creationId xmlns:p14="http://schemas.microsoft.com/office/powerpoint/2010/main" val="3262328324"/>
+      </p:ext>
+    </p:extLst>
+  </p:cSld>
+  <p:clrMapOvr>
+    <a:masterClrMapping/>
+  </p:clrMapOvr>
+</p:sld>
+</file>
+
+<file path=ppt/slides/slide17.xml><?xml version="1.0" encoding="utf-8"?>
+<p:sld xmlns:a="http://schemas.openxmlformats.org/drawingml/2006/main" xmlns:r="http://schemas.openxmlformats.org/officeDocument/2006/relationships" xmlns:p="http://schemas.openxmlformats.org/presentationml/2006/main">
+  <p:cSld>
+    <p:spTree>
+      <p:nvGrpSpPr>
+        <p:cNvPr id="1" name="">
+          <a:extLst>
+            <a:ext uri="{FF2B5EF4-FFF2-40B4-BE49-F238E27FC236}">
+              <a16:creationId xmlns:a16="http://schemas.microsoft.com/office/drawing/2014/main" id="{DB731DB0-D289-AA8A-1919-E6C3FFBC763A}"/>
+            </a:ext>
+          </a:extLst>
+        </p:cNvPr>
+        <p:cNvGrpSpPr/>
+        <p:nvPr/>
+      </p:nvGrpSpPr>
+      <p:grpSpPr>
+        <a:xfrm>
+          <a:off x="0" y="0"/>
+          <a:ext cx="0" cy="0"/>
+          <a:chOff x="0" y="0"/>
+          <a:chExt cx="0" cy="0"/>
+        </a:xfrm>
+      </p:grpSpPr>
+      <p:sp>
+        <p:nvSpPr>
+          <p:cNvPr id="2" name="Title 1">
+            <a:extLst>
+              <a:ext uri="{FF2B5EF4-FFF2-40B4-BE49-F238E27FC236}">
+                <a16:creationId xmlns:a16="http://schemas.microsoft.com/office/drawing/2014/main" id="{42EE7239-7338-B249-47BA-B03B54EFB9B5}"/>
+              </a:ext>
+            </a:extLst>
+          </p:cNvPr>
+          <p:cNvSpPr>
+            <a:spLocks noGrp="1"/>
+          </p:cNvSpPr>
+          <p:nvPr>
+            <p:ph type="title"/>
+          </p:nvPr>
+        </p:nvSpPr>
+        <p:spPr/>
+        <p:txBody>
+          <a:bodyPr/>
+          <a:lstStyle/>
+          <a:p>
+            <a:r>
+              <a:rPr lang="en-US">
+                <a:latin typeface="Arial" panose="020B0604020202020204" pitchFamily="34" charset="0"/>
+                <a:cs typeface="Arial" panose="020B0604020202020204" pitchFamily="34" charset="0"/>
+              </a:rPr>
+              <a:t>Implement</a:t>
+            </a:r>
+          </a:p>
+        </p:txBody>
+      </p:sp>
+      <p:sp>
+        <p:nvSpPr>
+          <p:cNvPr id="3" name="Content Placeholder 2">
+            <a:extLst>
+              <a:ext uri="{FF2B5EF4-FFF2-40B4-BE49-F238E27FC236}">
+                <a16:creationId xmlns:a16="http://schemas.microsoft.com/office/drawing/2014/main" id="{9362AD2B-DA42-FF2E-02DB-7BC3F3477916}"/>
+              </a:ext>
+            </a:extLst>
+          </p:cNvPr>
+          <p:cNvSpPr>
+            <a:spLocks noGrp="1"/>
+          </p:cNvSpPr>
+          <p:nvPr>
+            <p:ph idx="1"/>
+          </p:nvPr>
+        </p:nvSpPr>
+        <p:spPr/>
+        <p:txBody>
+          <a:bodyPr>
+            <a:normAutofit/>
+          </a:bodyPr>
+          <a:lstStyle/>
+          <a:p>
+            <a:r>
+              <a:rPr lang="en-US">
+                <a:latin typeface="Arial" panose="020B0604020202020204" pitchFamily="34" charset="0"/>
+                <a:cs typeface="Arial" panose="020B0604020202020204" pitchFamily="34" charset="0"/>
+              </a:rPr>
+              <a:t>Đầu tiên tạo các chức năng đã liệt kê ở trên:</a:t>
+            </a:r>
+          </a:p>
+          <a:p>
+            <a:pPr lvl="1"/>
+            <a:r>
+              <a:rPr lang="en-US">
+                <a:latin typeface="Arial" panose="020B0604020202020204" pitchFamily="34" charset="0"/>
+                <a:cs typeface="Arial" panose="020B0604020202020204" pitchFamily="34" charset="0"/>
+              </a:rPr>
+              <a:t>Extract token</a:t>
+            </a:r>
+          </a:p>
+          <a:p>
+            <a:pPr lvl="1"/>
+            <a:endParaRPr lang="en-US">
+              <a:latin typeface="Arial" panose="020B0604020202020204" pitchFamily="34" charset="0"/>
+              <a:cs typeface="Arial" panose="020B0604020202020204" pitchFamily="34" charset="0"/>
+            </a:endParaRPr>
+          </a:p>
+          <a:p>
+            <a:pPr lvl="1"/>
+            <a:endParaRPr lang="en-US">
+              <a:latin typeface="Arial" panose="020B0604020202020204" pitchFamily="34" charset="0"/>
+              <a:cs typeface="Arial" panose="020B0604020202020204" pitchFamily="34" charset="0"/>
+            </a:endParaRPr>
+          </a:p>
+          <a:p>
+            <a:pPr lvl="1"/>
+            <a:endParaRPr lang="en-US">
+              <a:latin typeface="Arial" panose="020B0604020202020204" pitchFamily="34" charset="0"/>
+              <a:cs typeface="Arial" panose="020B0604020202020204" pitchFamily="34" charset="0"/>
+            </a:endParaRPr>
+          </a:p>
+          <a:p>
+            <a:pPr lvl="1"/>
+            <a:endParaRPr lang="en-US">
+              <a:latin typeface="Arial" panose="020B0604020202020204" pitchFamily="34" charset="0"/>
+              <a:cs typeface="Arial" panose="020B0604020202020204" pitchFamily="34" charset="0"/>
+            </a:endParaRPr>
+          </a:p>
+          <a:p>
+            <a:pPr lvl="1"/>
+            <a:endParaRPr lang="en-US">
+              <a:latin typeface="Arial" panose="020B0604020202020204" pitchFamily="34" charset="0"/>
+              <a:cs typeface="Arial" panose="020B0604020202020204" pitchFamily="34" charset="0"/>
+            </a:endParaRPr>
+          </a:p>
+          <a:p>
+            <a:pPr lvl="1"/>
+            <a:r>
+              <a:rPr lang="en-US">
+                <a:latin typeface="Arial" panose="020B0604020202020204" pitchFamily="34" charset="0"/>
+                <a:cs typeface="Arial" panose="020B0604020202020204" pitchFamily="34" charset="0"/>
+              </a:rPr>
+              <a:t>io.jsonwebtoken.JwtParser.parseSignedClaims(CharSequence) sẽ trả về cho chúng ta một JWT, nên ta có thể get thông tin header và payload từ đấy.</a:t>
+            </a:r>
+          </a:p>
+          <a:p>
+            <a:pPr lvl="1"/>
+            <a:endParaRPr lang="en-US">
+              <a:latin typeface="Arial" panose="020B0604020202020204" pitchFamily="34" charset="0"/>
+              <a:cs typeface="Arial" panose="020B0604020202020204" pitchFamily="34" charset="0"/>
+            </a:endParaRPr>
+          </a:p>
+          <a:p>
+            <a:endParaRPr lang="en-US">
+              <a:latin typeface="Arial" panose="020B0604020202020204" pitchFamily="34" charset="0"/>
+              <a:cs typeface="Arial" panose="020B0604020202020204" pitchFamily="34" charset="0"/>
+            </a:endParaRPr>
+          </a:p>
+          <a:p>
+            <a:endParaRPr lang="en-US">
+              <a:latin typeface="Arial" panose="020B0604020202020204" pitchFamily="34" charset="0"/>
+              <a:cs typeface="Arial" panose="020B0604020202020204" pitchFamily="34" charset="0"/>
+            </a:endParaRPr>
+          </a:p>
+          <a:p>
+            <a:endParaRPr lang="en-US">
+              <a:latin typeface="Arial" panose="020B0604020202020204" pitchFamily="34" charset="0"/>
+              <a:cs typeface="Arial" panose="020B0604020202020204" pitchFamily="34" charset="0"/>
+            </a:endParaRPr>
+          </a:p>
+          <a:p>
+            <a:endParaRPr lang="en-US">
+              <a:latin typeface="Arial" panose="020B0604020202020204" pitchFamily="34" charset="0"/>
+              <a:cs typeface="Arial" panose="020B0604020202020204" pitchFamily="34" charset="0"/>
+            </a:endParaRPr>
+          </a:p>
+          <a:p>
+            <a:endParaRPr lang="en-US">
+              <a:latin typeface="Arial" panose="020B0604020202020204" pitchFamily="34" charset="0"/>
+              <a:cs typeface="Arial" panose="020B0604020202020204" pitchFamily="34" charset="0"/>
+            </a:endParaRPr>
+          </a:p>
+          <a:p>
+            <a:endParaRPr lang="en-US">
+              <a:latin typeface="Arial" panose="020B0604020202020204" pitchFamily="34" charset="0"/>
+              <a:cs typeface="Arial" panose="020B0604020202020204" pitchFamily="34" charset="0"/>
+            </a:endParaRPr>
+          </a:p>
+        </p:txBody>
+      </p:sp>
+      <p:pic>
+        <p:nvPicPr>
+          <p:cNvPr id="4" name="Picture 3"/>
+          <p:cNvPicPr>
+            <a:picLocks noChangeAspect="1"/>
+          </p:cNvPicPr>
+          <p:nvPr/>
+        </p:nvPicPr>
+        <p:blipFill>
+          <a:blip r:embed="rId2"/>
+          <a:stretch>
+            <a:fillRect/>
+          </a:stretch>
+        </p:blipFill>
+        <p:spPr>
+          <a:xfrm>
+            <a:off x="1234220" y="2927471"/>
+            <a:ext cx="5133975" cy="1495425"/>
+          </a:xfrm>
+          <a:prstGeom prst="rect">
+            <a:avLst/>
+          </a:prstGeom>
+        </p:spPr>
+      </p:pic>
+    </p:spTree>
+    <p:extLst>
+      <p:ext uri="{BB962C8B-B14F-4D97-AF65-F5344CB8AC3E}">
+        <p14:creationId xmlns:p14="http://schemas.microsoft.com/office/powerpoint/2010/main" val="747857471"/>
+      </p:ext>
+    </p:extLst>
+  </p:cSld>
+  <p:clrMapOvr>
+    <a:masterClrMapping/>
+  </p:clrMapOvr>
+</p:sld>
+</file>
+
+<file path=ppt/slides/slide18.xml><?xml version="1.0" encoding="utf-8"?>
+<p:sld xmlns:a="http://schemas.openxmlformats.org/drawingml/2006/main" xmlns:r="http://schemas.openxmlformats.org/officeDocument/2006/relationships" xmlns:p="http://schemas.openxmlformats.org/presentationml/2006/main">
+  <p:cSld>
+    <p:spTree>
+      <p:nvGrpSpPr>
+        <p:cNvPr id="1" name="">
+          <a:extLst>
+            <a:ext uri="{FF2B5EF4-FFF2-40B4-BE49-F238E27FC236}">
               <a16:creationId xmlns:a16="http://schemas.microsoft.com/office/drawing/2014/main" id="{48D3C987-C254-1383-6AD9-2D91C0F657A7}"/>
             </a:ext>
           </a:extLst>
@@ -6878,7 +7594,7 @@
 </p:sld>
 </file>
 
-<file path=ppt/slides/slide16.xml><?xml version="1.0" encoding="utf-8"?>
+<file path=ppt/slides/slide19.xml><?xml version="1.0" encoding="utf-8"?>
 <p:sld xmlns:a="http://schemas.openxmlformats.org/drawingml/2006/main" xmlns:r="http://schemas.openxmlformats.org/officeDocument/2006/relationships" xmlns:p="http://schemas.openxmlformats.org/presentationml/2006/main">
   <p:cSld>
     <p:spTree>
@@ -6964,191 +7680,59 @@
             </a:r>
           </a:p>
           <a:p>
-            <a:pPr lvl="1"/>
-            <a:r>
-              <a:rPr lang="en-US">
-                <a:latin typeface="Arial" panose="020B0604020202020204" pitchFamily="34" charset="0"/>
-                <a:cs typeface="Arial" panose="020B0604020202020204" pitchFamily="34" charset="0"/>
-              </a:rPr>
-              <a:t>Nếu OK thì bypass</a:t>
-            </a:r>
-          </a:p>
-          <a:p>
-            <a:pPr lvl="1"/>
-            <a:r>
-              <a:rPr lang="en-US">
-                <a:latin typeface="Arial" panose="020B0604020202020204" pitchFamily="34" charset="0"/>
-                <a:cs typeface="Arial" panose="020B0604020202020204" pitchFamily="34" charset="0"/>
-              </a:rPr>
-              <a:t>Nếu NG thì trả về thông báo lỗi cho user</a:t>
-            </a:r>
-          </a:p>
-          <a:p>
-            <a:endParaRPr lang="en-US">
-              <a:latin typeface="Arial" panose="020B0604020202020204" pitchFamily="34" charset="0"/>
-              <a:cs typeface="Arial" panose="020B0604020202020204" pitchFamily="34" charset="0"/>
-            </a:endParaRPr>
-          </a:p>
-          <a:p>
-            <a:endParaRPr lang="en-US">
-              <a:latin typeface="Arial" panose="020B0604020202020204" pitchFamily="34" charset="0"/>
-              <a:cs typeface="Arial" panose="020B0604020202020204" pitchFamily="34" charset="0"/>
-            </a:endParaRPr>
-          </a:p>
-          <a:p>
-            <a:endParaRPr lang="en-US">
-              <a:latin typeface="Arial" panose="020B0604020202020204" pitchFamily="34" charset="0"/>
-              <a:cs typeface="Arial" panose="020B0604020202020204" pitchFamily="34" charset="0"/>
-            </a:endParaRPr>
-          </a:p>
-          <a:p>
-            <a:endParaRPr lang="en-US">
-              <a:latin typeface="Arial" panose="020B0604020202020204" pitchFamily="34" charset="0"/>
-              <a:cs typeface="Arial" panose="020B0604020202020204" pitchFamily="34" charset="0"/>
-            </a:endParaRPr>
-          </a:p>
-          <a:p>
-            <a:endParaRPr lang="en-US">
-              <a:latin typeface="Arial" panose="020B0604020202020204" pitchFamily="34" charset="0"/>
-              <a:cs typeface="Arial" panose="020B0604020202020204" pitchFamily="34" charset="0"/>
-            </a:endParaRPr>
-          </a:p>
-        </p:txBody>
-      </p:sp>
+            <a:endParaRPr lang="en-US">
+              <a:latin typeface="Arial" panose="020B0604020202020204" pitchFamily="34" charset="0"/>
+              <a:cs typeface="Arial" panose="020B0604020202020204" pitchFamily="34" charset="0"/>
+            </a:endParaRPr>
+          </a:p>
+          <a:p>
+            <a:endParaRPr lang="en-US">
+              <a:latin typeface="Arial" panose="020B0604020202020204" pitchFamily="34" charset="0"/>
+              <a:cs typeface="Arial" panose="020B0604020202020204" pitchFamily="34" charset="0"/>
+            </a:endParaRPr>
+          </a:p>
+          <a:p>
+            <a:endParaRPr lang="en-US">
+              <a:latin typeface="Arial" panose="020B0604020202020204" pitchFamily="34" charset="0"/>
+              <a:cs typeface="Arial" panose="020B0604020202020204" pitchFamily="34" charset="0"/>
+            </a:endParaRPr>
+          </a:p>
+          <a:p>
+            <a:endParaRPr lang="en-US">
+              <a:latin typeface="Arial" panose="020B0604020202020204" pitchFamily="34" charset="0"/>
+              <a:cs typeface="Arial" panose="020B0604020202020204" pitchFamily="34" charset="0"/>
+            </a:endParaRPr>
+          </a:p>
+        </p:txBody>
+      </p:sp>
+      <p:pic>
+        <p:nvPicPr>
+          <p:cNvPr id="5" name="Picture 4"/>
+          <p:cNvPicPr>
+            <a:picLocks noChangeAspect="1"/>
+          </p:cNvPicPr>
+          <p:nvPr/>
+        </p:nvPicPr>
+        <p:blipFill>
+          <a:blip r:embed="rId2"/>
+          <a:stretch>
+            <a:fillRect/>
+          </a:stretch>
+        </p:blipFill>
+        <p:spPr>
+          <a:xfrm>
+            <a:off x="1108157" y="2773172"/>
+            <a:ext cx="6961103" cy="3597654"/>
+          </a:xfrm>
+          <a:prstGeom prst="rect">
+            <a:avLst/>
+          </a:prstGeom>
+        </p:spPr>
+      </p:pic>
     </p:spTree>
     <p:extLst>
       <p:ext uri="{BB962C8B-B14F-4D97-AF65-F5344CB8AC3E}">
         <p14:creationId xmlns:p14="http://schemas.microsoft.com/office/powerpoint/2010/main" val="3614269902"/>
-      </p:ext>
-    </p:extLst>
-  </p:cSld>
-  <p:clrMapOvr>
-    <a:masterClrMapping/>
-  </p:clrMapOvr>
-</p:sld>
-</file>
-
-<file path=ppt/slides/slide17.xml><?xml version="1.0" encoding="utf-8"?>
-<p:sld xmlns:a="http://schemas.openxmlformats.org/drawingml/2006/main" xmlns:r="http://schemas.openxmlformats.org/officeDocument/2006/relationships" xmlns:p="http://schemas.openxmlformats.org/presentationml/2006/main">
-  <p:cSld>
-    <p:spTree>
-      <p:nvGrpSpPr>
-        <p:cNvPr id="1" name="">
-          <a:extLst>
-            <a:ext uri="{FF2B5EF4-FFF2-40B4-BE49-F238E27FC236}">
-              <a16:creationId xmlns:a16="http://schemas.microsoft.com/office/drawing/2014/main" id="{4651CD78-FE11-317B-072F-421C47DEE640}"/>
-            </a:ext>
-          </a:extLst>
-        </p:cNvPr>
-        <p:cNvGrpSpPr/>
-        <p:nvPr/>
-      </p:nvGrpSpPr>
-      <p:grpSpPr>
-        <a:xfrm>
-          <a:off x="0" y="0"/>
-          <a:ext cx="0" cy="0"/>
-          <a:chOff x="0" y="0"/>
-          <a:chExt cx="0" cy="0"/>
-        </a:xfrm>
-      </p:grpSpPr>
-      <p:sp>
-        <p:nvSpPr>
-          <p:cNvPr id="2" name="Title 1">
-            <a:extLst>
-              <a:ext uri="{FF2B5EF4-FFF2-40B4-BE49-F238E27FC236}">
-                <a16:creationId xmlns:a16="http://schemas.microsoft.com/office/drawing/2014/main" id="{EDA538BF-AEBA-1188-4BF3-14366A52F07B}"/>
-              </a:ext>
-            </a:extLst>
-          </p:cNvPr>
-          <p:cNvSpPr>
-            <a:spLocks noGrp="1"/>
-          </p:cNvSpPr>
-          <p:nvPr>
-            <p:ph type="title"/>
-          </p:nvPr>
-        </p:nvSpPr>
-        <p:spPr/>
-        <p:txBody>
-          <a:bodyPr/>
-          <a:lstStyle/>
-          <a:p>
-            <a:r>
-              <a:rPr lang="en-US">
-                <a:latin typeface="Arial" panose="020B0604020202020204" pitchFamily="34" charset="0"/>
-                <a:cs typeface="Arial" panose="020B0604020202020204" pitchFamily="34" charset="0"/>
-              </a:rPr>
-              <a:t>Implement</a:t>
-            </a:r>
-          </a:p>
-        </p:txBody>
-      </p:sp>
-      <p:sp>
-        <p:nvSpPr>
-          <p:cNvPr id="3" name="Content Placeholder 2">
-            <a:extLst>
-              <a:ext uri="{FF2B5EF4-FFF2-40B4-BE49-F238E27FC236}">
-                <a16:creationId xmlns:a16="http://schemas.microsoft.com/office/drawing/2014/main" id="{B77E47D5-F130-BFCA-89FB-4CF27164456E}"/>
-              </a:ext>
-            </a:extLst>
-          </p:cNvPr>
-          <p:cNvSpPr>
-            <a:spLocks noGrp="1"/>
-          </p:cNvSpPr>
-          <p:nvPr>
-            <p:ph idx="1"/>
-          </p:nvPr>
-        </p:nvSpPr>
-        <p:spPr/>
-        <p:txBody>
-          <a:bodyPr>
-            <a:normAutofit/>
-          </a:bodyPr>
-          <a:lstStyle/>
-          <a:p>
-            <a:r>
-              <a:rPr lang="en-US">
-                <a:latin typeface="Arial" panose="020B0604020202020204" pitchFamily="34" charset="0"/>
-                <a:cs typeface="Arial" panose="020B0604020202020204" pitchFamily="34" charset="0"/>
-              </a:rPr>
-              <a:t>Tiếp theo làm sao để config nhận chức năng filter nữa là done</a:t>
-            </a:r>
-          </a:p>
-          <a:p>
-            <a:endParaRPr lang="en-US">
-              <a:latin typeface="Arial" panose="020B0604020202020204" pitchFamily="34" charset="0"/>
-              <a:cs typeface="Arial" panose="020B0604020202020204" pitchFamily="34" charset="0"/>
-            </a:endParaRPr>
-          </a:p>
-          <a:p>
-            <a:endParaRPr lang="en-US">
-              <a:latin typeface="Arial" panose="020B0604020202020204" pitchFamily="34" charset="0"/>
-              <a:cs typeface="Arial" panose="020B0604020202020204" pitchFamily="34" charset="0"/>
-            </a:endParaRPr>
-          </a:p>
-          <a:p>
-            <a:endParaRPr lang="en-US">
-              <a:latin typeface="Arial" panose="020B0604020202020204" pitchFamily="34" charset="0"/>
-              <a:cs typeface="Arial" panose="020B0604020202020204" pitchFamily="34" charset="0"/>
-            </a:endParaRPr>
-          </a:p>
-          <a:p>
-            <a:endParaRPr lang="en-US">
-              <a:latin typeface="Arial" panose="020B0604020202020204" pitchFamily="34" charset="0"/>
-              <a:cs typeface="Arial" panose="020B0604020202020204" pitchFamily="34" charset="0"/>
-            </a:endParaRPr>
-          </a:p>
-          <a:p>
-            <a:endParaRPr lang="en-US">
-              <a:latin typeface="Arial" panose="020B0604020202020204" pitchFamily="34" charset="0"/>
-              <a:cs typeface="Arial" panose="020B0604020202020204" pitchFamily="34" charset="0"/>
-            </a:endParaRPr>
-          </a:p>
-        </p:txBody>
-      </p:sp>
-    </p:spTree>
-    <p:extLst>
-      <p:ext uri="{BB962C8B-B14F-4D97-AF65-F5344CB8AC3E}">
-        <p14:creationId xmlns:p14="http://schemas.microsoft.com/office/powerpoint/2010/main" val="1477238895"/>
       </p:ext>
     </p:extLst>
   </p:cSld>
@@ -7309,6 +7893,1385 @@
     <p:extLst>
       <p:ext uri="{BB962C8B-B14F-4D97-AF65-F5344CB8AC3E}">
         <p14:creationId xmlns:p14="http://schemas.microsoft.com/office/powerpoint/2010/main" val="1993845584"/>
+      </p:ext>
+    </p:extLst>
+  </p:cSld>
+  <p:clrMapOvr>
+    <a:masterClrMapping/>
+  </p:clrMapOvr>
+</p:sld>
+</file>
+
+<file path=ppt/slides/slide20.xml><?xml version="1.0" encoding="utf-8"?>
+<p:sld xmlns:a="http://schemas.openxmlformats.org/drawingml/2006/main" xmlns:r="http://schemas.openxmlformats.org/officeDocument/2006/relationships" xmlns:p="http://schemas.openxmlformats.org/presentationml/2006/main">
+  <p:cSld>
+    <p:spTree>
+      <p:nvGrpSpPr>
+        <p:cNvPr id="1" name="">
+          <a:extLst>
+            <a:ext uri="{FF2B5EF4-FFF2-40B4-BE49-F238E27FC236}">
+              <a16:creationId xmlns:a16="http://schemas.microsoft.com/office/drawing/2014/main" id="{4651CD78-FE11-317B-072F-421C47DEE640}"/>
+            </a:ext>
+          </a:extLst>
+        </p:cNvPr>
+        <p:cNvGrpSpPr/>
+        <p:nvPr/>
+      </p:nvGrpSpPr>
+      <p:grpSpPr>
+        <a:xfrm>
+          <a:off x="0" y="0"/>
+          <a:ext cx="0" cy="0"/>
+          <a:chOff x="0" y="0"/>
+          <a:chExt cx="0" cy="0"/>
+        </a:xfrm>
+      </p:grpSpPr>
+      <p:sp>
+        <p:nvSpPr>
+          <p:cNvPr id="2" name="Title 1">
+            <a:extLst>
+              <a:ext uri="{FF2B5EF4-FFF2-40B4-BE49-F238E27FC236}">
+                <a16:creationId xmlns:a16="http://schemas.microsoft.com/office/drawing/2014/main" id="{EDA538BF-AEBA-1188-4BF3-14366A52F07B}"/>
+              </a:ext>
+            </a:extLst>
+          </p:cNvPr>
+          <p:cNvSpPr>
+            <a:spLocks noGrp="1"/>
+          </p:cNvSpPr>
+          <p:nvPr>
+            <p:ph type="title"/>
+          </p:nvPr>
+        </p:nvSpPr>
+        <p:spPr/>
+        <p:txBody>
+          <a:bodyPr/>
+          <a:lstStyle/>
+          <a:p>
+            <a:r>
+              <a:rPr lang="en-US">
+                <a:latin typeface="Arial" panose="020B0604020202020204" pitchFamily="34" charset="0"/>
+                <a:cs typeface="Arial" panose="020B0604020202020204" pitchFamily="34" charset="0"/>
+              </a:rPr>
+              <a:t>Implement</a:t>
+            </a:r>
+          </a:p>
+        </p:txBody>
+      </p:sp>
+      <p:sp>
+        <p:nvSpPr>
+          <p:cNvPr id="3" name="Content Placeholder 2">
+            <a:extLst>
+              <a:ext uri="{FF2B5EF4-FFF2-40B4-BE49-F238E27FC236}">
+                <a16:creationId xmlns:a16="http://schemas.microsoft.com/office/drawing/2014/main" id="{B77E47D5-F130-BFCA-89FB-4CF27164456E}"/>
+              </a:ext>
+            </a:extLst>
+          </p:cNvPr>
+          <p:cNvSpPr>
+            <a:spLocks noGrp="1"/>
+          </p:cNvSpPr>
+          <p:nvPr>
+            <p:ph idx="1"/>
+          </p:nvPr>
+        </p:nvSpPr>
+        <p:spPr/>
+        <p:txBody>
+          <a:bodyPr>
+            <a:normAutofit/>
+          </a:bodyPr>
+          <a:lstStyle/>
+          <a:p>
+            <a:r>
+              <a:rPr lang="en-US">
+                <a:latin typeface="Arial" panose="020B0604020202020204" pitchFamily="34" charset="0"/>
+                <a:cs typeface="Arial" panose="020B0604020202020204" pitchFamily="34" charset="0"/>
+              </a:rPr>
+              <a:t>Tiếp theo làm sao để config nhận chức năng filter</a:t>
+            </a:r>
+          </a:p>
+          <a:p>
+            <a:endParaRPr lang="en-US">
+              <a:latin typeface="Arial" panose="020B0604020202020204" pitchFamily="34" charset="0"/>
+              <a:cs typeface="Arial" panose="020B0604020202020204" pitchFamily="34" charset="0"/>
+            </a:endParaRPr>
+          </a:p>
+          <a:p>
+            <a:endParaRPr lang="en-US">
+              <a:latin typeface="Arial" panose="020B0604020202020204" pitchFamily="34" charset="0"/>
+              <a:cs typeface="Arial" panose="020B0604020202020204" pitchFamily="34" charset="0"/>
+            </a:endParaRPr>
+          </a:p>
+          <a:p>
+            <a:endParaRPr lang="en-US">
+              <a:latin typeface="Arial" panose="020B0604020202020204" pitchFamily="34" charset="0"/>
+              <a:cs typeface="Arial" panose="020B0604020202020204" pitchFamily="34" charset="0"/>
+            </a:endParaRPr>
+          </a:p>
+          <a:p>
+            <a:endParaRPr lang="en-US">
+              <a:latin typeface="Arial" panose="020B0604020202020204" pitchFamily="34" charset="0"/>
+              <a:cs typeface="Arial" panose="020B0604020202020204" pitchFamily="34" charset="0"/>
+            </a:endParaRPr>
+          </a:p>
+          <a:p>
+            <a:endParaRPr lang="en-US">
+              <a:latin typeface="Arial" panose="020B0604020202020204" pitchFamily="34" charset="0"/>
+              <a:cs typeface="Arial" panose="020B0604020202020204" pitchFamily="34" charset="0"/>
+            </a:endParaRPr>
+          </a:p>
+        </p:txBody>
+      </p:sp>
+      <p:pic>
+        <p:nvPicPr>
+          <p:cNvPr id="4" name="Picture 3"/>
+          <p:cNvPicPr>
+            <a:picLocks noChangeAspect="1"/>
+          </p:cNvPicPr>
+          <p:nvPr/>
+        </p:nvPicPr>
+        <p:blipFill>
+          <a:blip r:embed="rId2"/>
+          <a:stretch>
+            <a:fillRect/>
+          </a:stretch>
+        </p:blipFill>
+        <p:spPr>
+          <a:xfrm>
+            <a:off x="1099365" y="2484262"/>
+            <a:ext cx="7185845" cy="4175478"/>
+          </a:xfrm>
+          <a:prstGeom prst="rect">
+            <a:avLst/>
+          </a:prstGeom>
+        </p:spPr>
+      </p:pic>
+    </p:spTree>
+    <p:extLst>
+      <p:ext uri="{BB962C8B-B14F-4D97-AF65-F5344CB8AC3E}">
+        <p14:creationId xmlns:p14="http://schemas.microsoft.com/office/powerpoint/2010/main" val="1477238895"/>
+      </p:ext>
+    </p:extLst>
+  </p:cSld>
+  <p:clrMapOvr>
+    <a:masterClrMapping/>
+  </p:clrMapOvr>
+</p:sld>
+</file>
+
+<file path=ppt/slides/slide21.xml><?xml version="1.0" encoding="utf-8"?>
+<p:sld xmlns:a="http://schemas.openxmlformats.org/drawingml/2006/main" xmlns:r="http://schemas.openxmlformats.org/officeDocument/2006/relationships" xmlns:p="http://schemas.openxmlformats.org/presentationml/2006/main">
+  <p:cSld>
+    <p:spTree>
+      <p:nvGrpSpPr>
+        <p:cNvPr id="1" name="">
+          <a:extLst>
+            <a:ext uri="{FF2B5EF4-FFF2-40B4-BE49-F238E27FC236}">
+              <a16:creationId xmlns:a16="http://schemas.microsoft.com/office/drawing/2014/main" id="{4651CD78-FE11-317B-072F-421C47DEE640}"/>
+            </a:ext>
+          </a:extLst>
+        </p:cNvPr>
+        <p:cNvGrpSpPr/>
+        <p:nvPr/>
+      </p:nvGrpSpPr>
+      <p:grpSpPr>
+        <a:xfrm>
+          <a:off x="0" y="0"/>
+          <a:ext cx="0" cy="0"/>
+          <a:chOff x="0" y="0"/>
+          <a:chExt cx="0" cy="0"/>
+        </a:xfrm>
+      </p:grpSpPr>
+      <p:sp>
+        <p:nvSpPr>
+          <p:cNvPr id="2" name="Title 1">
+            <a:extLst>
+              <a:ext uri="{FF2B5EF4-FFF2-40B4-BE49-F238E27FC236}">
+                <a16:creationId xmlns:a16="http://schemas.microsoft.com/office/drawing/2014/main" id="{EDA538BF-AEBA-1188-4BF3-14366A52F07B}"/>
+              </a:ext>
+            </a:extLst>
+          </p:cNvPr>
+          <p:cNvSpPr>
+            <a:spLocks noGrp="1"/>
+          </p:cNvSpPr>
+          <p:nvPr>
+            <p:ph type="title"/>
+          </p:nvPr>
+        </p:nvSpPr>
+        <p:spPr/>
+        <p:txBody>
+          <a:bodyPr/>
+          <a:lstStyle/>
+          <a:p>
+            <a:r>
+              <a:rPr lang="en-US">
+                <a:latin typeface="Arial" panose="020B0604020202020204" pitchFamily="34" charset="0"/>
+                <a:cs typeface="Arial" panose="020B0604020202020204" pitchFamily="34" charset="0"/>
+              </a:rPr>
+              <a:t>Implement</a:t>
+            </a:r>
+          </a:p>
+        </p:txBody>
+      </p:sp>
+      <p:sp>
+        <p:nvSpPr>
+          <p:cNvPr id="3" name="Content Placeholder 2">
+            <a:extLst>
+              <a:ext uri="{FF2B5EF4-FFF2-40B4-BE49-F238E27FC236}">
+                <a16:creationId xmlns:a16="http://schemas.microsoft.com/office/drawing/2014/main" id="{B77E47D5-F130-BFCA-89FB-4CF27164456E}"/>
+              </a:ext>
+            </a:extLst>
+          </p:cNvPr>
+          <p:cNvSpPr>
+            <a:spLocks noGrp="1"/>
+          </p:cNvSpPr>
+          <p:nvPr>
+            <p:ph idx="1"/>
+          </p:nvPr>
+        </p:nvSpPr>
+        <p:spPr/>
+        <p:txBody>
+          <a:bodyPr>
+            <a:normAutofit/>
+          </a:bodyPr>
+          <a:lstStyle/>
+          <a:p>
+            <a:r>
+              <a:rPr lang="en-US">
+                <a:latin typeface="Arial" panose="020B0604020202020204" pitchFamily="34" charset="0"/>
+                <a:cs typeface="Arial" panose="020B0604020202020204" pitchFamily="34" charset="0"/>
+              </a:rPr>
+              <a:t>Theo mọi người thì còn gì nữa không? ^^</a:t>
+            </a:r>
+          </a:p>
+          <a:p>
+            <a:endParaRPr lang="en-US">
+              <a:latin typeface="Arial" panose="020B0604020202020204" pitchFamily="34" charset="0"/>
+              <a:cs typeface="Arial" panose="020B0604020202020204" pitchFamily="34" charset="0"/>
+            </a:endParaRPr>
+          </a:p>
+          <a:p>
+            <a:endParaRPr lang="en-US">
+              <a:latin typeface="Arial" panose="020B0604020202020204" pitchFamily="34" charset="0"/>
+              <a:cs typeface="Arial" panose="020B0604020202020204" pitchFamily="34" charset="0"/>
+            </a:endParaRPr>
+          </a:p>
+          <a:p>
+            <a:endParaRPr lang="en-US">
+              <a:latin typeface="Arial" panose="020B0604020202020204" pitchFamily="34" charset="0"/>
+              <a:cs typeface="Arial" panose="020B0604020202020204" pitchFamily="34" charset="0"/>
+            </a:endParaRPr>
+          </a:p>
+          <a:p>
+            <a:endParaRPr lang="en-US">
+              <a:latin typeface="Arial" panose="020B0604020202020204" pitchFamily="34" charset="0"/>
+              <a:cs typeface="Arial" panose="020B0604020202020204" pitchFamily="34" charset="0"/>
+            </a:endParaRPr>
+          </a:p>
+          <a:p>
+            <a:endParaRPr lang="en-US">
+              <a:latin typeface="Arial" panose="020B0604020202020204" pitchFamily="34" charset="0"/>
+              <a:cs typeface="Arial" panose="020B0604020202020204" pitchFamily="34" charset="0"/>
+            </a:endParaRPr>
+          </a:p>
+        </p:txBody>
+      </p:sp>
+    </p:spTree>
+    <p:extLst>
+      <p:ext uri="{BB962C8B-B14F-4D97-AF65-F5344CB8AC3E}">
+        <p14:creationId xmlns:p14="http://schemas.microsoft.com/office/powerpoint/2010/main" val="2036257634"/>
+      </p:ext>
+    </p:extLst>
+  </p:cSld>
+  <p:clrMapOvr>
+    <a:masterClrMapping/>
+  </p:clrMapOvr>
+</p:sld>
+</file>
+
+<file path=ppt/slides/slide22.xml><?xml version="1.0" encoding="utf-8"?>
+<p:sld xmlns:a="http://schemas.openxmlformats.org/drawingml/2006/main" xmlns:r="http://schemas.openxmlformats.org/officeDocument/2006/relationships" xmlns:p="http://schemas.openxmlformats.org/presentationml/2006/main">
+  <p:cSld>
+    <p:spTree>
+      <p:nvGrpSpPr>
+        <p:cNvPr id="1" name="">
+          <a:extLst>
+            <a:ext uri="{FF2B5EF4-FFF2-40B4-BE49-F238E27FC236}">
+              <a16:creationId xmlns:a16="http://schemas.microsoft.com/office/drawing/2014/main" id="{4651CD78-FE11-317B-072F-421C47DEE640}"/>
+            </a:ext>
+          </a:extLst>
+        </p:cNvPr>
+        <p:cNvGrpSpPr/>
+        <p:nvPr/>
+      </p:nvGrpSpPr>
+      <p:grpSpPr>
+        <a:xfrm>
+          <a:off x="0" y="0"/>
+          <a:ext cx="0" cy="0"/>
+          <a:chOff x="0" y="0"/>
+          <a:chExt cx="0" cy="0"/>
+        </a:xfrm>
+      </p:grpSpPr>
+      <p:sp>
+        <p:nvSpPr>
+          <p:cNvPr id="2" name="Title 1">
+            <a:extLst>
+              <a:ext uri="{FF2B5EF4-FFF2-40B4-BE49-F238E27FC236}">
+                <a16:creationId xmlns:a16="http://schemas.microsoft.com/office/drawing/2014/main" id="{EDA538BF-AEBA-1188-4BF3-14366A52F07B}"/>
+              </a:ext>
+            </a:extLst>
+          </p:cNvPr>
+          <p:cNvSpPr>
+            <a:spLocks noGrp="1"/>
+          </p:cNvSpPr>
+          <p:nvPr>
+            <p:ph type="title"/>
+          </p:nvPr>
+        </p:nvSpPr>
+        <p:spPr/>
+        <p:txBody>
+          <a:bodyPr/>
+          <a:lstStyle/>
+          <a:p>
+            <a:r>
+              <a:rPr lang="en-US">
+                <a:latin typeface="Arial" panose="020B0604020202020204" pitchFamily="34" charset="0"/>
+                <a:cs typeface="Arial" panose="020B0604020202020204" pitchFamily="34" charset="0"/>
+              </a:rPr>
+              <a:t>Implement</a:t>
+            </a:r>
+          </a:p>
+        </p:txBody>
+      </p:sp>
+      <p:sp>
+        <p:nvSpPr>
+          <p:cNvPr id="3" name="Content Placeholder 2">
+            <a:extLst>
+              <a:ext uri="{FF2B5EF4-FFF2-40B4-BE49-F238E27FC236}">
+                <a16:creationId xmlns:a16="http://schemas.microsoft.com/office/drawing/2014/main" id="{B77E47D5-F130-BFCA-89FB-4CF27164456E}"/>
+              </a:ext>
+            </a:extLst>
+          </p:cNvPr>
+          <p:cNvSpPr>
+            <a:spLocks noGrp="1"/>
+          </p:cNvSpPr>
+          <p:nvPr>
+            <p:ph idx="1"/>
+          </p:nvPr>
+        </p:nvSpPr>
+        <p:spPr/>
+        <p:txBody>
+          <a:bodyPr>
+            <a:normAutofit/>
+          </a:bodyPr>
+          <a:lstStyle/>
+          <a:p>
+            <a:r>
+              <a:rPr lang="en-US">
+                <a:latin typeface="Arial" panose="020B0604020202020204" pitchFamily="34" charset="0"/>
+                <a:cs typeface="Arial" panose="020B0604020202020204" pitchFamily="34" charset="0"/>
+              </a:rPr>
+              <a:t>Thiếu chỗ login vs username password để gen token nữa</a:t>
+            </a:r>
+          </a:p>
+          <a:p>
+            <a:endParaRPr lang="en-US">
+              <a:latin typeface="Arial" panose="020B0604020202020204" pitchFamily="34" charset="0"/>
+              <a:cs typeface="Arial" panose="020B0604020202020204" pitchFamily="34" charset="0"/>
+            </a:endParaRPr>
+          </a:p>
+          <a:p>
+            <a:endParaRPr lang="en-US">
+              <a:latin typeface="Arial" panose="020B0604020202020204" pitchFamily="34" charset="0"/>
+              <a:cs typeface="Arial" panose="020B0604020202020204" pitchFamily="34" charset="0"/>
+            </a:endParaRPr>
+          </a:p>
+          <a:p>
+            <a:endParaRPr lang="en-US">
+              <a:latin typeface="Arial" panose="020B0604020202020204" pitchFamily="34" charset="0"/>
+              <a:cs typeface="Arial" panose="020B0604020202020204" pitchFamily="34" charset="0"/>
+            </a:endParaRPr>
+          </a:p>
+          <a:p>
+            <a:endParaRPr lang="en-US">
+              <a:latin typeface="Arial" panose="020B0604020202020204" pitchFamily="34" charset="0"/>
+              <a:cs typeface="Arial" panose="020B0604020202020204" pitchFamily="34" charset="0"/>
+            </a:endParaRPr>
+          </a:p>
+          <a:p>
+            <a:endParaRPr lang="en-US">
+              <a:latin typeface="Arial" panose="020B0604020202020204" pitchFamily="34" charset="0"/>
+              <a:cs typeface="Arial" panose="020B0604020202020204" pitchFamily="34" charset="0"/>
+            </a:endParaRPr>
+          </a:p>
+        </p:txBody>
+      </p:sp>
+      <p:pic>
+        <p:nvPicPr>
+          <p:cNvPr id="4" name="Picture 3"/>
+          <p:cNvPicPr>
+            <a:picLocks noChangeAspect="1"/>
+          </p:cNvPicPr>
+          <p:nvPr/>
+        </p:nvPicPr>
+        <p:blipFill>
+          <a:blip r:embed="rId2"/>
+          <a:stretch>
+            <a:fillRect/>
+          </a:stretch>
+        </p:blipFill>
+        <p:spPr>
+          <a:xfrm>
+            <a:off x="1103598" y="2515986"/>
+            <a:ext cx="7522959" cy="3755565"/>
+          </a:xfrm>
+          <a:prstGeom prst="rect">
+            <a:avLst/>
+          </a:prstGeom>
+        </p:spPr>
+      </p:pic>
+      <p:sp>
+        <p:nvSpPr>
+          <p:cNvPr id="5" name="Speech Bubble: Rectangle 4">
+            <a:extLst>
+              <a:ext uri="{FF2B5EF4-FFF2-40B4-BE49-F238E27FC236}">
+                <a16:creationId xmlns:a16="http://schemas.microsoft.com/office/drawing/2014/main" id="{29036FDC-6994-A210-8C6B-BD0EEDAA74CF}"/>
+              </a:ext>
+            </a:extLst>
+          </p:cNvPr>
+          <p:cNvSpPr/>
+          <p:nvPr/>
+        </p:nvSpPr>
+        <p:spPr>
+          <a:xfrm>
+            <a:off x="5691734" y="4335625"/>
+            <a:ext cx="2521442" cy="827314"/>
+          </a:xfrm>
+          <a:prstGeom prst="wedgeRectCallout">
+            <a:avLst>
+              <a:gd name="adj1" fmla="val -72761"/>
+              <a:gd name="adj2" fmla="val 36936"/>
+            </a:avLst>
+          </a:prstGeom>
+        </p:spPr>
+        <p:style>
+          <a:lnRef idx="1">
+            <a:schemeClr val="accent2"/>
+          </a:lnRef>
+          <a:fillRef idx="3">
+            <a:schemeClr val="accent2"/>
+          </a:fillRef>
+          <a:effectRef idx="2">
+            <a:schemeClr val="accent2"/>
+          </a:effectRef>
+          <a:fontRef idx="minor">
+            <a:schemeClr val="lt1"/>
+          </a:fontRef>
+        </p:style>
+        <p:txBody>
+          <a:bodyPr rtlCol="0" anchor="ctr"/>
+          <a:lstStyle/>
+          <a:p>
+            <a:pPr algn="ctr"/>
+            <a:r>
+              <a:rPr lang="en-US" sz="1400">
+                <a:latin typeface="Arial" panose="020B0604020202020204" pitchFamily="34" charset="0"/>
+                <a:cs typeface="Arial" panose="020B0604020202020204" pitchFamily="34" charset="0"/>
+              </a:rPr>
+              <a:t>Sau khi authen okie thì thực hiện gen token</a:t>
+            </a:r>
+          </a:p>
+        </p:txBody>
+      </p:sp>
+    </p:spTree>
+    <p:extLst>
+      <p:ext uri="{BB962C8B-B14F-4D97-AF65-F5344CB8AC3E}">
+        <p14:creationId xmlns:p14="http://schemas.microsoft.com/office/powerpoint/2010/main" val="51058307"/>
+      </p:ext>
+    </p:extLst>
+  </p:cSld>
+  <p:clrMapOvr>
+    <a:masterClrMapping/>
+  </p:clrMapOvr>
+</p:sld>
+</file>
+
+<file path=ppt/slides/slide23.xml><?xml version="1.0" encoding="utf-8"?>
+<p:sld xmlns:a="http://schemas.openxmlformats.org/drawingml/2006/main" xmlns:r="http://schemas.openxmlformats.org/officeDocument/2006/relationships" xmlns:p="http://schemas.openxmlformats.org/presentationml/2006/main">
+  <p:cSld>
+    <p:spTree>
+      <p:nvGrpSpPr>
+        <p:cNvPr id="1" name="">
+          <a:extLst>
+            <a:ext uri="{FF2B5EF4-FFF2-40B4-BE49-F238E27FC236}">
+              <a16:creationId xmlns:a16="http://schemas.microsoft.com/office/drawing/2014/main" id="{4651CD78-FE11-317B-072F-421C47DEE640}"/>
+            </a:ext>
+          </a:extLst>
+        </p:cNvPr>
+        <p:cNvGrpSpPr/>
+        <p:nvPr/>
+      </p:nvGrpSpPr>
+      <p:grpSpPr>
+        <a:xfrm>
+          <a:off x="0" y="0"/>
+          <a:ext cx="0" cy="0"/>
+          <a:chOff x="0" y="0"/>
+          <a:chExt cx="0" cy="0"/>
+        </a:xfrm>
+      </p:grpSpPr>
+      <p:sp>
+        <p:nvSpPr>
+          <p:cNvPr id="2" name="Title 1">
+            <a:extLst>
+              <a:ext uri="{FF2B5EF4-FFF2-40B4-BE49-F238E27FC236}">
+                <a16:creationId xmlns:a16="http://schemas.microsoft.com/office/drawing/2014/main" id="{EDA538BF-AEBA-1188-4BF3-14366A52F07B}"/>
+              </a:ext>
+            </a:extLst>
+          </p:cNvPr>
+          <p:cNvSpPr>
+            <a:spLocks noGrp="1"/>
+          </p:cNvSpPr>
+          <p:nvPr>
+            <p:ph type="title"/>
+          </p:nvPr>
+        </p:nvSpPr>
+        <p:spPr/>
+        <p:txBody>
+          <a:bodyPr/>
+          <a:lstStyle/>
+          <a:p>
+            <a:r>
+              <a:rPr lang="en-US">
+                <a:latin typeface="Arial" panose="020B0604020202020204" pitchFamily="34" charset="0"/>
+                <a:cs typeface="Arial" panose="020B0604020202020204" pitchFamily="34" charset="0"/>
+              </a:rPr>
+              <a:t>Implement</a:t>
+            </a:r>
+          </a:p>
+        </p:txBody>
+      </p:sp>
+      <p:sp>
+        <p:nvSpPr>
+          <p:cNvPr id="3" name="Content Placeholder 2">
+            <a:extLst>
+              <a:ext uri="{FF2B5EF4-FFF2-40B4-BE49-F238E27FC236}">
+                <a16:creationId xmlns:a16="http://schemas.microsoft.com/office/drawing/2014/main" id="{B77E47D5-F130-BFCA-89FB-4CF27164456E}"/>
+              </a:ext>
+            </a:extLst>
+          </p:cNvPr>
+          <p:cNvSpPr>
+            <a:spLocks noGrp="1"/>
+          </p:cNvSpPr>
+          <p:nvPr>
+            <p:ph idx="1"/>
+          </p:nvPr>
+        </p:nvSpPr>
+        <p:spPr/>
+        <p:txBody>
+          <a:bodyPr>
+            <a:normAutofit/>
+          </a:bodyPr>
+          <a:lstStyle/>
+          <a:p>
+            <a:r>
+              <a:rPr lang="en-US">
+                <a:latin typeface="Arial" panose="020B0604020202020204" pitchFamily="34" charset="0"/>
+                <a:cs typeface="Arial" panose="020B0604020202020204" pitchFamily="34" charset="0"/>
+              </a:rPr>
+              <a:t>Chạy thử thôi ^^</a:t>
+            </a:r>
+          </a:p>
+          <a:p>
+            <a:endParaRPr lang="en-US">
+              <a:latin typeface="Arial" panose="020B0604020202020204" pitchFamily="34" charset="0"/>
+              <a:cs typeface="Arial" panose="020B0604020202020204" pitchFamily="34" charset="0"/>
+            </a:endParaRPr>
+          </a:p>
+          <a:p>
+            <a:endParaRPr lang="en-US">
+              <a:latin typeface="Arial" panose="020B0604020202020204" pitchFamily="34" charset="0"/>
+              <a:cs typeface="Arial" panose="020B0604020202020204" pitchFamily="34" charset="0"/>
+            </a:endParaRPr>
+          </a:p>
+          <a:p>
+            <a:endParaRPr lang="en-US">
+              <a:latin typeface="Arial" panose="020B0604020202020204" pitchFamily="34" charset="0"/>
+              <a:cs typeface="Arial" panose="020B0604020202020204" pitchFamily="34" charset="0"/>
+            </a:endParaRPr>
+          </a:p>
+          <a:p>
+            <a:endParaRPr lang="en-US">
+              <a:latin typeface="Arial" panose="020B0604020202020204" pitchFamily="34" charset="0"/>
+              <a:cs typeface="Arial" panose="020B0604020202020204" pitchFamily="34" charset="0"/>
+            </a:endParaRPr>
+          </a:p>
+          <a:p>
+            <a:endParaRPr lang="en-US">
+              <a:latin typeface="Arial" panose="020B0604020202020204" pitchFamily="34" charset="0"/>
+              <a:cs typeface="Arial" panose="020B0604020202020204" pitchFamily="34" charset="0"/>
+            </a:endParaRPr>
+          </a:p>
+        </p:txBody>
+      </p:sp>
+    </p:spTree>
+    <p:extLst>
+      <p:ext uri="{BB962C8B-B14F-4D97-AF65-F5344CB8AC3E}">
+        <p14:creationId xmlns:p14="http://schemas.microsoft.com/office/powerpoint/2010/main" val="3849693960"/>
+      </p:ext>
+    </p:extLst>
+  </p:cSld>
+  <p:clrMapOvr>
+    <a:masterClrMapping/>
+  </p:clrMapOvr>
+</p:sld>
+</file>
+
+<file path=ppt/slides/slide24.xml><?xml version="1.0" encoding="utf-8"?>
+<p:sld xmlns:a="http://schemas.openxmlformats.org/drawingml/2006/main" xmlns:r="http://schemas.openxmlformats.org/officeDocument/2006/relationships" xmlns:p="http://schemas.openxmlformats.org/presentationml/2006/main">
+  <p:cSld>
+    <p:spTree>
+      <p:nvGrpSpPr>
+        <p:cNvPr id="1" name=""/>
+        <p:cNvGrpSpPr/>
+        <p:nvPr/>
+      </p:nvGrpSpPr>
+      <p:grpSpPr>
+        <a:xfrm>
+          <a:off x="0" y="0"/>
+          <a:ext cx="0" cy="0"/>
+          <a:chOff x="0" y="0"/>
+          <a:chExt cx="0" cy="0"/>
+        </a:xfrm>
+      </p:grpSpPr>
+      <p:sp>
+        <p:nvSpPr>
+          <p:cNvPr id="2" name="Title 1"/>
+          <p:cNvSpPr>
+            <a:spLocks noGrp="1"/>
+          </p:cNvSpPr>
+          <p:nvPr>
+            <p:ph type="title"/>
+          </p:nvPr>
+        </p:nvSpPr>
+        <p:spPr/>
+        <p:txBody>
+          <a:bodyPr/>
+          <a:lstStyle/>
+          <a:p>
+            <a:r>
+              <a:rPr kumimoji="1" lang="en-US" altLang="ja-JP"/>
+              <a:t>Excercise</a:t>
+            </a:r>
+            <a:endParaRPr kumimoji="1" lang="ja-JP" altLang="en-US"/>
+          </a:p>
+        </p:txBody>
+      </p:sp>
+      <p:sp>
+        <p:nvSpPr>
+          <p:cNvPr id="3" name="Content Placeholder 2"/>
+          <p:cNvSpPr>
+            <a:spLocks noGrp="1"/>
+          </p:cNvSpPr>
+          <p:nvPr>
+            <p:ph idx="1"/>
+          </p:nvPr>
+        </p:nvSpPr>
+        <p:spPr/>
+        <p:txBody>
+          <a:bodyPr/>
+          <a:lstStyle/>
+          <a:p>
+            <a:r>
+              <a:rPr lang="en-US" altLang="ja-JP">
+                <a:latin typeface="Arial" panose="020B0604020202020204" pitchFamily="34" charset="0"/>
+                <a:cs typeface="Arial" panose="020B0604020202020204" pitchFamily="34" charset="0"/>
+              </a:rPr>
+              <a:t>Bài tập:</a:t>
+            </a:r>
+          </a:p>
+          <a:p>
+            <a:pPr lvl="1"/>
+            <a:r>
+              <a:rPr lang="en-US" altLang="ja-JP">
+                <a:solidFill>
+                  <a:schemeClr val="tx1"/>
+                </a:solidFill>
+                <a:latin typeface="Arial" panose="020B0604020202020204" pitchFamily="34" charset="0"/>
+                <a:cs typeface="Arial" panose="020B0604020202020204" pitchFamily="34" charset="0"/>
+              </a:rPr>
+              <a:t>Hãy mô tả cách JWT verify và extract thông tin token</a:t>
+            </a:r>
+          </a:p>
+          <a:p>
+            <a:endParaRPr kumimoji="1" lang="ja-JP" altLang="en-US"/>
+          </a:p>
+        </p:txBody>
+      </p:sp>
+    </p:spTree>
+    <p:extLst>
+      <p:ext uri="{BB962C8B-B14F-4D97-AF65-F5344CB8AC3E}">
+        <p14:creationId xmlns:p14="http://schemas.microsoft.com/office/powerpoint/2010/main" val="518541245"/>
+      </p:ext>
+    </p:extLst>
+  </p:cSld>
+  <p:clrMapOvr>
+    <a:masterClrMapping/>
+  </p:clrMapOvr>
+</p:sld>
+</file>
+
+<file path=ppt/slides/slide25.xml><?xml version="1.0" encoding="utf-8"?>
+<p:sld xmlns:a="http://schemas.openxmlformats.org/drawingml/2006/main" xmlns:r="http://schemas.openxmlformats.org/officeDocument/2006/relationships" xmlns:p="http://schemas.openxmlformats.org/presentationml/2006/main">
+  <p:cSld>
+    <p:spTree>
+      <p:nvGrpSpPr>
+        <p:cNvPr id="1" name="">
+          <a:extLst>
+            <a:ext uri="{FF2B5EF4-FFF2-40B4-BE49-F238E27FC236}">
+              <a16:creationId xmlns:a16="http://schemas.microsoft.com/office/drawing/2014/main" id="{55BE5062-1057-5256-D64D-5BA309030BBF}"/>
+            </a:ext>
+          </a:extLst>
+        </p:cNvPr>
+        <p:cNvGrpSpPr/>
+        <p:nvPr/>
+      </p:nvGrpSpPr>
+      <p:grpSpPr>
+        <a:xfrm>
+          <a:off x="0" y="0"/>
+          <a:ext cx="0" cy="0"/>
+          <a:chOff x="0" y="0"/>
+          <a:chExt cx="0" cy="0"/>
+        </a:xfrm>
+      </p:grpSpPr>
+      <p:sp>
+        <p:nvSpPr>
+          <p:cNvPr id="2" name="Title 1">
+            <a:extLst>
+              <a:ext uri="{FF2B5EF4-FFF2-40B4-BE49-F238E27FC236}">
+                <a16:creationId xmlns:a16="http://schemas.microsoft.com/office/drawing/2014/main" id="{3F033BDC-DC77-8277-930E-FBCD2BADB9FB}"/>
+              </a:ext>
+            </a:extLst>
+          </p:cNvPr>
+          <p:cNvSpPr>
+            <a:spLocks noGrp="1"/>
+          </p:cNvSpPr>
+          <p:nvPr>
+            <p:ph type="title"/>
+          </p:nvPr>
+        </p:nvSpPr>
+        <p:spPr/>
+        <p:txBody>
+          <a:bodyPr/>
+          <a:lstStyle/>
+          <a:p>
+            <a:r>
+              <a:rPr lang="en-US">
+                <a:latin typeface="Arial" panose="020B0604020202020204" pitchFamily="34" charset="0"/>
+                <a:cs typeface="Arial" panose="020B0604020202020204" pitchFamily="34" charset="0"/>
+              </a:rPr>
+              <a:t>Logout</a:t>
+            </a:r>
+          </a:p>
+        </p:txBody>
+      </p:sp>
+      <p:sp>
+        <p:nvSpPr>
+          <p:cNvPr id="3" name="Content Placeholder 2">
+            <a:extLst>
+              <a:ext uri="{FF2B5EF4-FFF2-40B4-BE49-F238E27FC236}">
+                <a16:creationId xmlns:a16="http://schemas.microsoft.com/office/drawing/2014/main" id="{A3DE1BA2-C71F-AB83-AB8B-3604C6DE0840}"/>
+              </a:ext>
+            </a:extLst>
+          </p:cNvPr>
+          <p:cNvSpPr>
+            <a:spLocks noGrp="1"/>
+          </p:cNvSpPr>
+          <p:nvPr>
+            <p:ph idx="1"/>
+          </p:nvPr>
+        </p:nvSpPr>
+        <p:spPr/>
+        <p:txBody>
+          <a:bodyPr>
+            <a:normAutofit/>
+          </a:bodyPr>
+          <a:lstStyle/>
+          <a:p>
+            <a:r>
+              <a:rPr lang="en-US">
+                <a:latin typeface="Arial" panose="020B0604020202020204" pitchFamily="34" charset="0"/>
+                <a:cs typeface="Arial" panose="020B0604020202020204" pitchFamily="34" charset="0"/>
+              </a:rPr>
+              <a:t>Với mỗi token thì ta thường có time hết hạn, thì cứ hết hạn chúng ta sẽ cho token đó valid, không cho phép sử dụng nữa.</a:t>
+            </a:r>
+          </a:p>
+          <a:p>
+            <a:r>
+              <a:rPr lang="en-US">
+                <a:latin typeface="Arial" panose="020B0604020202020204" pitchFamily="34" charset="0"/>
+                <a:cs typeface="Arial" panose="020B0604020202020204" pitchFamily="34" charset="0"/>
+              </a:rPr>
+              <a:t>Tuy nhiên, sẽ có trường hợp người dùng muốn chủ động hủy token trước thời điểm hết hạn vì một vài lý do như bị lộ token, hoặc không muốn người khác sử dụng token của mình nếu dùng chung máy chẳng hạn.</a:t>
+            </a:r>
+          </a:p>
+          <a:p>
+            <a:r>
+              <a:rPr lang="en-US">
+                <a:latin typeface="Arial" panose="020B0604020202020204" pitchFamily="34" charset="0"/>
+                <a:cs typeface="Arial" panose="020B0604020202020204" pitchFamily="34" charset="0"/>
+              </a:rPr>
+              <a:t>=&gt; Giờ chúng ta sẽ thực hiện việc vô hiệu hóa token (logout)</a:t>
+            </a:r>
+            <a:endParaRPr lang="vi-VN">
+              <a:latin typeface="Arial" panose="020B0604020202020204" pitchFamily="34" charset="0"/>
+              <a:cs typeface="Arial" panose="020B0604020202020204" pitchFamily="34" charset="0"/>
+            </a:endParaRPr>
+          </a:p>
+        </p:txBody>
+      </p:sp>
+    </p:spTree>
+    <p:extLst>
+      <p:ext uri="{BB962C8B-B14F-4D97-AF65-F5344CB8AC3E}">
+        <p14:creationId xmlns:p14="http://schemas.microsoft.com/office/powerpoint/2010/main" val="4278651804"/>
+      </p:ext>
+    </p:extLst>
+  </p:cSld>
+  <p:clrMapOvr>
+    <a:masterClrMapping/>
+  </p:clrMapOvr>
+</p:sld>
+</file>
+
+<file path=ppt/slides/slide26.xml><?xml version="1.0" encoding="utf-8"?>
+<p:sld xmlns:a="http://schemas.openxmlformats.org/drawingml/2006/main" xmlns:r="http://schemas.openxmlformats.org/officeDocument/2006/relationships" xmlns:p="http://schemas.openxmlformats.org/presentationml/2006/main">
+  <p:cSld>
+    <p:spTree>
+      <p:nvGrpSpPr>
+        <p:cNvPr id="1" name="">
+          <a:extLst>
+            <a:ext uri="{FF2B5EF4-FFF2-40B4-BE49-F238E27FC236}">
+              <a16:creationId xmlns:a16="http://schemas.microsoft.com/office/drawing/2014/main" id="{01458893-4F31-D6B0-3E74-BA611F4D8820}"/>
+            </a:ext>
+          </a:extLst>
+        </p:cNvPr>
+        <p:cNvGrpSpPr/>
+        <p:nvPr/>
+      </p:nvGrpSpPr>
+      <p:grpSpPr>
+        <a:xfrm>
+          <a:off x="0" y="0"/>
+          <a:ext cx="0" cy="0"/>
+          <a:chOff x="0" y="0"/>
+          <a:chExt cx="0" cy="0"/>
+        </a:xfrm>
+      </p:grpSpPr>
+      <p:sp>
+        <p:nvSpPr>
+          <p:cNvPr id="2" name="Title 1">
+            <a:extLst>
+              <a:ext uri="{FF2B5EF4-FFF2-40B4-BE49-F238E27FC236}">
+                <a16:creationId xmlns:a16="http://schemas.microsoft.com/office/drawing/2014/main" id="{41A73D11-6EB1-B743-059F-C131D8F3A773}"/>
+              </a:ext>
+            </a:extLst>
+          </p:cNvPr>
+          <p:cNvSpPr>
+            <a:spLocks noGrp="1"/>
+          </p:cNvSpPr>
+          <p:nvPr>
+            <p:ph type="title"/>
+          </p:nvPr>
+        </p:nvSpPr>
+        <p:spPr/>
+        <p:txBody>
+          <a:bodyPr/>
+          <a:lstStyle/>
+          <a:p>
+            <a:r>
+              <a:rPr lang="en-US">
+                <a:latin typeface="Arial" panose="020B0604020202020204" pitchFamily="34" charset="0"/>
+                <a:cs typeface="Arial" panose="020B0604020202020204" pitchFamily="34" charset="0"/>
+              </a:rPr>
+              <a:t>Logout</a:t>
+            </a:r>
+          </a:p>
+        </p:txBody>
+      </p:sp>
+      <p:sp>
+        <p:nvSpPr>
+          <p:cNvPr id="3" name="Content Placeholder 2">
+            <a:extLst>
+              <a:ext uri="{FF2B5EF4-FFF2-40B4-BE49-F238E27FC236}">
+                <a16:creationId xmlns:a16="http://schemas.microsoft.com/office/drawing/2014/main" id="{A2DB33B2-2060-9573-0F1F-C5AFD22D99A5}"/>
+              </a:ext>
+            </a:extLst>
+          </p:cNvPr>
+          <p:cNvSpPr>
+            <a:spLocks noGrp="1"/>
+          </p:cNvSpPr>
+          <p:nvPr>
+            <p:ph idx="1"/>
+          </p:nvPr>
+        </p:nvSpPr>
+        <p:spPr/>
+        <p:txBody>
+          <a:bodyPr>
+            <a:normAutofit/>
+          </a:bodyPr>
+          <a:lstStyle/>
+          <a:p>
+            <a:r>
+              <a:rPr lang="en-US">
+                <a:latin typeface="Arial" panose="020B0604020202020204" pitchFamily="34" charset="0"/>
+                <a:cs typeface="Arial" panose="020B0604020202020204" pitchFamily="34" charset="0"/>
+              </a:rPr>
+              <a:t>Hãy cho một vài ý tưởng để thực hiện được chức năng này xem ^^</a:t>
+            </a:r>
+            <a:endParaRPr lang="vi-VN">
+              <a:latin typeface="Arial" panose="020B0604020202020204" pitchFamily="34" charset="0"/>
+              <a:cs typeface="Arial" panose="020B0604020202020204" pitchFamily="34" charset="0"/>
+            </a:endParaRPr>
+          </a:p>
+        </p:txBody>
+      </p:sp>
+    </p:spTree>
+    <p:extLst>
+      <p:ext uri="{BB962C8B-B14F-4D97-AF65-F5344CB8AC3E}">
+        <p14:creationId xmlns:p14="http://schemas.microsoft.com/office/powerpoint/2010/main" val="234896443"/>
+      </p:ext>
+    </p:extLst>
+  </p:cSld>
+  <p:clrMapOvr>
+    <a:masterClrMapping/>
+  </p:clrMapOvr>
+</p:sld>
+</file>
+
+<file path=ppt/slides/slide27.xml><?xml version="1.0" encoding="utf-8"?>
+<p:sld xmlns:a="http://schemas.openxmlformats.org/drawingml/2006/main" xmlns:r="http://schemas.openxmlformats.org/officeDocument/2006/relationships" xmlns:p="http://schemas.openxmlformats.org/presentationml/2006/main">
+  <p:cSld>
+    <p:spTree>
+      <p:nvGrpSpPr>
+        <p:cNvPr id="1" name="">
+          <a:extLst>
+            <a:ext uri="{FF2B5EF4-FFF2-40B4-BE49-F238E27FC236}">
+              <a16:creationId xmlns:a16="http://schemas.microsoft.com/office/drawing/2014/main" id="{F3C04D17-99EC-B411-5FA3-15373A01EAE6}"/>
+            </a:ext>
+          </a:extLst>
+        </p:cNvPr>
+        <p:cNvGrpSpPr/>
+        <p:nvPr/>
+      </p:nvGrpSpPr>
+      <p:grpSpPr>
+        <a:xfrm>
+          <a:off x="0" y="0"/>
+          <a:ext cx="0" cy="0"/>
+          <a:chOff x="0" y="0"/>
+          <a:chExt cx="0" cy="0"/>
+        </a:xfrm>
+      </p:grpSpPr>
+      <p:sp>
+        <p:nvSpPr>
+          <p:cNvPr id="2" name="Title 1">
+            <a:extLst>
+              <a:ext uri="{FF2B5EF4-FFF2-40B4-BE49-F238E27FC236}">
+                <a16:creationId xmlns:a16="http://schemas.microsoft.com/office/drawing/2014/main" id="{9073BD8E-0829-82A1-5D5E-232FF86A074C}"/>
+              </a:ext>
+            </a:extLst>
+          </p:cNvPr>
+          <p:cNvSpPr>
+            <a:spLocks noGrp="1"/>
+          </p:cNvSpPr>
+          <p:nvPr>
+            <p:ph type="title"/>
+          </p:nvPr>
+        </p:nvSpPr>
+        <p:spPr/>
+        <p:txBody>
+          <a:bodyPr/>
+          <a:lstStyle/>
+          <a:p>
+            <a:r>
+              <a:rPr lang="en-US">
+                <a:latin typeface="Arial" panose="020B0604020202020204" pitchFamily="34" charset="0"/>
+                <a:cs typeface="Arial" panose="020B0604020202020204" pitchFamily="34" charset="0"/>
+              </a:rPr>
+              <a:t>Logout</a:t>
+            </a:r>
+          </a:p>
+        </p:txBody>
+      </p:sp>
+      <p:sp>
+        <p:nvSpPr>
+          <p:cNvPr id="3" name="Content Placeholder 2">
+            <a:extLst>
+              <a:ext uri="{FF2B5EF4-FFF2-40B4-BE49-F238E27FC236}">
+                <a16:creationId xmlns:a16="http://schemas.microsoft.com/office/drawing/2014/main" id="{E3B5BE35-6897-D0D3-463C-6AC4C7CEEBF6}"/>
+              </a:ext>
+            </a:extLst>
+          </p:cNvPr>
+          <p:cNvSpPr>
+            <a:spLocks noGrp="1"/>
+          </p:cNvSpPr>
+          <p:nvPr>
+            <p:ph idx="1"/>
+          </p:nvPr>
+        </p:nvSpPr>
+        <p:spPr/>
+        <p:txBody>
+          <a:bodyPr>
+            <a:normAutofit/>
+          </a:bodyPr>
+          <a:lstStyle/>
+          <a:p>
+            <a:r>
+              <a:rPr lang="en-US">
+                <a:latin typeface="Arial" panose="020B0604020202020204" pitchFamily="34" charset="0"/>
+                <a:cs typeface="Arial" panose="020B0604020202020204" pitchFamily="34" charset="0"/>
+              </a:rPr>
+              <a:t>Cách 1:</a:t>
+            </a:r>
+          </a:p>
+          <a:p>
+            <a:pPr lvl="1"/>
+            <a:r>
+              <a:rPr lang="en-US">
+                <a:latin typeface="Arial" panose="020B0604020202020204" pitchFamily="34" charset="0"/>
+                <a:cs typeface="Arial" panose="020B0604020202020204" pitchFamily="34" charset="0"/>
+              </a:rPr>
+              <a:t>Lưu tất cả các token được gen ra với ID là token</a:t>
+            </a:r>
+          </a:p>
+          <a:p>
+            <a:pPr lvl="1"/>
+            <a:r>
+              <a:rPr lang="en-US">
+                <a:latin typeface="Arial" panose="020B0604020202020204" pitchFamily="34" charset="0"/>
+                <a:cs typeface="Arial" panose="020B0604020202020204" pitchFamily="34" charset="0"/>
+              </a:rPr>
+              <a:t>Nếu logout thì set cờ delete chẳng hạn</a:t>
+            </a:r>
+          </a:p>
+          <a:p>
+            <a:pPr lvl="1"/>
+            <a:endParaRPr lang="en-US">
+              <a:latin typeface="Arial" panose="020B0604020202020204" pitchFamily="34" charset="0"/>
+              <a:cs typeface="Arial" panose="020B0604020202020204" pitchFamily="34" charset="0"/>
+            </a:endParaRPr>
+          </a:p>
+          <a:p>
+            <a:pPr lvl="1"/>
+            <a:r>
+              <a:rPr lang="en-US">
+                <a:latin typeface="Arial" panose="020B0604020202020204" pitchFamily="34" charset="0"/>
+                <a:cs typeface="Arial" panose="020B0604020202020204" pitchFamily="34" charset="0"/>
+              </a:rPr>
+              <a:t>Table token</a:t>
+            </a:r>
+          </a:p>
+          <a:p>
+            <a:pPr lvl="2"/>
+            <a:r>
+              <a:rPr lang="en-US">
+                <a:latin typeface="Arial" panose="020B0604020202020204" pitchFamily="34" charset="0"/>
+                <a:cs typeface="Arial" panose="020B0604020202020204" pitchFamily="34" charset="0"/>
+              </a:rPr>
+              <a:t>ID (Token)</a:t>
+            </a:r>
+          </a:p>
+          <a:p>
+            <a:pPr lvl="2"/>
+            <a:r>
+              <a:rPr lang="en-US">
+                <a:latin typeface="Arial" panose="020B0604020202020204" pitchFamily="34" charset="0"/>
+                <a:cs typeface="Arial" panose="020B0604020202020204" pitchFamily="34" charset="0"/>
+              </a:rPr>
+              <a:t>DELETE FLG</a:t>
+            </a:r>
+            <a:endParaRPr lang="vi-VN">
+              <a:latin typeface="Arial" panose="020B0604020202020204" pitchFamily="34" charset="0"/>
+              <a:cs typeface="Arial" panose="020B0604020202020204" pitchFamily="34" charset="0"/>
+            </a:endParaRPr>
+          </a:p>
+        </p:txBody>
+      </p:sp>
+    </p:spTree>
+    <p:extLst>
+      <p:ext uri="{BB962C8B-B14F-4D97-AF65-F5344CB8AC3E}">
+        <p14:creationId xmlns:p14="http://schemas.microsoft.com/office/powerpoint/2010/main" val="2470087839"/>
+      </p:ext>
+    </p:extLst>
+  </p:cSld>
+  <p:clrMapOvr>
+    <a:masterClrMapping/>
+  </p:clrMapOvr>
+</p:sld>
+</file>
+
+<file path=ppt/slides/slide28.xml><?xml version="1.0" encoding="utf-8"?>
+<p:sld xmlns:a="http://schemas.openxmlformats.org/drawingml/2006/main" xmlns:r="http://schemas.openxmlformats.org/officeDocument/2006/relationships" xmlns:p="http://schemas.openxmlformats.org/presentationml/2006/main">
+  <p:cSld>
+    <p:spTree>
+      <p:nvGrpSpPr>
+        <p:cNvPr id="1" name="">
+          <a:extLst>
+            <a:ext uri="{FF2B5EF4-FFF2-40B4-BE49-F238E27FC236}">
+              <a16:creationId xmlns:a16="http://schemas.microsoft.com/office/drawing/2014/main" id="{D9C626E0-8AD7-DF62-ABCF-2451AD126F39}"/>
+            </a:ext>
+          </a:extLst>
+        </p:cNvPr>
+        <p:cNvGrpSpPr/>
+        <p:nvPr/>
+      </p:nvGrpSpPr>
+      <p:grpSpPr>
+        <a:xfrm>
+          <a:off x="0" y="0"/>
+          <a:ext cx="0" cy="0"/>
+          <a:chOff x="0" y="0"/>
+          <a:chExt cx="0" cy="0"/>
+        </a:xfrm>
+      </p:grpSpPr>
+      <p:sp>
+        <p:nvSpPr>
+          <p:cNvPr id="2" name="Title 1">
+            <a:extLst>
+              <a:ext uri="{FF2B5EF4-FFF2-40B4-BE49-F238E27FC236}">
+                <a16:creationId xmlns:a16="http://schemas.microsoft.com/office/drawing/2014/main" id="{151DA8F2-E471-5327-5114-A849A6143B2F}"/>
+              </a:ext>
+            </a:extLst>
+          </p:cNvPr>
+          <p:cNvSpPr>
+            <a:spLocks noGrp="1"/>
+          </p:cNvSpPr>
+          <p:nvPr>
+            <p:ph type="title"/>
+          </p:nvPr>
+        </p:nvSpPr>
+        <p:spPr/>
+        <p:txBody>
+          <a:bodyPr/>
+          <a:lstStyle/>
+          <a:p>
+            <a:r>
+              <a:rPr lang="en-US">
+                <a:latin typeface="Arial" panose="020B0604020202020204" pitchFamily="34" charset="0"/>
+                <a:cs typeface="Arial" panose="020B0604020202020204" pitchFamily="34" charset="0"/>
+              </a:rPr>
+              <a:t>Logout</a:t>
+            </a:r>
+          </a:p>
+        </p:txBody>
+      </p:sp>
+      <p:sp>
+        <p:nvSpPr>
+          <p:cNvPr id="3" name="Content Placeholder 2">
+            <a:extLst>
+              <a:ext uri="{FF2B5EF4-FFF2-40B4-BE49-F238E27FC236}">
+                <a16:creationId xmlns:a16="http://schemas.microsoft.com/office/drawing/2014/main" id="{2F442012-134C-E9AA-80A4-31ED89FC3044}"/>
+              </a:ext>
+            </a:extLst>
+          </p:cNvPr>
+          <p:cNvSpPr>
+            <a:spLocks noGrp="1"/>
+          </p:cNvSpPr>
+          <p:nvPr>
+            <p:ph idx="1"/>
+          </p:nvPr>
+        </p:nvSpPr>
+        <p:spPr/>
+        <p:txBody>
+          <a:bodyPr>
+            <a:normAutofit/>
+          </a:bodyPr>
+          <a:lstStyle/>
+          <a:p>
+            <a:r>
+              <a:rPr lang="en-US">
+                <a:latin typeface="Arial" panose="020B0604020202020204" pitchFamily="34" charset="0"/>
+                <a:cs typeface="Arial" panose="020B0604020202020204" pitchFamily="34" charset="0"/>
+              </a:rPr>
+              <a:t>Nhược điểm:</a:t>
+            </a:r>
+          </a:p>
+          <a:p>
+            <a:pPr lvl="1"/>
+            <a:r>
+              <a:rPr lang="en-US">
+                <a:latin typeface="Arial" panose="020B0604020202020204" pitchFamily="34" charset="0"/>
+                <a:cs typeface="Arial" panose="020B0604020202020204" pitchFamily="34" charset="0"/>
+              </a:rPr>
+              <a:t>Số lượng token phải lưu sẽ rất lớn ảnh hưởng tới DB.</a:t>
+            </a:r>
+          </a:p>
+          <a:p>
+            <a:pPr lvl="1"/>
+            <a:r>
+              <a:rPr lang="en-US">
+                <a:latin typeface="Arial" panose="020B0604020202020204" pitchFamily="34" charset="0"/>
+                <a:cs typeface="Arial" panose="020B0604020202020204" pitchFamily="34" charset="0"/>
+              </a:rPr>
+              <a:t>Lưu token vào DB thì sẽ bị lộ tất cả token nếu trường hợp bị hack được.</a:t>
+            </a:r>
+          </a:p>
+          <a:p>
+            <a:endParaRPr lang="vi-VN">
+              <a:latin typeface="Arial" panose="020B0604020202020204" pitchFamily="34" charset="0"/>
+              <a:cs typeface="Arial" panose="020B0604020202020204" pitchFamily="34" charset="0"/>
+            </a:endParaRPr>
+          </a:p>
+        </p:txBody>
+      </p:sp>
+    </p:spTree>
+    <p:extLst>
+      <p:ext uri="{BB962C8B-B14F-4D97-AF65-F5344CB8AC3E}">
+        <p14:creationId xmlns:p14="http://schemas.microsoft.com/office/powerpoint/2010/main" val="3838158718"/>
+      </p:ext>
+    </p:extLst>
+  </p:cSld>
+  <p:clrMapOvr>
+    <a:masterClrMapping/>
+  </p:clrMapOvr>
+</p:sld>
+</file>
+
+<file path=ppt/slides/slide29.xml><?xml version="1.0" encoding="utf-8"?>
+<p:sld xmlns:a="http://schemas.openxmlformats.org/drawingml/2006/main" xmlns:r="http://schemas.openxmlformats.org/officeDocument/2006/relationships" xmlns:p="http://schemas.openxmlformats.org/presentationml/2006/main">
+  <p:cSld>
+    <p:spTree>
+      <p:nvGrpSpPr>
+        <p:cNvPr id="1" name="">
+          <a:extLst>
+            <a:ext uri="{FF2B5EF4-FFF2-40B4-BE49-F238E27FC236}">
+              <a16:creationId xmlns:a16="http://schemas.microsoft.com/office/drawing/2014/main" id="{8FF5E95C-E76E-EB4C-10A7-3B291E1130AB}"/>
+            </a:ext>
+          </a:extLst>
+        </p:cNvPr>
+        <p:cNvGrpSpPr/>
+        <p:nvPr/>
+      </p:nvGrpSpPr>
+      <p:grpSpPr>
+        <a:xfrm>
+          <a:off x="0" y="0"/>
+          <a:ext cx="0" cy="0"/>
+          <a:chOff x="0" y="0"/>
+          <a:chExt cx="0" cy="0"/>
+        </a:xfrm>
+      </p:grpSpPr>
+      <p:sp>
+        <p:nvSpPr>
+          <p:cNvPr id="2" name="Title 1">
+            <a:extLst>
+              <a:ext uri="{FF2B5EF4-FFF2-40B4-BE49-F238E27FC236}">
+                <a16:creationId xmlns:a16="http://schemas.microsoft.com/office/drawing/2014/main" id="{0F5BC5E6-7E41-389A-CBCC-C7016FDC2625}"/>
+              </a:ext>
+            </a:extLst>
+          </p:cNvPr>
+          <p:cNvSpPr>
+            <a:spLocks noGrp="1"/>
+          </p:cNvSpPr>
+          <p:nvPr>
+            <p:ph type="title"/>
+          </p:nvPr>
+        </p:nvSpPr>
+        <p:spPr/>
+        <p:txBody>
+          <a:bodyPr/>
+          <a:lstStyle/>
+          <a:p>
+            <a:r>
+              <a:rPr lang="en-US">
+                <a:latin typeface="Arial" panose="020B0604020202020204" pitchFamily="34" charset="0"/>
+                <a:cs typeface="Arial" panose="020B0604020202020204" pitchFamily="34" charset="0"/>
+              </a:rPr>
+              <a:t>Logout</a:t>
+            </a:r>
+          </a:p>
+        </p:txBody>
+      </p:sp>
+      <p:sp>
+        <p:nvSpPr>
+          <p:cNvPr id="3" name="Content Placeholder 2">
+            <a:extLst>
+              <a:ext uri="{FF2B5EF4-FFF2-40B4-BE49-F238E27FC236}">
+                <a16:creationId xmlns:a16="http://schemas.microsoft.com/office/drawing/2014/main" id="{427095F8-7DC8-A103-2D9F-6034BD1FE7AE}"/>
+              </a:ext>
+            </a:extLst>
+          </p:cNvPr>
+          <p:cNvSpPr>
+            <a:spLocks noGrp="1"/>
+          </p:cNvSpPr>
+          <p:nvPr>
+            <p:ph idx="1"/>
+          </p:nvPr>
+        </p:nvSpPr>
+        <p:spPr/>
+        <p:txBody>
+          <a:bodyPr>
+            <a:normAutofit/>
+          </a:bodyPr>
+          <a:lstStyle/>
+          <a:p>
+            <a:r>
+              <a:rPr lang="en-US">
+                <a:latin typeface="Arial" panose="020B0604020202020204" pitchFamily="34" charset="0"/>
+                <a:cs typeface="Arial" panose="020B0604020202020204" pitchFamily="34" charset="0"/>
+              </a:rPr>
+              <a:t>Cách 2:</a:t>
+            </a:r>
+          </a:p>
+          <a:p>
+            <a:pPr lvl="1"/>
+            <a:r>
+              <a:rPr lang="en-US">
+                <a:latin typeface="Arial" panose="020B0604020202020204" pitchFamily="34" charset="0"/>
+                <a:cs typeface="Arial" panose="020B0604020202020204" pitchFamily="34" charset="0"/>
+              </a:rPr>
+              <a:t>Lưu token vào DB nhưng sử dụng trường khác làm ID.</a:t>
+            </a:r>
+          </a:p>
+          <a:p>
+            <a:pPr lvl="1"/>
+            <a:endParaRPr lang="en-US">
+              <a:latin typeface="Arial" panose="020B0604020202020204" pitchFamily="34" charset="0"/>
+              <a:cs typeface="Arial" panose="020B0604020202020204" pitchFamily="34" charset="0"/>
+            </a:endParaRPr>
+          </a:p>
+          <a:p>
+            <a:pPr lvl="1"/>
+            <a:r>
+              <a:rPr lang="en-US">
+                <a:latin typeface="Arial" panose="020B0604020202020204" pitchFamily="34" charset="0"/>
+                <a:cs typeface="Arial" panose="020B0604020202020204" pitchFamily="34" charset="0"/>
+              </a:rPr>
+              <a:t>Table token</a:t>
+            </a:r>
+          </a:p>
+          <a:p>
+            <a:pPr lvl="2"/>
+            <a:r>
+              <a:rPr lang="en-US">
+                <a:latin typeface="Arial" panose="020B0604020202020204" pitchFamily="34" charset="0"/>
+                <a:cs typeface="Arial" panose="020B0604020202020204" pitchFamily="34" charset="0"/>
+              </a:rPr>
+              <a:t>ID (??? dùng gì để làm ID đây)</a:t>
+            </a:r>
+          </a:p>
+          <a:p>
+            <a:pPr lvl="2"/>
+            <a:r>
+              <a:rPr lang="en-US">
+                <a:latin typeface="Arial" panose="020B0604020202020204" pitchFamily="34" charset="0"/>
+                <a:cs typeface="Arial" panose="020B0604020202020204" pitchFamily="34" charset="0"/>
+              </a:rPr>
+              <a:t>DELETE FLG</a:t>
+            </a:r>
+            <a:endParaRPr lang="vi-VN">
+              <a:latin typeface="Arial" panose="020B0604020202020204" pitchFamily="34" charset="0"/>
+              <a:cs typeface="Arial" panose="020B0604020202020204" pitchFamily="34" charset="0"/>
+            </a:endParaRPr>
+          </a:p>
+        </p:txBody>
+      </p:sp>
+    </p:spTree>
+    <p:extLst>
+      <p:ext uri="{BB962C8B-B14F-4D97-AF65-F5344CB8AC3E}">
+        <p14:creationId xmlns:p14="http://schemas.microsoft.com/office/powerpoint/2010/main" val="3071517952"/>
       </p:ext>
     </p:extLst>
   </p:cSld>
@@ -7415,6 +9378,1303 @@
 </p:sld>
 </file>
 
+<file path=ppt/slides/slide30.xml><?xml version="1.0" encoding="utf-8"?>
+<p:sld xmlns:a="http://schemas.openxmlformats.org/drawingml/2006/main" xmlns:r="http://schemas.openxmlformats.org/officeDocument/2006/relationships" xmlns:p="http://schemas.openxmlformats.org/presentationml/2006/main">
+  <p:cSld>
+    <p:spTree>
+      <p:nvGrpSpPr>
+        <p:cNvPr id="1" name="">
+          <a:extLst>
+            <a:ext uri="{FF2B5EF4-FFF2-40B4-BE49-F238E27FC236}">
+              <a16:creationId xmlns:a16="http://schemas.microsoft.com/office/drawing/2014/main" id="{71656C69-70DF-4260-1355-7D7F3C2758BA}"/>
+            </a:ext>
+          </a:extLst>
+        </p:cNvPr>
+        <p:cNvGrpSpPr/>
+        <p:nvPr/>
+      </p:nvGrpSpPr>
+      <p:grpSpPr>
+        <a:xfrm>
+          <a:off x="0" y="0"/>
+          <a:ext cx="0" cy="0"/>
+          <a:chOff x="0" y="0"/>
+          <a:chExt cx="0" cy="0"/>
+        </a:xfrm>
+      </p:grpSpPr>
+      <p:sp>
+        <p:nvSpPr>
+          <p:cNvPr id="2" name="Title 1">
+            <a:extLst>
+              <a:ext uri="{FF2B5EF4-FFF2-40B4-BE49-F238E27FC236}">
+                <a16:creationId xmlns:a16="http://schemas.microsoft.com/office/drawing/2014/main" id="{D8A6057F-DD23-8EE8-1A32-32801A319BAD}"/>
+              </a:ext>
+            </a:extLst>
+          </p:cNvPr>
+          <p:cNvSpPr>
+            <a:spLocks noGrp="1"/>
+          </p:cNvSpPr>
+          <p:nvPr>
+            <p:ph type="title"/>
+          </p:nvPr>
+        </p:nvSpPr>
+        <p:spPr/>
+        <p:txBody>
+          <a:bodyPr/>
+          <a:lstStyle/>
+          <a:p>
+            <a:r>
+              <a:rPr lang="en-US">
+                <a:latin typeface="Arial" panose="020B0604020202020204" pitchFamily="34" charset="0"/>
+                <a:cs typeface="Arial" panose="020B0604020202020204" pitchFamily="34" charset="0"/>
+              </a:rPr>
+              <a:t>Logout</a:t>
+            </a:r>
+          </a:p>
+        </p:txBody>
+      </p:sp>
+      <p:sp>
+        <p:nvSpPr>
+          <p:cNvPr id="3" name="Content Placeholder 2">
+            <a:extLst>
+              <a:ext uri="{FF2B5EF4-FFF2-40B4-BE49-F238E27FC236}">
+                <a16:creationId xmlns:a16="http://schemas.microsoft.com/office/drawing/2014/main" id="{0DB480F1-DCE7-5C8A-983A-0E6EF00ED347}"/>
+              </a:ext>
+            </a:extLst>
+          </p:cNvPr>
+          <p:cNvSpPr>
+            <a:spLocks noGrp="1"/>
+          </p:cNvSpPr>
+          <p:nvPr>
+            <p:ph idx="1"/>
+          </p:nvPr>
+        </p:nvSpPr>
+        <p:spPr/>
+        <p:txBody>
+          <a:bodyPr>
+            <a:normAutofit/>
+          </a:bodyPr>
+          <a:lstStyle/>
+          <a:p>
+            <a:r>
+              <a:rPr lang="en-US">
+                <a:latin typeface="Arial" panose="020B0604020202020204" pitchFamily="34" charset="0"/>
+                <a:cs typeface="Arial" panose="020B0604020202020204" pitchFamily="34" charset="0"/>
+              </a:rPr>
+              <a:t>Cách 2:</a:t>
+            </a:r>
+          </a:p>
+          <a:p>
+            <a:pPr lvl="1"/>
+            <a:r>
+              <a:rPr lang="en-US">
+                <a:latin typeface="Arial" panose="020B0604020202020204" pitchFamily="34" charset="0"/>
+                <a:cs typeface="Arial" panose="020B0604020202020204" pitchFamily="34" charset="0"/>
+              </a:rPr>
+              <a:t>Lưu token vào DB nhưng sử dụng trường khác làm ID.</a:t>
+            </a:r>
+          </a:p>
+          <a:p>
+            <a:pPr lvl="1"/>
+            <a:endParaRPr lang="en-US">
+              <a:latin typeface="Arial" panose="020B0604020202020204" pitchFamily="34" charset="0"/>
+              <a:cs typeface="Arial" panose="020B0604020202020204" pitchFamily="34" charset="0"/>
+            </a:endParaRPr>
+          </a:p>
+          <a:p>
+            <a:pPr lvl="1"/>
+            <a:r>
+              <a:rPr lang="en-US">
+                <a:latin typeface="Arial" panose="020B0604020202020204" pitchFamily="34" charset="0"/>
+                <a:cs typeface="Arial" panose="020B0604020202020204" pitchFamily="34" charset="0"/>
+              </a:rPr>
+              <a:t>Table token</a:t>
+            </a:r>
+          </a:p>
+          <a:p>
+            <a:pPr lvl="2"/>
+            <a:r>
+              <a:rPr lang="en-US">
+                <a:latin typeface="Arial" panose="020B0604020202020204" pitchFamily="34" charset="0"/>
+                <a:cs typeface="Arial" panose="020B0604020202020204" pitchFamily="34" charset="0"/>
+              </a:rPr>
+              <a:t>ID (UUID)</a:t>
+            </a:r>
+          </a:p>
+          <a:p>
+            <a:pPr lvl="2"/>
+            <a:r>
+              <a:rPr lang="en-US">
+                <a:latin typeface="Arial" panose="020B0604020202020204" pitchFamily="34" charset="0"/>
+                <a:cs typeface="Arial" panose="020B0604020202020204" pitchFamily="34" charset="0"/>
+              </a:rPr>
+              <a:t>DELETE FLG</a:t>
+            </a:r>
+            <a:endParaRPr lang="vi-VN">
+              <a:latin typeface="Arial" panose="020B0604020202020204" pitchFamily="34" charset="0"/>
+              <a:cs typeface="Arial" panose="020B0604020202020204" pitchFamily="34" charset="0"/>
+            </a:endParaRPr>
+          </a:p>
+        </p:txBody>
+      </p:sp>
+    </p:spTree>
+    <p:extLst>
+      <p:ext uri="{BB962C8B-B14F-4D97-AF65-F5344CB8AC3E}">
+        <p14:creationId xmlns:p14="http://schemas.microsoft.com/office/powerpoint/2010/main" val="3903669128"/>
+      </p:ext>
+    </p:extLst>
+  </p:cSld>
+  <p:clrMapOvr>
+    <a:masterClrMapping/>
+  </p:clrMapOvr>
+</p:sld>
+</file>
+
+<file path=ppt/slides/slide31.xml><?xml version="1.0" encoding="utf-8"?>
+<p:sld xmlns:a="http://schemas.openxmlformats.org/drawingml/2006/main" xmlns:r="http://schemas.openxmlformats.org/officeDocument/2006/relationships" xmlns:p="http://schemas.openxmlformats.org/presentationml/2006/main">
+  <p:cSld>
+    <p:spTree>
+      <p:nvGrpSpPr>
+        <p:cNvPr id="1" name="">
+          <a:extLst>
+            <a:ext uri="{FF2B5EF4-FFF2-40B4-BE49-F238E27FC236}">
+              <a16:creationId xmlns:a16="http://schemas.microsoft.com/office/drawing/2014/main" id="{C8667B01-BE47-FB56-1ADA-13087BD7508A}"/>
+            </a:ext>
+          </a:extLst>
+        </p:cNvPr>
+        <p:cNvGrpSpPr/>
+        <p:nvPr/>
+      </p:nvGrpSpPr>
+      <p:grpSpPr>
+        <a:xfrm>
+          <a:off x="0" y="0"/>
+          <a:ext cx="0" cy="0"/>
+          <a:chOff x="0" y="0"/>
+          <a:chExt cx="0" cy="0"/>
+        </a:xfrm>
+      </p:grpSpPr>
+      <p:sp>
+        <p:nvSpPr>
+          <p:cNvPr id="2" name="Title 1">
+            <a:extLst>
+              <a:ext uri="{FF2B5EF4-FFF2-40B4-BE49-F238E27FC236}">
+                <a16:creationId xmlns:a16="http://schemas.microsoft.com/office/drawing/2014/main" id="{0349BC0C-D604-83CD-1046-E9344657BC04}"/>
+              </a:ext>
+            </a:extLst>
+          </p:cNvPr>
+          <p:cNvSpPr>
+            <a:spLocks noGrp="1"/>
+          </p:cNvSpPr>
+          <p:nvPr>
+            <p:ph type="title"/>
+          </p:nvPr>
+        </p:nvSpPr>
+        <p:spPr/>
+        <p:txBody>
+          <a:bodyPr/>
+          <a:lstStyle/>
+          <a:p>
+            <a:r>
+              <a:rPr lang="en-US">
+                <a:latin typeface="Arial" panose="020B0604020202020204" pitchFamily="34" charset="0"/>
+                <a:cs typeface="Arial" panose="020B0604020202020204" pitchFamily="34" charset="0"/>
+              </a:rPr>
+              <a:t>Logout</a:t>
+            </a:r>
+          </a:p>
+        </p:txBody>
+      </p:sp>
+      <p:sp>
+        <p:nvSpPr>
+          <p:cNvPr id="3" name="Content Placeholder 2">
+            <a:extLst>
+              <a:ext uri="{FF2B5EF4-FFF2-40B4-BE49-F238E27FC236}">
+                <a16:creationId xmlns:a16="http://schemas.microsoft.com/office/drawing/2014/main" id="{147786A3-2B10-59C7-67E0-5B2C0185890B}"/>
+              </a:ext>
+            </a:extLst>
+          </p:cNvPr>
+          <p:cNvSpPr>
+            <a:spLocks noGrp="1"/>
+          </p:cNvSpPr>
+          <p:nvPr>
+            <p:ph idx="1"/>
+          </p:nvPr>
+        </p:nvSpPr>
+        <p:spPr/>
+        <p:txBody>
+          <a:bodyPr>
+            <a:normAutofit/>
+          </a:bodyPr>
+          <a:lstStyle/>
+          <a:p>
+            <a:r>
+              <a:rPr lang="en-US">
+                <a:latin typeface="Arial" panose="020B0604020202020204" pitchFamily="34" charset="0"/>
+                <a:cs typeface="Arial" panose="020B0604020202020204" pitchFamily="34" charset="0"/>
+              </a:rPr>
+              <a:t>Nhược điểm:</a:t>
+            </a:r>
+          </a:p>
+          <a:p>
+            <a:pPr lvl="1"/>
+            <a:r>
+              <a:rPr lang="en-US">
+                <a:latin typeface="Arial" panose="020B0604020202020204" pitchFamily="34" charset="0"/>
+                <a:cs typeface="Arial" panose="020B0604020202020204" pitchFamily="34" charset="0"/>
+              </a:rPr>
+              <a:t>Số lượng token phải lưu cũng rất lớn ảnh hưởng tới DB.</a:t>
+            </a:r>
+            <a:endParaRPr lang="vi-VN">
+              <a:latin typeface="Arial" panose="020B0604020202020204" pitchFamily="34" charset="0"/>
+              <a:cs typeface="Arial" panose="020B0604020202020204" pitchFamily="34" charset="0"/>
+            </a:endParaRPr>
+          </a:p>
+        </p:txBody>
+      </p:sp>
+    </p:spTree>
+    <p:extLst>
+      <p:ext uri="{BB962C8B-B14F-4D97-AF65-F5344CB8AC3E}">
+        <p14:creationId xmlns:p14="http://schemas.microsoft.com/office/powerpoint/2010/main" val="1352296850"/>
+      </p:ext>
+    </p:extLst>
+  </p:cSld>
+  <p:clrMapOvr>
+    <a:masterClrMapping/>
+  </p:clrMapOvr>
+</p:sld>
+</file>
+
+<file path=ppt/slides/slide32.xml><?xml version="1.0" encoding="utf-8"?>
+<p:sld xmlns:a="http://schemas.openxmlformats.org/drawingml/2006/main" xmlns:r="http://schemas.openxmlformats.org/officeDocument/2006/relationships" xmlns:p="http://schemas.openxmlformats.org/presentationml/2006/main">
+  <p:cSld>
+    <p:spTree>
+      <p:nvGrpSpPr>
+        <p:cNvPr id="1" name="">
+          <a:extLst>
+            <a:ext uri="{FF2B5EF4-FFF2-40B4-BE49-F238E27FC236}">
+              <a16:creationId xmlns:a16="http://schemas.microsoft.com/office/drawing/2014/main" id="{F1D1D339-5C4F-49B8-DFEE-96AE014E1A14}"/>
+            </a:ext>
+          </a:extLst>
+        </p:cNvPr>
+        <p:cNvGrpSpPr/>
+        <p:nvPr/>
+      </p:nvGrpSpPr>
+      <p:grpSpPr>
+        <a:xfrm>
+          <a:off x="0" y="0"/>
+          <a:ext cx="0" cy="0"/>
+          <a:chOff x="0" y="0"/>
+          <a:chExt cx="0" cy="0"/>
+        </a:xfrm>
+      </p:grpSpPr>
+      <p:sp>
+        <p:nvSpPr>
+          <p:cNvPr id="2" name="Title 1">
+            <a:extLst>
+              <a:ext uri="{FF2B5EF4-FFF2-40B4-BE49-F238E27FC236}">
+                <a16:creationId xmlns:a16="http://schemas.microsoft.com/office/drawing/2014/main" id="{A68994C0-7409-E229-3EE1-963131F1BBB7}"/>
+              </a:ext>
+            </a:extLst>
+          </p:cNvPr>
+          <p:cNvSpPr>
+            <a:spLocks noGrp="1"/>
+          </p:cNvSpPr>
+          <p:nvPr>
+            <p:ph type="title"/>
+          </p:nvPr>
+        </p:nvSpPr>
+        <p:spPr/>
+        <p:txBody>
+          <a:bodyPr/>
+          <a:lstStyle/>
+          <a:p>
+            <a:r>
+              <a:rPr lang="en-US">
+                <a:latin typeface="Arial" panose="020B0604020202020204" pitchFamily="34" charset="0"/>
+                <a:cs typeface="Arial" panose="020B0604020202020204" pitchFamily="34" charset="0"/>
+              </a:rPr>
+              <a:t>Logout</a:t>
+            </a:r>
+          </a:p>
+        </p:txBody>
+      </p:sp>
+      <p:sp>
+        <p:nvSpPr>
+          <p:cNvPr id="3" name="Content Placeholder 2">
+            <a:extLst>
+              <a:ext uri="{FF2B5EF4-FFF2-40B4-BE49-F238E27FC236}">
+                <a16:creationId xmlns:a16="http://schemas.microsoft.com/office/drawing/2014/main" id="{946A5B6F-B365-4E6D-48E2-A0C908A3394D}"/>
+              </a:ext>
+            </a:extLst>
+          </p:cNvPr>
+          <p:cNvSpPr>
+            <a:spLocks noGrp="1"/>
+          </p:cNvSpPr>
+          <p:nvPr>
+            <p:ph idx="1"/>
+          </p:nvPr>
+        </p:nvSpPr>
+        <p:spPr/>
+        <p:txBody>
+          <a:bodyPr>
+            <a:normAutofit/>
+          </a:bodyPr>
+          <a:lstStyle/>
+          <a:p>
+            <a:r>
+              <a:rPr lang="en-US">
+                <a:latin typeface="Arial" panose="020B0604020202020204" pitchFamily="34" charset="0"/>
+                <a:cs typeface="Arial" panose="020B0604020202020204" pitchFamily="34" charset="0"/>
+              </a:rPr>
+              <a:t>Cách 3:</a:t>
+            </a:r>
+          </a:p>
+          <a:p>
+            <a:pPr lvl="1"/>
+            <a:r>
+              <a:rPr lang="en-US">
+                <a:latin typeface="Arial" panose="020B0604020202020204" pitchFamily="34" charset="0"/>
+                <a:cs typeface="Arial" panose="020B0604020202020204" pitchFamily="34" charset="0"/>
+              </a:rPr>
+              <a:t>Chỉ lưu các token đã hết hạn vào DB thôi</a:t>
+            </a:r>
+          </a:p>
+          <a:p>
+            <a:pPr lvl="1"/>
+            <a:endParaRPr lang="en-US">
+              <a:latin typeface="Arial" panose="020B0604020202020204" pitchFamily="34" charset="0"/>
+              <a:cs typeface="Arial" panose="020B0604020202020204" pitchFamily="34" charset="0"/>
+            </a:endParaRPr>
+          </a:p>
+          <a:p>
+            <a:pPr lvl="1"/>
+            <a:r>
+              <a:rPr lang="en-US">
+                <a:latin typeface="Arial" panose="020B0604020202020204" pitchFamily="34" charset="0"/>
+                <a:cs typeface="Arial" panose="020B0604020202020204" pitchFamily="34" charset="0"/>
+              </a:rPr>
+              <a:t>Table token</a:t>
+            </a:r>
+          </a:p>
+          <a:p>
+            <a:pPr lvl="2"/>
+            <a:r>
+              <a:rPr lang="en-US">
+                <a:latin typeface="Arial" panose="020B0604020202020204" pitchFamily="34" charset="0"/>
+                <a:cs typeface="Arial" panose="020B0604020202020204" pitchFamily="34" charset="0"/>
+              </a:rPr>
+              <a:t>ID (UUID)</a:t>
+            </a:r>
+            <a:endParaRPr lang="vi-VN">
+              <a:latin typeface="Arial" panose="020B0604020202020204" pitchFamily="34" charset="0"/>
+              <a:cs typeface="Arial" panose="020B0604020202020204" pitchFamily="34" charset="0"/>
+            </a:endParaRPr>
+          </a:p>
+        </p:txBody>
+      </p:sp>
+    </p:spTree>
+    <p:extLst>
+      <p:ext uri="{BB962C8B-B14F-4D97-AF65-F5344CB8AC3E}">
+        <p14:creationId xmlns:p14="http://schemas.microsoft.com/office/powerpoint/2010/main" val="245903687"/>
+      </p:ext>
+    </p:extLst>
+  </p:cSld>
+  <p:clrMapOvr>
+    <a:masterClrMapping/>
+  </p:clrMapOvr>
+</p:sld>
+</file>
+
+<file path=ppt/slides/slide33.xml><?xml version="1.0" encoding="utf-8"?>
+<p:sld xmlns:a="http://schemas.openxmlformats.org/drawingml/2006/main" xmlns:r="http://schemas.openxmlformats.org/officeDocument/2006/relationships" xmlns:p="http://schemas.openxmlformats.org/presentationml/2006/main">
+  <p:cSld>
+    <p:spTree>
+      <p:nvGrpSpPr>
+        <p:cNvPr id="1" name="">
+          <a:extLst>
+            <a:ext uri="{FF2B5EF4-FFF2-40B4-BE49-F238E27FC236}">
+              <a16:creationId xmlns:a16="http://schemas.microsoft.com/office/drawing/2014/main" id="{753D6C1C-E91A-BF64-CED1-297ADF98AE0F}"/>
+            </a:ext>
+          </a:extLst>
+        </p:cNvPr>
+        <p:cNvGrpSpPr/>
+        <p:nvPr/>
+      </p:nvGrpSpPr>
+      <p:grpSpPr>
+        <a:xfrm>
+          <a:off x="0" y="0"/>
+          <a:ext cx="0" cy="0"/>
+          <a:chOff x="0" y="0"/>
+          <a:chExt cx="0" cy="0"/>
+        </a:xfrm>
+      </p:grpSpPr>
+      <p:sp>
+        <p:nvSpPr>
+          <p:cNvPr id="2" name="Title 1">
+            <a:extLst>
+              <a:ext uri="{FF2B5EF4-FFF2-40B4-BE49-F238E27FC236}">
+                <a16:creationId xmlns:a16="http://schemas.microsoft.com/office/drawing/2014/main" id="{4548F030-9D35-DE19-B231-096F705E943C}"/>
+              </a:ext>
+            </a:extLst>
+          </p:cNvPr>
+          <p:cNvSpPr>
+            <a:spLocks noGrp="1"/>
+          </p:cNvSpPr>
+          <p:nvPr>
+            <p:ph type="title"/>
+          </p:nvPr>
+        </p:nvSpPr>
+        <p:spPr/>
+        <p:txBody>
+          <a:bodyPr/>
+          <a:lstStyle/>
+          <a:p>
+            <a:r>
+              <a:rPr lang="en-US">
+                <a:latin typeface="Arial" panose="020B0604020202020204" pitchFamily="34" charset="0"/>
+                <a:cs typeface="Arial" panose="020B0604020202020204" pitchFamily="34" charset="0"/>
+              </a:rPr>
+              <a:t>Logout</a:t>
+            </a:r>
+          </a:p>
+        </p:txBody>
+      </p:sp>
+      <p:sp>
+        <p:nvSpPr>
+          <p:cNvPr id="3" name="Content Placeholder 2">
+            <a:extLst>
+              <a:ext uri="{FF2B5EF4-FFF2-40B4-BE49-F238E27FC236}">
+                <a16:creationId xmlns:a16="http://schemas.microsoft.com/office/drawing/2014/main" id="{79AB777E-1E3D-AD15-5B10-C9F82D2AB471}"/>
+              </a:ext>
+            </a:extLst>
+          </p:cNvPr>
+          <p:cNvSpPr>
+            <a:spLocks noGrp="1"/>
+          </p:cNvSpPr>
+          <p:nvPr>
+            <p:ph idx="1"/>
+          </p:nvPr>
+        </p:nvSpPr>
+        <p:spPr/>
+        <p:txBody>
+          <a:bodyPr>
+            <a:normAutofit/>
+          </a:bodyPr>
+          <a:lstStyle/>
+          <a:p>
+            <a:r>
+              <a:rPr lang="en-US">
+                <a:latin typeface="Arial" panose="020B0604020202020204" pitchFamily="34" charset="0"/>
+                <a:cs typeface="Arial" panose="020B0604020202020204" pitchFamily="34" charset="0"/>
+              </a:rPr>
+              <a:t>Nhược điểm:</a:t>
+            </a:r>
+          </a:p>
+          <a:p>
+            <a:pPr lvl="1"/>
+            <a:r>
+              <a:rPr lang="en-US">
+                <a:latin typeface="Arial" panose="020B0604020202020204" pitchFamily="34" charset="0"/>
+                <a:cs typeface="Arial" panose="020B0604020202020204" pitchFamily="34" charset="0"/>
+              </a:rPr>
+              <a:t>Số lượng token phải lưu mặc dù ít hơn 2 cách kia tuy nhiên càng ngày sẽ càng phình to</a:t>
+            </a:r>
+            <a:endParaRPr lang="vi-VN">
+              <a:latin typeface="Arial" panose="020B0604020202020204" pitchFamily="34" charset="0"/>
+              <a:cs typeface="Arial" panose="020B0604020202020204" pitchFamily="34" charset="0"/>
+            </a:endParaRPr>
+          </a:p>
+        </p:txBody>
+      </p:sp>
+    </p:spTree>
+    <p:extLst>
+      <p:ext uri="{BB962C8B-B14F-4D97-AF65-F5344CB8AC3E}">
+        <p14:creationId xmlns:p14="http://schemas.microsoft.com/office/powerpoint/2010/main" val="1276628019"/>
+      </p:ext>
+    </p:extLst>
+  </p:cSld>
+  <p:clrMapOvr>
+    <a:masterClrMapping/>
+  </p:clrMapOvr>
+</p:sld>
+</file>
+
+<file path=ppt/slides/slide34.xml><?xml version="1.0" encoding="utf-8"?>
+<p:sld xmlns:a="http://schemas.openxmlformats.org/drawingml/2006/main" xmlns:r="http://schemas.openxmlformats.org/officeDocument/2006/relationships" xmlns:p="http://schemas.openxmlformats.org/presentationml/2006/main">
+  <p:cSld>
+    <p:spTree>
+      <p:nvGrpSpPr>
+        <p:cNvPr id="1" name="">
+          <a:extLst>
+            <a:ext uri="{FF2B5EF4-FFF2-40B4-BE49-F238E27FC236}">
+              <a16:creationId xmlns:a16="http://schemas.microsoft.com/office/drawing/2014/main" id="{001829FF-C17E-8A46-A89F-0E033B0C2737}"/>
+            </a:ext>
+          </a:extLst>
+        </p:cNvPr>
+        <p:cNvGrpSpPr/>
+        <p:nvPr/>
+      </p:nvGrpSpPr>
+      <p:grpSpPr>
+        <a:xfrm>
+          <a:off x="0" y="0"/>
+          <a:ext cx="0" cy="0"/>
+          <a:chOff x="0" y="0"/>
+          <a:chExt cx="0" cy="0"/>
+        </a:xfrm>
+      </p:grpSpPr>
+      <p:sp>
+        <p:nvSpPr>
+          <p:cNvPr id="2" name="Title 1">
+            <a:extLst>
+              <a:ext uri="{FF2B5EF4-FFF2-40B4-BE49-F238E27FC236}">
+                <a16:creationId xmlns:a16="http://schemas.microsoft.com/office/drawing/2014/main" id="{484EBCF7-D194-0636-3442-35265B67BA7E}"/>
+              </a:ext>
+            </a:extLst>
+          </p:cNvPr>
+          <p:cNvSpPr>
+            <a:spLocks noGrp="1"/>
+          </p:cNvSpPr>
+          <p:nvPr>
+            <p:ph type="title"/>
+          </p:nvPr>
+        </p:nvSpPr>
+        <p:spPr/>
+        <p:txBody>
+          <a:bodyPr/>
+          <a:lstStyle/>
+          <a:p>
+            <a:r>
+              <a:rPr lang="en-US">
+                <a:latin typeface="Arial" panose="020B0604020202020204" pitchFamily="34" charset="0"/>
+                <a:cs typeface="Arial" panose="020B0604020202020204" pitchFamily="34" charset="0"/>
+              </a:rPr>
+              <a:t>Logout</a:t>
+            </a:r>
+          </a:p>
+        </p:txBody>
+      </p:sp>
+      <p:sp>
+        <p:nvSpPr>
+          <p:cNvPr id="3" name="Content Placeholder 2">
+            <a:extLst>
+              <a:ext uri="{FF2B5EF4-FFF2-40B4-BE49-F238E27FC236}">
+                <a16:creationId xmlns:a16="http://schemas.microsoft.com/office/drawing/2014/main" id="{0AE39282-67F4-CAEA-65A8-CFEA87F3DBF8}"/>
+              </a:ext>
+            </a:extLst>
+          </p:cNvPr>
+          <p:cNvSpPr>
+            <a:spLocks noGrp="1"/>
+          </p:cNvSpPr>
+          <p:nvPr>
+            <p:ph idx="1"/>
+          </p:nvPr>
+        </p:nvSpPr>
+        <p:spPr/>
+        <p:txBody>
+          <a:bodyPr>
+            <a:normAutofit/>
+          </a:bodyPr>
+          <a:lstStyle/>
+          <a:p>
+            <a:r>
+              <a:rPr lang="en-US">
+                <a:latin typeface="Arial" panose="020B0604020202020204" pitchFamily="34" charset="0"/>
+                <a:cs typeface="Arial" panose="020B0604020202020204" pitchFamily="34" charset="0"/>
+              </a:rPr>
+              <a:t>Cách 4:</a:t>
+            </a:r>
+          </a:p>
+          <a:p>
+            <a:pPr lvl="1"/>
+            <a:r>
+              <a:rPr lang="en-US">
+                <a:latin typeface="Arial" panose="020B0604020202020204" pitchFamily="34" charset="0"/>
+                <a:cs typeface="Arial" panose="020B0604020202020204" pitchFamily="34" charset="0"/>
+              </a:rPr>
+              <a:t>Chỉ lưu các token đã hết hạn vào DB thôi và thêm thông tin expire time để có thể tạo các job định kỳ để xóa bớt data</a:t>
+            </a:r>
+          </a:p>
+          <a:p>
+            <a:pPr lvl="1"/>
+            <a:endParaRPr lang="en-US">
+              <a:latin typeface="Arial" panose="020B0604020202020204" pitchFamily="34" charset="0"/>
+              <a:cs typeface="Arial" panose="020B0604020202020204" pitchFamily="34" charset="0"/>
+            </a:endParaRPr>
+          </a:p>
+          <a:p>
+            <a:pPr lvl="1"/>
+            <a:r>
+              <a:rPr lang="en-US">
+                <a:latin typeface="Arial" panose="020B0604020202020204" pitchFamily="34" charset="0"/>
+                <a:cs typeface="Arial" panose="020B0604020202020204" pitchFamily="34" charset="0"/>
+              </a:rPr>
+              <a:t>Table token</a:t>
+            </a:r>
+          </a:p>
+          <a:p>
+            <a:pPr lvl="2"/>
+            <a:r>
+              <a:rPr lang="en-US">
+                <a:latin typeface="Arial" panose="020B0604020202020204" pitchFamily="34" charset="0"/>
+                <a:cs typeface="Arial" panose="020B0604020202020204" pitchFamily="34" charset="0"/>
+              </a:rPr>
+              <a:t>ID (UUID)</a:t>
+            </a:r>
+          </a:p>
+          <a:p>
+            <a:pPr lvl="2"/>
+            <a:r>
+              <a:rPr lang="en-US">
+                <a:latin typeface="Arial" panose="020B0604020202020204" pitchFamily="34" charset="0"/>
+                <a:cs typeface="Arial" panose="020B0604020202020204" pitchFamily="34" charset="0"/>
+              </a:rPr>
+              <a:t>Expire time</a:t>
+            </a:r>
+            <a:endParaRPr lang="vi-VN">
+              <a:latin typeface="Arial" panose="020B0604020202020204" pitchFamily="34" charset="0"/>
+              <a:cs typeface="Arial" panose="020B0604020202020204" pitchFamily="34" charset="0"/>
+            </a:endParaRPr>
+          </a:p>
+        </p:txBody>
+      </p:sp>
+    </p:spTree>
+    <p:extLst>
+      <p:ext uri="{BB962C8B-B14F-4D97-AF65-F5344CB8AC3E}">
+        <p14:creationId xmlns:p14="http://schemas.microsoft.com/office/powerpoint/2010/main" val="1281777243"/>
+      </p:ext>
+    </p:extLst>
+  </p:cSld>
+  <p:clrMapOvr>
+    <a:masterClrMapping/>
+  </p:clrMapOvr>
+</p:sld>
+</file>
+
+<file path=ppt/slides/slide35.xml><?xml version="1.0" encoding="utf-8"?>
+<p:sld xmlns:a="http://schemas.openxmlformats.org/drawingml/2006/main" xmlns:r="http://schemas.openxmlformats.org/officeDocument/2006/relationships" xmlns:p="http://schemas.openxmlformats.org/presentationml/2006/main">
+  <p:cSld>
+    <p:spTree>
+      <p:nvGrpSpPr>
+        <p:cNvPr id="1" name="">
+          <a:extLst>
+            <a:ext uri="{FF2B5EF4-FFF2-40B4-BE49-F238E27FC236}">
+              <a16:creationId xmlns:a16="http://schemas.microsoft.com/office/drawing/2014/main" id="{AA8027B7-3207-6EF8-4938-3FAF1514C9E8}"/>
+            </a:ext>
+          </a:extLst>
+        </p:cNvPr>
+        <p:cNvGrpSpPr/>
+        <p:nvPr/>
+      </p:nvGrpSpPr>
+      <p:grpSpPr>
+        <a:xfrm>
+          <a:off x="0" y="0"/>
+          <a:ext cx="0" cy="0"/>
+          <a:chOff x="0" y="0"/>
+          <a:chExt cx="0" cy="0"/>
+        </a:xfrm>
+      </p:grpSpPr>
+      <p:sp>
+        <p:nvSpPr>
+          <p:cNvPr id="2" name="Title 1">
+            <a:extLst>
+              <a:ext uri="{FF2B5EF4-FFF2-40B4-BE49-F238E27FC236}">
+                <a16:creationId xmlns:a16="http://schemas.microsoft.com/office/drawing/2014/main" id="{C6CC8B35-303C-AC31-CAA2-4344B66526BF}"/>
+              </a:ext>
+            </a:extLst>
+          </p:cNvPr>
+          <p:cNvSpPr>
+            <a:spLocks noGrp="1"/>
+          </p:cNvSpPr>
+          <p:nvPr>
+            <p:ph type="title"/>
+          </p:nvPr>
+        </p:nvSpPr>
+        <p:spPr/>
+        <p:txBody>
+          <a:bodyPr/>
+          <a:lstStyle/>
+          <a:p>
+            <a:r>
+              <a:rPr kumimoji="1" lang="en-US" altLang="ja-JP"/>
+              <a:t>Excercise</a:t>
+            </a:r>
+            <a:endParaRPr kumimoji="1" lang="ja-JP" altLang="en-US"/>
+          </a:p>
+        </p:txBody>
+      </p:sp>
+      <p:sp>
+        <p:nvSpPr>
+          <p:cNvPr id="3" name="Content Placeholder 2">
+            <a:extLst>
+              <a:ext uri="{FF2B5EF4-FFF2-40B4-BE49-F238E27FC236}">
+                <a16:creationId xmlns:a16="http://schemas.microsoft.com/office/drawing/2014/main" id="{E228D67F-9A07-EE05-20A4-607CD7379EBD}"/>
+              </a:ext>
+            </a:extLst>
+          </p:cNvPr>
+          <p:cNvSpPr>
+            <a:spLocks noGrp="1"/>
+          </p:cNvSpPr>
+          <p:nvPr>
+            <p:ph idx="1"/>
+          </p:nvPr>
+        </p:nvSpPr>
+        <p:spPr/>
+        <p:txBody>
+          <a:bodyPr/>
+          <a:lstStyle/>
+          <a:p>
+            <a:r>
+              <a:rPr lang="en-US" altLang="ja-JP">
+                <a:latin typeface="Arial" panose="020B0604020202020204" pitchFamily="34" charset="0"/>
+                <a:cs typeface="Arial" panose="020B0604020202020204" pitchFamily="34" charset="0"/>
+              </a:rPr>
+              <a:t>Bài tập:</a:t>
+            </a:r>
+          </a:p>
+          <a:p>
+            <a:pPr lvl="1"/>
+            <a:r>
+              <a:rPr lang="en-US" altLang="ja-JP">
+                <a:solidFill>
+                  <a:schemeClr val="tx1"/>
+                </a:solidFill>
+                <a:latin typeface="Arial" panose="020B0604020202020204" pitchFamily="34" charset="0"/>
+                <a:cs typeface="Arial" panose="020B0604020202020204" pitchFamily="34" charset="0"/>
+              </a:rPr>
+              <a:t>Implement logout</a:t>
+            </a:r>
+          </a:p>
+          <a:p>
+            <a:endParaRPr kumimoji="1" lang="ja-JP" altLang="en-US"/>
+          </a:p>
+        </p:txBody>
+      </p:sp>
+    </p:spTree>
+    <p:extLst>
+      <p:ext uri="{BB962C8B-B14F-4D97-AF65-F5344CB8AC3E}">
+        <p14:creationId xmlns:p14="http://schemas.microsoft.com/office/powerpoint/2010/main" val="1685584483"/>
+      </p:ext>
+    </p:extLst>
+  </p:cSld>
+  <p:clrMapOvr>
+    <a:masterClrMapping/>
+  </p:clrMapOvr>
+</p:sld>
+</file>
+
+<file path=ppt/slides/slide36.xml><?xml version="1.0" encoding="utf-8"?>
+<p:sld xmlns:a="http://schemas.openxmlformats.org/drawingml/2006/main" xmlns:r="http://schemas.openxmlformats.org/officeDocument/2006/relationships" xmlns:p="http://schemas.openxmlformats.org/presentationml/2006/main">
+  <p:cSld>
+    <p:spTree>
+      <p:nvGrpSpPr>
+        <p:cNvPr id="1" name="">
+          <a:extLst>
+            <a:ext uri="{FF2B5EF4-FFF2-40B4-BE49-F238E27FC236}">
+              <a16:creationId xmlns:a16="http://schemas.microsoft.com/office/drawing/2014/main" id="{A0A9B8E7-24F0-29AF-5B89-03EA425FB452}"/>
+            </a:ext>
+          </a:extLst>
+        </p:cNvPr>
+        <p:cNvGrpSpPr/>
+        <p:nvPr/>
+      </p:nvGrpSpPr>
+      <p:grpSpPr>
+        <a:xfrm>
+          <a:off x="0" y="0"/>
+          <a:ext cx="0" cy="0"/>
+          <a:chOff x="0" y="0"/>
+          <a:chExt cx="0" cy="0"/>
+        </a:xfrm>
+      </p:grpSpPr>
+      <p:sp>
+        <p:nvSpPr>
+          <p:cNvPr id="2" name="Title 1">
+            <a:extLst>
+              <a:ext uri="{FF2B5EF4-FFF2-40B4-BE49-F238E27FC236}">
+                <a16:creationId xmlns:a16="http://schemas.microsoft.com/office/drawing/2014/main" id="{4C56D9D4-6EAB-47E7-4FE4-D616FE98B64C}"/>
+              </a:ext>
+            </a:extLst>
+          </p:cNvPr>
+          <p:cNvSpPr>
+            <a:spLocks noGrp="1"/>
+          </p:cNvSpPr>
+          <p:nvPr>
+            <p:ph type="title"/>
+          </p:nvPr>
+        </p:nvSpPr>
+        <p:spPr/>
+        <p:txBody>
+          <a:bodyPr/>
+          <a:lstStyle/>
+          <a:p>
+            <a:r>
+              <a:rPr lang="en-US">
+                <a:latin typeface="Arial" panose="020B0604020202020204" pitchFamily="34" charset="0"/>
+                <a:cs typeface="Arial" panose="020B0604020202020204" pitchFamily="34" charset="0"/>
+              </a:rPr>
+              <a:t>Refresh token</a:t>
+            </a:r>
+          </a:p>
+        </p:txBody>
+      </p:sp>
+      <p:sp>
+        <p:nvSpPr>
+          <p:cNvPr id="3" name="Content Placeholder 2">
+            <a:extLst>
+              <a:ext uri="{FF2B5EF4-FFF2-40B4-BE49-F238E27FC236}">
+                <a16:creationId xmlns:a16="http://schemas.microsoft.com/office/drawing/2014/main" id="{35F15F38-E00A-2EF6-0091-70F06DBDC613}"/>
+              </a:ext>
+            </a:extLst>
+          </p:cNvPr>
+          <p:cNvSpPr>
+            <a:spLocks noGrp="1"/>
+          </p:cNvSpPr>
+          <p:nvPr>
+            <p:ph idx="1"/>
+          </p:nvPr>
+        </p:nvSpPr>
+        <p:spPr/>
+        <p:txBody>
+          <a:bodyPr>
+            <a:normAutofit/>
+          </a:bodyPr>
+          <a:lstStyle/>
+          <a:p>
+            <a:r>
+              <a:rPr lang="en-US">
+                <a:latin typeface="Arial" panose="020B0604020202020204" pitchFamily="34" charset="0"/>
+                <a:cs typeface="Arial" panose="020B0604020202020204" pitchFamily="34" charset="0"/>
+              </a:rPr>
+              <a:t>Tại sao phải refresh token???</a:t>
+            </a:r>
+            <a:endParaRPr lang="vi-VN">
+              <a:latin typeface="Arial" panose="020B0604020202020204" pitchFamily="34" charset="0"/>
+              <a:cs typeface="Arial" panose="020B0604020202020204" pitchFamily="34" charset="0"/>
+            </a:endParaRPr>
+          </a:p>
+        </p:txBody>
+      </p:sp>
+    </p:spTree>
+    <p:extLst>
+      <p:ext uri="{BB962C8B-B14F-4D97-AF65-F5344CB8AC3E}">
+        <p14:creationId xmlns:p14="http://schemas.microsoft.com/office/powerpoint/2010/main" val="1331535020"/>
+      </p:ext>
+    </p:extLst>
+  </p:cSld>
+  <p:clrMapOvr>
+    <a:masterClrMapping/>
+  </p:clrMapOvr>
+</p:sld>
+</file>
+
+<file path=ppt/slides/slide37.xml><?xml version="1.0" encoding="utf-8"?>
+<p:sld xmlns:a="http://schemas.openxmlformats.org/drawingml/2006/main" xmlns:r="http://schemas.openxmlformats.org/officeDocument/2006/relationships" xmlns:p="http://schemas.openxmlformats.org/presentationml/2006/main">
+  <p:cSld>
+    <p:spTree>
+      <p:nvGrpSpPr>
+        <p:cNvPr id="1" name="">
+          <a:extLst>
+            <a:ext uri="{FF2B5EF4-FFF2-40B4-BE49-F238E27FC236}">
+              <a16:creationId xmlns:a16="http://schemas.microsoft.com/office/drawing/2014/main" id="{3FD892CB-4A48-BD6F-4E8A-3B8BF3C625A4}"/>
+            </a:ext>
+          </a:extLst>
+        </p:cNvPr>
+        <p:cNvGrpSpPr/>
+        <p:nvPr/>
+      </p:nvGrpSpPr>
+      <p:grpSpPr>
+        <a:xfrm>
+          <a:off x="0" y="0"/>
+          <a:ext cx="0" cy="0"/>
+          <a:chOff x="0" y="0"/>
+          <a:chExt cx="0" cy="0"/>
+        </a:xfrm>
+      </p:grpSpPr>
+      <p:sp>
+        <p:nvSpPr>
+          <p:cNvPr id="2" name="Title 1">
+            <a:extLst>
+              <a:ext uri="{FF2B5EF4-FFF2-40B4-BE49-F238E27FC236}">
+                <a16:creationId xmlns:a16="http://schemas.microsoft.com/office/drawing/2014/main" id="{D2C4A82F-BCF2-7A93-5932-01F22379FFB7}"/>
+              </a:ext>
+            </a:extLst>
+          </p:cNvPr>
+          <p:cNvSpPr>
+            <a:spLocks noGrp="1"/>
+          </p:cNvSpPr>
+          <p:nvPr>
+            <p:ph type="title"/>
+          </p:nvPr>
+        </p:nvSpPr>
+        <p:spPr/>
+        <p:txBody>
+          <a:bodyPr/>
+          <a:lstStyle/>
+          <a:p>
+            <a:r>
+              <a:rPr lang="en-US">
+                <a:latin typeface="Arial" panose="020B0604020202020204" pitchFamily="34" charset="0"/>
+                <a:cs typeface="Arial" panose="020B0604020202020204" pitchFamily="34" charset="0"/>
+              </a:rPr>
+              <a:t>Refresh token</a:t>
+            </a:r>
+          </a:p>
+        </p:txBody>
+      </p:sp>
+      <p:sp>
+        <p:nvSpPr>
+          <p:cNvPr id="3" name="Content Placeholder 2">
+            <a:extLst>
+              <a:ext uri="{FF2B5EF4-FFF2-40B4-BE49-F238E27FC236}">
+                <a16:creationId xmlns:a16="http://schemas.microsoft.com/office/drawing/2014/main" id="{2F59D26F-05F3-D675-2E22-1E41247B41D6}"/>
+              </a:ext>
+            </a:extLst>
+          </p:cNvPr>
+          <p:cNvSpPr>
+            <a:spLocks noGrp="1"/>
+          </p:cNvSpPr>
+          <p:nvPr>
+            <p:ph idx="1"/>
+          </p:nvPr>
+        </p:nvSpPr>
+        <p:spPr/>
+        <p:txBody>
+          <a:bodyPr>
+            <a:normAutofit/>
+          </a:bodyPr>
+          <a:lstStyle/>
+          <a:p>
+            <a:r>
+              <a:rPr lang="en-US">
+                <a:latin typeface="Arial" panose="020B0604020202020204" pitchFamily="34" charset="0"/>
+                <a:cs typeface="Arial" panose="020B0604020202020204" pitchFamily="34" charset="0"/>
+              </a:rPr>
+              <a:t>Bình thường các token thường có time hết hạn ngắn 30 phút, 1 tiếng…</a:t>
+            </a:r>
+          </a:p>
+          <a:p>
+            <a:r>
+              <a:rPr lang="vi-VN">
+                <a:latin typeface="Arial" panose="020B0604020202020204" pitchFamily="34" charset="0"/>
+                <a:cs typeface="Arial" panose="020B0604020202020204" pitchFamily="34" charset="0"/>
+              </a:rPr>
+              <a:t>Khi token hết hạn, người dùng cần </a:t>
+            </a:r>
+            <a:r>
+              <a:rPr lang="en-US">
+                <a:latin typeface="Arial" panose="020B0604020202020204" pitchFamily="34" charset="0"/>
+                <a:cs typeface="Arial" panose="020B0604020202020204" pitchFamily="34" charset="0"/>
+              </a:rPr>
+              <a:t>phải nhập username và password lại</a:t>
+            </a:r>
+            <a:r>
+              <a:rPr lang="vi-VN">
+                <a:latin typeface="Arial" panose="020B0604020202020204" pitchFamily="34" charset="0"/>
+                <a:cs typeface="Arial" panose="020B0604020202020204" pitchFamily="34" charset="0"/>
+              </a:rPr>
+              <a:t> để lấy token mới</a:t>
+            </a:r>
+            <a:r>
+              <a:rPr lang="en-US">
+                <a:latin typeface="Arial" panose="020B0604020202020204" pitchFamily="34" charset="0"/>
+                <a:cs typeface="Arial" panose="020B0604020202020204" pitchFamily="34" charset="0"/>
+              </a:rPr>
+              <a:t>.</a:t>
+            </a:r>
+          </a:p>
+          <a:p>
+            <a:r>
+              <a:rPr lang="en-US">
+                <a:latin typeface="Arial" panose="020B0604020202020204" pitchFamily="34" charset="0"/>
+                <a:cs typeface="Arial" panose="020B0604020202020204" pitchFamily="34" charset="0"/>
+              </a:rPr>
+              <a:t>=&gt; Trải nghiệm không tốt khi cứ phải login liên tục như vậy =&gt; Sinh ra</a:t>
+            </a:r>
+            <a:r>
+              <a:rPr lang="vi-VN">
+                <a:latin typeface="Arial" panose="020B0604020202020204" pitchFamily="34" charset="0"/>
+                <a:cs typeface="Arial" panose="020B0604020202020204" pitchFamily="34" charset="0"/>
+              </a:rPr>
+              <a:t> refresh token.</a:t>
+            </a:r>
+            <a:endParaRPr lang="en-US">
+              <a:latin typeface="Arial" panose="020B0604020202020204" pitchFamily="34" charset="0"/>
+              <a:cs typeface="Arial" panose="020B0604020202020204" pitchFamily="34" charset="0"/>
+            </a:endParaRPr>
+          </a:p>
+          <a:p>
+            <a:r>
+              <a:rPr lang="en-US">
+                <a:latin typeface="Arial" panose="020B0604020202020204" pitchFamily="34" charset="0"/>
+                <a:cs typeface="Arial" panose="020B0604020202020204" pitchFamily="34" charset="0"/>
+              </a:rPr>
+              <a:t>=&gt; Tức là khi token hiện tại sắp hết hạn =&gt; Request cấp một token mới từ token cũ mà không cần phải login lại.</a:t>
+            </a:r>
+            <a:endParaRPr lang="vi-VN">
+              <a:latin typeface="Arial" panose="020B0604020202020204" pitchFamily="34" charset="0"/>
+              <a:cs typeface="Arial" panose="020B0604020202020204" pitchFamily="34" charset="0"/>
+            </a:endParaRPr>
+          </a:p>
+        </p:txBody>
+      </p:sp>
+    </p:spTree>
+    <p:extLst>
+      <p:ext uri="{BB962C8B-B14F-4D97-AF65-F5344CB8AC3E}">
+        <p14:creationId xmlns:p14="http://schemas.microsoft.com/office/powerpoint/2010/main" val="1735950878"/>
+      </p:ext>
+    </p:extLst>
+  </p:cSld>
+  <p:clrMapOvr>
+    <a:masterClrMapping/>
+  </p:clrMapOvr>
+</p:sld>
+</file>
+
+<file path=ppt/slides/slide38.xml><?xml version="1.0" encoding="utf-8"?>
+<p:sld xmlns:a="http://schemas.openxmlformats.org/drawingml/2006/main" xmlns:r="http://schemas.openxmlformats.org/officeDocument/2006/relationships" xmlns:p="http://schemas.openxmlformats.org/presentationml/2006/main">
+  <p:cSld>
+    <p:spTree>
+      <p:nvGrpSpPr>
+        <p:cNvPr id="1" name="">
+          <a:extLst>
+            <a:ext uri="{FF2B5EF4-FFF2-40B4-BE49-F238E27FC236}">
+              <a16:creationId xmlns:a16="http://schemas.microsoft.com/office/drawing/2014/main" id="{5703E612-E405-1E57-B0E9-B59B26379966}"/>
+            </a:ext>
+          </a:extLst>
+        </p:cNvPr>
+        <p:cNvGrpSpPr/>
+        <p:nvPr/>
+      </p:nvGrpSpPr>
+      <p:grpSpPr>
+        <a:xfrm>
+          <a:off x="0" y="0"/>
+          <a:ext cx="0" cy="0"/>
+          <a:chOff x="0" y="0"/>
+          <a:chExt cx="0" cy="0"/>
+        </a:xfrm>
+      </p:grpSpPr>
+      <p:sp>
+        <p:nvSpPr>
+          <p:cNvPr id="2" name="Title 1">
+            <a:extLst>
+              <a:ext uri="{FF2B5EF4-FFF2-40B4-BE49-F238E27FC236}">
+                <a16:creationId xmlns:a16="http://schemas.microsoft.com/office/drawing/2014/main" id="{4CCE32E1-F2ED-F546-93ED-2EDC5A6DE78C}"/>
+              </a:ext>
+            </a:extLst>
+          </p:cNvPr>
+          <p:cNvSpPr>
+            <a:spLocks noGrp="1"/>
+          </p:cNvSpPr>
+          <p:nvPr>
+            <p:ph type="title"/>
+          </p:nvPr>
+        </p:nvSpPr>
+        <p:spPr/>
+        <p:txBody>
+          <a:bodyPr/>
+          <a:lstStyle/>
+          <a:p>
+            <a:r>
+              <a:rPr lang="en-US">
+                <a:latin typeface="Arial" panose="020B0604020202020204" pitchFamily="34" charset="0"/>
+                <a:cs typeface="Arial" panose="020B0604020202020204" pitchFamily="34" charset="0"/>
+              </a:rPr>
+              <a:t>Refresh token</a:t>
+            </a:r>
+          </a:p>
+        </p:txBody>
+      </p:sp>
+      <p:sp>
+        <p:nvSpPr>
+          <p:cNvPr id="3" name="Content Placeholder 2">
+            <a:extLst>
+              <a:ext uri="{FF2B5EF4-FFF2-40B4-BE49-F238E27FC236}">
+                <a16:creationId xmlns:a16="http://schemas.microsoft.com/office/drawing/2014/main" id="{6306A32C-0DC1-7BB4-E444-34476044E5FA}"/>
+              </a:ext>
+            </a:extLst>
+          </p:cNvPr>
+          <p:cNvSpPr>
+            <a:spLocks noGrp="1"/>
+          </p:cNvSpPr>
+          <p:nvPr>
+            <p:ph idx="1"/>
+          </p:nvPr>
+        </p:nvSpPr>
+        <p:spPr/>
+        <p:txBody>
+          <a:bodyPr>
+            <a:normAutofit/>
+          </a:bodyPr>
+          <a:lstStyle/>
+          <a:p>
+            <a:r>
+              <a:rPr lang="en-US">
+                <a:latin typeface="Arial" panose="020B0604020202020204" pitchFamily="34" charset="0"/>
+                <a:cs typeface="Arial" panose="020B0604020202020204" pitchFamily="34" charset="0"/>
+              </a:rPr>
+              <a:t>Implement như nào???</a:t>
+            </a:r>
+          </a:p>
+        </p:txBody>
+      </p:sp>
+    </p:spTree>
+    <p:extLst>
+      <p:ext uri="{BB962C8B-B14F-4D97-AF65-F5344CB8AC3E}">
+        <p14:creationId xmlns:p14="http://schemas.microsoft.com/office/powerpoint/2010/main" val="3955961038"/>
+      </p:ext>
+    </p:extLst>
+  </p:cSld>
+  <p:clrMapOvr>
+    <a:masterClrMapping/>
+  </p:clrMapOvr>
+</p:sld>
+</file>
+
+<file path=ppt/slides/slide39.xml><?xml version="1.0" encoding="utf-8"?>
+<p:sld xmlns:a="http://schemas.openxmlformats.org/drawingml/2006/main" xmlns:r="http://schemas.openxmlformats.org/officeDocument/2006/relationships" xmlns:p="http://schemas.openxmlformats.org/presentationml/2006/main">
+  <p:cSld>
+    <p:spTree>
+      <p:nvGrpSpPr>
+        <p:cNvPr id="1" name="">
+          <a:extLst>
+            <a:ext uri="{FF2B5EF4-FFF2-40B4-BE49-F238E27FC236}">
+              <a16:creationId xmlns:a16="http://schemas.microsoft.com/office/drawing/2014/main" id="{5B059B5A-02FD-F341-01F1-82DA5EA42E30}"/>
+            </a:ext>
+          </a:extLst>
+        </p:cNvPr>
+        <p:cNvGrpSpPr/>
+        <p:nvPr/>
+      </p:nvGrpSpPr>
+      <p:grpSpPr>
+        <a:xfrm>
+          <a:off x="0" y="0"/>
+          <a:ext cx="0" cy="0"/>
+          <a:chOff x="0" y="0"/>
+          <a:chExt cx="0" cy="0"/>
+        </a:xfrm>
+      </p:grpSpPr>
+      <p:sp>
+        <p:nvSpPr>
+          <p:cNvPr id="2" name="Title 1">
+            <a:extLst>
+              <a:ext uri="{FF2B5EF4-FFF2-40B4-BE49-F238E27FC236}">
+                <a16:creationId xmlns:a16="http://schemas.microsoft.com/office/drawing/2014/main" id="{A422A736-4EBF-F1FE-7CE0-29684D921823}"/>
+              </a:ext>
+            </a:extLst>
+          </p:cNvPr>
+          <p:cNvSpPr>
+            <a:spLocks noGrp="1"/>
+          </p:cNvSpPr>
+          <p:nvPr>
+            <p:ph type="title"/>
+          </p:nvPr>
+        </p:nvSpPr>
+        <p:spPr/>
+        <p:txBody>
+          <a:bodyPr/>
+          <a:lstStyle/>
+          <a:p>
+            <a:r>
+              <a:rPr lang="en-US">
+                <a:latin typeface="Arial" panose="020B0604020202020204" pitchFamily="34" charset="0"/>
+                <a:cs typeface="Arial" panose="020B0604020202020204" pitchFamily="34" charset="0"/>
+              </a:rPr>
+              <a:t>Refresh token</a:t>
+            </a:r>
+          </a:p>
+        </p:txBody>
+      </p:sp>
+      <p:sp>
+        <p:nvSpPr>
+          <p:cNvPr id="3" name="Content Placeholder 2">
+            <a:extLst>
+              <a:ext uri="{FF2B5EF4-FFF2-40B4-BE49-F238E27FC236}">
+                <a16:creationId xmlns:a16="http://schemas.microsoft.com/office/drawing/2014/main" id="{0D632C16-95F7-7972-56A8-D1D6FEBFC3AC}"/>
+              </a:ext>
+            </a:extLst>
+          </p:cNvPr>
+          <p:cNvSpPr>
+            <a:spLocks noGrp="1"/>
+          </p:cNvSpPr>
+          <p:nvPr>
+            <p:ph idx="1"/>
+          </p:nvPr>
+        </p:nvSpPr>
+        <p:spPr/>
+        <p:txBody>
+          <a:bodyPr>
+            <a:normAutofit/>
+          </a:bodyPr>
+          <a:lstStyle/>
+          <a:p>
+            <a:r>
+              <a:rPr lang="en-US">
+                <a:latin typeface="Arial" panose="020B0604020202020204" pitchFamily="34" charset="0"/>
+                <a:cs typeface="Arial" panose="020B0604020202020204" pitchFamily="34" charset="0"/>
+              </a:rPr>
+              <a:t>Có thể hình dung các step thực hiện</a:t>
+            </a:r>
+          </a:p>
+          <a:p>
+            <a:pPr lvl="1"/>
+            <a:r>
+              <a:rPr lang="en-US">
+                <a:latin typeface="Arial" panose="020B0604020202020204" pitchFamily="34" charset="0"/>
+                <a:cs typeface="Arial" panose="020B0604020202020204" pitchFamily="34" charset="0"/>
+              </a:rPr>
+              <a:t>Verify token cũ</a:t>
+            </a:r>
+          </a:p>
+          <a:p>
+            <a:pPr lvl="1"/>
+            <a:r>
+              <a:rPr lang="en-US">
+                <a:latin typeface="Arial" panose="020B0604020202020204" pitchFamily="34" charset="0"/>
+                <a:cs typeface="Arial" panose="020B0604020202020204" pitchFamily="34" charset="0"/>
+              </a:rPr>
+              <a:t>Lấy thông tin user</a:t>
+            </a:r>
+          </a:p>
+          <a:p>
+            <a:pPr lvl="1"/>
+            <a:r>
+              <a:rPr lang="en-US">
+                <a:latin typeface="Arial" panose="020B0604020202020204" pitchFamily="34" charset="0"/>
+                <a:cs typeface="Arial" panose="020B0604020202020204" pitchFamily="34" charset="0"/>
+              </a:rPr>
+              <a:t>Generate token mới theo thông tin user</a:t>
+            </a:r>
+          </a:p>
+          <a:p>
+            <a:pPr lvl="1"/>
+            <a:r>
+              <a:rPr lang="en-US">
+                <a:latin typeface="Arial" panose="020B0604020202020204" pitchFamily="34" charset="0"/>
+                <a:cs typeface="Arial" panose="020B0604020202020204" pitchFamily="34" charset="0"/>
+              </a:rPr>
+              <a:t>Disable token cũ</a:t>
+            </a:r>
+          </a:p>
+          <a:p>
+            <a:pPr lvl="1"/>
+            <a:endParaRPr lang="en-US">
+              <a:latin typeface="Arial" panose="020B0604020202020204" pitchFamily="34" charset="0"/>
+              <a:cs typeface="Arial" panose="020B0604020202020204" pitchFamily="34" charset="0"/>
+            </a:endParaRPr>
+          </a:p>
+        </p:txBody>
+      </p:sp>
+    </p:spTree>
+    <p:extLst>
+      <p:ext uri="{BB962C8B-B14F-4D97-AF65-F5344CB8AC3E}">
+        <p14:creationId xmlns:p14="http://schemas.microsoft.com/office/powerpoint/2010/main" val="3970164896"/>
+      </p:ext>
+    </p:extLst>
+  </p:cSld>
+  <p:clrMapOvr>
+    <a:masterClrMapping/>
+  </p:clrMapOvr>
+</p:sld>
+</file>
+
 <file path=ppt/slides/slide4.xml><?xml version="1.0" encoding="utf-8"?>
 <p:sld xmlns:a="http://schemas.openxmlformats.org/drawingml/2006/main" xmlns:r="http://schemas.openxmlformats.org/officeDocument/2006/relationships" xmlns:p="http://schemas.openxmlformats.org/presentationml/2006/main">
   <p:cSld>
@@ -7641,6 +10901,265 @@
     <p:extLst>
       <p:ext uri="{BB962C8B-B14F-4D97-AF65-F5344CB8AC3E}">
         <p14:creationId xmlns:p14="http://schemas.microsoft.com/office/powerpoint/2010/main" val="2052468173"/>
+      </p:ext>
+    </p:extLst>
+  </p:cSld>
+  <p:clrMapOvr>
+    <a:masterClrMapping/>
+  </p:clrMapOvr>
+</p:sld>
+</file>
+
+<file path=ppt/slides/slide40.xml><?xml version="1.0" encoding="utf-8"?>
+<p:sld xmlns:a="http://schemas.openxmlformats.org/drawingml/2006/main" xmlns:r="http://schemas.openxmlformats.org/officeDocument/2006/relationships" xmlns:p="http://schemas.openxmlformats.org/presentationml/2006/main">
+  <p:cSld>
+    <p:spTree>
+      <p:nvGrpSpPr>
+        <p:cNvPr id="1" name="">
+          <a:extLst>
+            <a:ext uri="{FF2B5EF4-FFF2-40B4-BE49-F238E27FC236}">
+              <a16:creationId xmlns:a16="http://schemas.microsoft.com/office/drawing/2014/main" id="{7068F0E5-C105-2212-0179-AB7E16E462C0}"/>
+            </a:ext>
+          </a:extLst>
+        </p:cNvPr>
+        <p:cNvGrpSpPr/>
+        <p:nvPr/>
+      </p:nvGrpSpPr>
+      <p:grpSpPr>
+        <a:xfrm>
+          <a:off x="0" y="0"/>
+          <a:ext cx="0" cy="0"/>
+          <a:chOff x="0" y="0"/>
+          <a:chExt cx="0" cy="0"/>
+        </a:xfrm>
+      </p:grpSpPr>
+      <p:sp>
+        <p:nvSpPr>
+          <p:cNvPr id="2" name="Title 1">
+            <a:extLst>
+              <a:ext uri="{FF2B5EF4-FFF2-40B4-BE49-F238E27FC236}">
+                <a16:creationId xmlns:a16="http://schemas.microsoft.com/office/drawing/2014/main" id="{42C276F6-00A7-9AE9-3FA0-B03877D35200}"/>
+              </a:ext>
+            </a:extLst>
+          </p:cNvPr>
+          <p:cNvSpPr>
+            <a:spLocks noGrp="1"/>
+          </p:cNvSpPr>
+          <p:nvPr>
+            <p:ph type="title"/>
+          </p:nvPr>
+        </p:nvSpPr>
+        <p:spPr/>
+        <p:txBody>
+          <a:bodyPr/>
+          <a:lstStyle/>
+          <a:p>
+            <a:r>
+              <a:rPr lang="en-US">
+                <a:latin typeface="Arial" panose="020B0604020202020204" pitchFamily="34" charset="0"/>
+                <a:cs typeface="Arial" panose="020B0604020202020204" pitchFamily="34" charset="0"/>
+              </a:rPr>
+              <a:t>Refresh token</a:t>
+            </a:r>
+          </a:p>
+        </p:txBody>
+      </p:sp>
+      <p:sp>
+        <p:nvSpPr>
+          <p:cNvPr id="3" name="Content Placeholder 2">
+            <a:extLst>
+              <a:ext uri="{FF2B5EF4-FFF2-40B4-BE49-F238E27FC236}">
+                <a16:creationId xmlns:a16="http://schemas.microsoft.com/office/drawing/2014/main" id="{DE13C7ED-AD7D-7605-BDDD-5BBFE796C46E}"/>
+              </a:ext>
+            </a:extLst>
+          </p:cNvPr>
+          <p:cNvSpPr>
+            <a:spLocks noGrp="1"/>
+          </p:cNvSpPr>
+          <p:nvPr>
+            <p:ph idx="1"/>
+          </p:nvPr>
+        </p:nvSpPr>
+        <p:spPr/>
+        <p:txBody>
+          <a:bodyPr>
+            <a:normAutofit/>
+          </a:bodyPr>
+          <a:lstStyle/>
+          <a:p>
+            <a:r>
+              <a:rPr lang="en-US">
+                <a:latin typeface="Arial" panose="020B0604020202020204" pitchFamily="34" charset="0"/>
+                <a:cs typeface="Arial" panose="020B0604020202020204" pitchFamily="34" charset="0"/>
+              </a:rPr>
+              <a:t>Có thể hình dung các step thực hiện</a:t>
+            </a:r>
+          </a:p>
+          <a:p>
+            <a:pPr lvl="1"/>
+            <a:r>
+              <a:rPr lang="en-US">
+                <a:latin typeface="Arial" panose="020B0604020202020204" pitchFamily="34" charset="0"/>
+                <a:cs typeface="Arial" panose="020B0604020202020204" pitchFamily="34" charset="0"/>
+              </a:rPr>
+              <a:t>Verify token cũ (Đã có)</a:t>
+            </a:r>
+          </a:p>
+          <a:p>
+            <a:pPr lvl="1"/>
+            <a:r>
+              <a:rPr lang="en-US">
+                <a:latin typeface="Arial" panose="020B0604020202020204" pitchFamily="34" charset="0"/>
+                <a:cs typeface="Arial" panose="020B0604020202020204" pitchFamily="34" charset="0"/>
+              </a:rPr>
+              <a:t>Lấy thông tin user (Đã có ở phần filter)</a:t>
+            </a:r>
+          </a:p>
+          <a:p>
+            <a:pPr lvl="1"/>
+            <a:r>
+              <a:rPr lang="en-US">
+                <a:latin typeface="Arial" panose="020B0604020202020204" pitchFamily="34" charset="0"/>
+                <a:cs typeface="Arial" panose="020B0604020202020204" pitchFamily="34" charset="0"/>
+              </a:rPr>
+              <a:t>Generate token mới theo thông tin user (Đã có)</a:t>
+            </a:r>
+          </a:p>
+          <a:p>
+            <a:pPr lvl="1"/>
+            <a:r>
+              <a:rPr lang="en-US">
+                <a:latin typeface="Arial" panose="020B0604020202020204" pitchFamily="34" charset="0"/>
+                <a:cs typeface="Arial" panose="020B0604020202020204" pitchFamily="34" charset="0"/>
+              </a:rPr>
+              <a:t>Disable token cũ</a:t>
+            </a:r>
+          </a:p>
+          <a:p>
+            <a:pPr lvl="1"/>
+            <a:endParaRPr lang="en-US">
+              <a:latin typeface="Arial" panose="020B0604020202020204" pitchFamily="34" charset="0"/>
+              <a:cs typeface="Arial" panose="020B0604020202020204" pitchFamily="34" charset="0"/>
+            </a:endParaRPr>
+          </a:p>
+        </p:txBody>
+      </p:sp>
+    </p:spTree>
+    <p:extLst>
+      <p:ext uri="{BB962C8B-B14F-4D97-AF65-F5344CB8AC3E}">
+        <p14:creationId xmlns:p14="http://schemas.microsoft.com/office/powerpoint/2010/main" val="3402431471"/>
+      </p:ext>
+    </p:extLst>
+  </p:cSld>
+  <p:clrMapOvr>
+    <a:masterClrMapping/>
+  </p:clrMapOvr>
+</p:sld>
+</file>
+
+<file path=ppt/slides/slide41.xml><?xml version="1.0" encoding="utf-8"?>
+<p:sld xmlns:a="http://schemas.openxmlformats.org/drawingml/2006/main" xmlns:r="http://schemas.openxmlformats.org/officeDocument/2006/relationships" xmlns:p="http://schemas.openxmlformats.org/presentationml/2006/main">
+  <p:cSld>
+    <p:spTree>
+      <p:nvGrpSpPr>
+        <p:cNvPr id="1" name="">
+          <a:extLst>
+            <a:ext uri="{FF2B5EF4-FFF2-40B4-BE49-F238E27FC236}">
+              <a16:creationId xmlns:a16="http://schemas.microsoft.com/office/drawing/2014/main" id="{78070260-DDC0-E785-1169-24DD19CAFEFA}"/>
+            </a:ext>
+          </a:extLst>
+        </p:cNvPr>
+        <p:cNvGrpSpPr/>
+        <p:nvPr/>
+      </p:nvGrpSpPr>
+      <p:grpSpPr>
+        <a:xfrm>
+          <a:off x="0" y="0"/>
+          <a:ext cx="0" cy="0"/>
+          <a:chOff x="0" y="0"/>
+          <a:chExt cx="0" cy="0"/>
+        </a:xfrm>
+      </p:grpSpPr>
+      <p:sp>
+        <p:nvSpPr>
+          <p:cNvPr id="2" name="Title 1">
+            <a:extLst>
+              <a:ext uri="{FF2B5EF4-FFF2-40B4-BE49-F238E27FC236}">
+                <a16:creationId xmlns:a16="http://schemas.microsoft.com/office/drawing/2014/main" id="{FD6CBA15-FC0D-BA4A-CDC2-08F4874D25A8}"/>
+              </a:ext>
+            </a:extLst>
+          </p:cNvPr>
+          <p:cNvSpPr>
+            <a:spLocks noGrp="1"/>
+          </p:cNvSpPr>
+          <p:nvPr>
+            <p:ph type="title"/>
+          </p:nvPr>
+        </p:nvSpPr>
+        <p:spPr/>
+        <p:txBody>
+          <a:bodyPr/>
+          <a:lstStyle/>
+          <a:p>
+            <a:r>
+              <a:rPr kumimoji="1" lang="en-US" altLang="ja-JP"/>
+              <a:t>Excercise</a:t>
+            </a:r>
+            <a:endParaRPr kumimoji="1" lang="ja-JP" altLang="en-US"/>
+          </a:p>
+        </p:txBody>
+      </p:sp>
+      <p:sp>
+        <p:nvSpPr>
+          <p:cNvPr id="3" name="Content Placeholder 2">
+            <a:extLst>
+              <a:ext uri="{FF2B5EF4-FFF2-40B4-BE49-F238E27FC236}">
+                <a16:creationId xmlns:a16="http://schemas.microsoft.com/office/drawing/2014/main" id="{E2B57151-8B23-1DAB-C376-56A4C85AAF7C}"/>
+              </a:ext>
+            </a:extLst>
+          </p:cNvPr>
+          <p:cNvSpPr>
+            <a:spLocks noGrp="1"/>
+          </p:cNvSpPr>
+          <p:nvPr>
+            <p:ph idx="1"/>
+          </p:nvPr>
+        </p:nvSpPr>
+        <p:spPr/>
+        <p:txBody>
+          <a:bodyPr/>
+          <a:lstStyle/>
+          <a:p>
+            <a:r>
+              <a:rPr lang="en-US" altLang="ja-JP">
+                <a:latin typeface="Arial" panose="020B0604020202020204" pitchFamily="34" charset="0"/>
+                <a:cs typeface="Arial" panose="020B0604020202020204" pitchFamily="34" charset="0"/>
+              </a:rPr>
+              <a:t>Bài tập:</a:t>
+            </a:r>
+          </a:p>
+          <a:p>
+            <a:pPr lvl="1"/>
+            <a:r>
+              <a:rPr lang="en-US" altLang="ja-JP">
+                <a:solidFill>
+                  <a:schemeClr val="tx1"/>
+                </a:solidFill>
+                <a:latin typeface="Arial" panose="020B0604020202020204" pitchFamily="34" charset="0"/>
+                <a:cs typeface="Arial" panose="020B0604020202020204" pitchFamily="34" charset="0"/>
+              </a:rPr>
+              <a:t>Implement refresh token ^^</a:t>
+            </a:r>
+          </a:p>
+          <a:p>
+            <a:endParaRPr kumimoji="1" lang="ja-JP" altLang="en-US"/>
+          </a:p>
+        </p:txBody>
+      </p:sp>
+    </p:spTree>
+    <p:extLst>
+      <p:ext uri="{BB962C8B-B14F-4D97-AF65-F5344CB8AC3E}">
+        <p14:creationId xmlns:p14="http://schemas.microsoft.com/office/powerpoint/2010/main" val="457424290"/>
       </p:ext>
     </p:extLst>
   </p:cSld>
